--- a/English/1.Importation techniques/8.Importing JSON.pptx
+++ b/English/1.Importation techniques/8.Importing JSON.pptx
@@ -20,7 +20,7 @@
   <p:notesSz cx="6858000" cy="9144000"/>
   <p:defaultTextStyle>
     <a:defPPr>
-      <a:defRPr lang="en-US"/>
+      <a:defRPr lang="en"/>
     </a:defPPr>
     <a:lvl1pPr marL="0" algn="l" defTabSz="914400" rtl="0" eaLnBrk="1" latinLnBrk="0" hangingPunct="1">
       <a:defRPr sz="1800" kern="1200">
@@ -203,7 +203,7 @@
           <a:p>
             <a:fld id="{056BA3B8-9F76-4D81-B71D-76CB85363062}" type="datetimeFigureOut">
               <a:rPr lang="en-US" smtClean="0"/>
-              <a:t>12/30/2024</a:t>
+              <a:t>2/25/2025</a:t>
             </a:fld>
             <a:endParaRPr lang="en-US"/>
           </a:p>
@@ -1022,7 +1022,7 @@
           <a:p>
             <a:fld id="{6F01DA4D-20EA-48D2-973C-0311EC3005D6}" type="datetimeFigureOut">
               <a:rPr lang="en-US" smtClean="0"/>
-              <a:t>12/30/2024</a:t>
+              <a:t>2/25/2025</a:t>
             </a:fld>
             <a:endParaRPr lang="en-US"/>
           </a:p>
@@ -1192,7 +1192,7 @@
           <a:p>
             <a:fld id="{6F01DA4D-20EA-48D2-973C-0311EC3005D6}" type="datetimeFigureOut">
               <a:rPr lang="en-US" smtClean="0"/>
-              <a:t>12/30/2024</a:t>
+              <a:t>2/25/2025</a:t>
             </a:fld>
             <a:endParaRPr lang="en-US"/>
           </a:p>
@@ -1372,7 +1372,7 @@
           <a:p>
             <a:fld id="{6F01DA4D-20EA-48D2-973C-0311EC3005D6}" type="datetimeFigureOut">
               <a:rPr lang="en-US" smtClean="0"/>
-              <a:t>12/30/2024</a:t>
+              <a:t>2/25/2025</a:t>
             </a:fld>
             <a:endParaRPr lang="en-US"/>
           </a:p>
@@ -1542,7 +1542,7 @@
           <a:p>
             <a:fld id="{6F01DA4D-20EA-48D2-973C-0311EC3005D6}" type="datetimeFigureOut">
               <a:rPr lang="en-US" smtClean="0"/>
-              <a:t>12/30/2024</a:t>
+              <a:t>2/25/2025</a:t>
             </a:fld>
             <a:endParaRPr lang="en-US"/>
           </a:p>
@@ -1788,7 +1788,7 @@
           <a:p>
             <a:fld id="{6F01DA4D-20EA-48D2-973C-0311EC3005D6}" type="datetimeFigureOut">
               <a:rPr lang="en-US" smtClean="0"/>
-              <a:t>12/30/2024</a:t>
+              <a:t>2/25/2025</a:t>
             </a:fld>
             <a:endParaRPr lang="en-US"/>
           </a:p>
@@ -2020,7 +2020,7 @@
           <a:p>
             <a:fld id="{6F01DA4D-20EA-48D2-973C-0311EC3005D6}" type="datetimeFigureOut">
               <a:rPr lang="en-US" smtClean="0"/>
-              <a:t>12/30/2024</a:t>
+              <a:t>2/25/2025</a:t>
             </a:fld>
             <a:endParaRPr lang="en-US"/>
           </a:p>
@@ -2387,7 +2387,7 @@
           <a:p>
             <a:fld id="{6F01DA4D-20EA-48D2-973C-0311EC3005D6}" type="datetimeFigureOut">
               <a:rPr lang="en-US" smtClean="0"/>
-              <a:t>12/30/2024</a:t>
+              <a:t>2/25/2025</a:t>
             </a:fld>
             <a:endParaRPr lang="en-US"/>
           </a:p>
@@ -2505,7 +2505,7 @@
           <a:p>
             <a:fld id="{6F01DA4D-20EA-48D2-973C-0311EC3005D6}" type="datetimeFigureOut">
               <a:rPr lang="en-US" smtClean="0"/>
-              <a:t>12/30/2024</a:t>
+              <a:t>2/25/2025</a:t>
             </a:fld>
             <a:endParaRPr lang="en-US"/>
           </a:p>
@@ -2600,7 +2600,7 @@
           <a:p>
             <a:fld id="{6F01DA4D-20EA-48D2-973C-0311EC3005D6}" type="datetimeFigureOut">
               <a:rPr lang="en-US" smtClean="0"/>
-              <a:t>12/30/2024</a:t>
+              <a:t>2/25/2025</a:t>
             </a:fld>
             <a:endParaRPr lang="en-US"/>
           </a:p>
@@ -2877,7 +2877,7 @@
           <a:p>
             <a:fld id="{6F01DA4D-20EA-48D2-973C-0311EC3005D6}" type="datetimeFigureOut">
               <a:rPr lang="en-US" smtClean="0"/>
-              <a:t>12/30/2024</a:t>
+              <a:t>2/25/2025</a:t>
             </a:fld>
             <a:endParaRPr lang="en-US"/>
           </a:p>
@@ -3130,7 +3130,7 @@
           <a:p>
             <a:fld id="{6F01DA4D-20EA-48D2-973C-0311EC3005D6}" type="datetimeFigureOut">
               <a:rPr lang="en-US" smtClean="0"/>
-              <a:t>12/30/2024</a:t>
+              <a:t>2/25/2025</a:t>
             </a:fld>
             <a:endParaRPr lang="en-US"/>
           </a:p>
@@ -3343,7 +3343,7 @@
           <a:p>
             <a:fld id="{6F01DA4D-20EA-48D2-973C-0311EC3005D6}" type="datetimeFigureOut">
               <a:rPr lang="en-US" smtClean="0"/>
-              <a:t>12/30/2024</a:t>
+              <a:t>2/25/2025</a:t>
             </a:fld>
             <a:endParaRPr lang="en-US"/>
           </a:p>
@@ -3778,9 +3778,9 @@
           </a:bodyPr>
           <a:lstStyle/>
           <a:p>
-            <a:pPr algn="ctr"/>
-            <a:r>
-              <a:rPr lang="en-US" sz="8000" b="1" dirty="0" smtClean="0">
+            <a:pPr xmlns:a="http://schemas.openxmlformats.org/drawingml/2006/main" algn="ctr"/>
+            <a:r xmlns:a="http://schemas.openxmlformats.org/drawingml/2006/main">
+              <a:rPr lang="en" sz="8000" b="1" dirty="0" smtClean="0">
                 <a:solidFill>
                   <a:srgbClr val="7030A0"/>
                 </a:solidFill>
@@ -3790,8 +3790,8 @@
               </a:rPr>
               <a:t>Import </a:t>
             </a:r>
-            <a:r>
-              <a:rPr lang="fr-FR" sz="8000" b="1" dirty="0" smtClean="0">
+            <a:r xmlns:a="http://schemas.openxmlformats.org/drawingml/2006/main">
+              <a:rPr lang="en" sz="8000" b="1" dirty="0" smtClean="0">
                 <a:solidFill>
                   <a:srgbClr val="7030A0"/>
                 </a:solidFill>
@@ -3801,7 +3801,7 @@
               </a:rPr>
               <a:t>JSON</a:t>
             </a:r>
-            <a:endParaRPr lang="en-US" sz="8000" b="1" dirty="0">
+            <a:endParaRPr xmlns:a="http://schemas.openxmlformats.org/drawingml/2006/main" lang="en-US" sz="8000" b="1" dirty="0">
               <a:solidFill>
                 <a:srgbClr val="7030A0"/>
               </a:solidFill>
@@ -3820,7 +3820,7 @@
         </p:nvSpPr>
         <p:spPr>
           <a:xfrm>
-            <a:off x="1440958" y="2343546"/>
+            <a:off x="1446603" y="2343546"/>
             <a:ext cx="9199606" cy="1323439"/>
           </a:xfrm>
           <a:prstGeom prst="rect">
@@ -3834,9 +3834,9 @@
           </a:bodyPr>
           <a:lstStyle/>
           <a:p>
-            <a:pPr algn="ctr"/>
-            <a:r>
-              <a:rPr lang="en-US" sz="8000" b="1" dirty="0" smtClean="0">
+            <a:pPr xmlns:a="http://schemas.openxmlformats.org/drawingml/2006/main" algn="ctr"/>
+            <a:r xmlns:a="http://schemas.openxmlformats.org/drawingml/2006/main">
+              <a:rPr lang="en" sz="8000" b="1" dirty="0" smtClean="0">
                 <a:solidFill>
                   <a:schemeClr val="bg1"/>
                 </a:solidFill>
@@ -3844,20 +3844,9 @@
                 <a:ea typeface="Verdana" panose="020B0604030504040204" pitchFamily="34" charset="0"/>
                 <a:cs typeface="Segoe UI" panose="020B0502040204020203" pitchFamily="34" charset="0"/>
               </a:rPr>
-              <a:t>Import </a:t>
-            </a:r>
-            <a:r>
-              <a:rPr lang="en-US" sz="8000" b="1" dirty="0" smtClean="0">
-                <a:solidFill>
-                  <a:schemeClr val="bg1"/>
-                </a:solidFill>
-                <a:latin typeface="Segoe UI" panose="020B0502040204020203" pitchFamily="34" charset="0"/>
-                <a:ea typeface="Verdana" panose="020B0604030504040204" pitchFamily="34" charset="0"/>
-                <a:cs typeface="Segoe UI" panose="020B0502040204020203" pitchFamily="34" charset="0"/>
-              </a:rPr>
-              <a:t>JSON</a:t>
-            </a:r>
-            <a:endParaRPr lang="en-US" sz="8000" b="1" dirty="0">
+              <a:t>Import JSON</a:t>
+            </a:r>
+            <a:endParaRPr xmlns:a="http://schemas.openxmlformats.org/drawingml/2006/main" lang="en-US" sz="8000" b="1" dirty="0">
               <a:solidFill>
                 <a:schemeClr val="bg1"/>
               </a:solidFill>
@@ -3914,7 +3903,7 @@
         <p:spPr>
           <a:xfrm>
             <a:off x="449178" y="216445"/>
-            <a:ext cx="1936749" cy="366895"/>
+            <a:ext cx="1805302" cy="366895"/>
           </a:xfrm>
           <a:prstGeom prst="rect">
             <a:avLst/>
@@ -3926,7 +3915,7 @@
           </a:bodyPr>
           <a:lstStyle/>
           <a:p>
-            <a:pPr>
+            <a:pPr xmlns:a="http://schemas.openxmlformats.org/drawingml/2006/main">
               <a:lnSpc>
                 <a:spcPct val="107000"/>
               </a:lnSpc>
@@ -3937,264 +3926,17 @@
                 <a:spcPts val="0"/>
               </a:spcAft>
             </a:pPr>
-            <a:r>
-              <a:rPr lang="en-US" b="1" kern="0" dirty="0" smtClean="0">
+            <a:r xmlns:a="http://schemas.openxmlformats.org/drawingml/2006/main">
+              <a:rPr lang="en" b="1" kern="0" dirty="0" smtClean="0">
                 <a:latin typeface="Segoe UI" panose="020B0502040204020203" pitchFamily="34" charset="0"/>
                 <a:ea typeface="Times New Roman" panose="02020603050405020304" pitchFamily="18" charset="0"/>
                 <a:cs typeface="Times New Roman" panose="02020603050405020304" pitchFamily="18" charset="0"/>
               </a:rPr>
-              <a:t>Importing </a:t>
-            </a:r>
-            <a:r>
-              <a:rPr lang="en-US" b="1" kern="0" dirty="0" smtClean="0">
-                <a:latin typeface="Segoe UI" panose="020B0502040204020203" pitchFamily="34" charset="0"/>
-                <a:ea typeface="Times New Roman" panose="02020603050405020304" pitchFamily="18" charset="0"/>
-                <a:cs typeface="Times New Roman" panose="02020603050405020304" pitchFamily="18" charset="0"/>
-              </a:rPr>
-              <a:t>JSON</a:t>
-            </a:r>
-            <a:endParaRPr lang="en-US" b="1" kern="0" dirty="0">
+              <a:t>Import JSON</a:t>
+            </a:r>
+            <a:endParaRPr xmlns:a="http://schemas.openxmlformats.org/drawingml/2006/main" lang="en-US" b="1" kern="0" dirty="0">
               <a:latin typeface="Segoe UI" panose="020B0502040204020203" pitchFamily="34" charset="0"/>
               <a:ea typeface="Times New Roman" panose="02020603050405020304" pitchFamily="18" charset="0"/>
-              <a:cs typeface="Times New Roman" panose="02020603050405020304" pitchFamily="18" charset="0"/>
-            </a:endParaRPr>
-          </a:p>
-        </p:txBody>
-      </p:sp>
-      <p:sp>
-        <p:nvSpPr>
-          <p:cNvPr id="2" name="Rectangle 1"/>
-          <p:cNvSpPr/>
-          <p:nvPr/>
-        </p:nvSpPr>
-        <p:spPr>
-          <a:xfrm>
-            <a:off x="449177" y="755316"/>
-            <a:ext cx="10489755" cy="388696"/>
-          </a:xfrm>
-          <a:prstGeom prst="rect">
-            <a:avLst/>
-          </a:prstGeom>
-        </p:spPr>
-        <p:txBody>
-          <a:bodyPr wrap="square">
-            <a:spAutoFit/>
-          </a:bodyPr>
-          <a:lstStyle/>
-          <a:p>
-            <a:pPr>
-              <a:lnSpc>
-                <a:spcPct val="107000"/>
-              </a:lnSpc>
-              <a:spcBef>
-                <a:spcPts val="1200"/>
-              </a:spcBef>
-              <a:spcAft>
-                <a:spcPts val="0"/>
-              </a:spcAft>
-            </a:pPr>
-            <a:r>
-              <a:rPr lang="fr-FR" b="1" kern="0" dirty="0">
-                <a:latin typeface="Segoe UI" panose="020B0502040204020203" pitchFamily="34" charset="0"/>
-                <a:ea typeface="Times New Roman" panose="02020603050405020304" pitchFamily="18" charset="0"/>
-                <a:cs typeface="Times New Roman" panose="02020603050405020304" pitchFamily="18" charset="0"/>
-              </a:rPr>
-              <a:t>Note: </a:t>
-            </a:r>
-            <a:r>
-              <a:rPr lang="fr-FR" kern="0" dirty="0">
-                <a:latin typeface="Segoe UI" panose="020B0502040204020203" pitchFamily="34" charset="0"/>
-                <a:ea typeface="Times New Roman" panose="02020603050405020304" pitchFamily="18" charset="0"/>
-                <a:cs typeface="Times New Roman" panose="02020603050405020304" pitchFamily="18" charset="0"/>
-              </a:rPr>
-              <a:t>This </a:t>
-            </a:r>
-            <a:r>
-              <a:rPr lang="fr-FR" kern="0" dirty="0" err="1">
-                <a:latin typeface="Segoe UI" panose="020B0502040204020203" pitchFamily="34" charset="0"/>
-                <a:ea typeface="Times New Roman" panose="02020603050405020304" pitchFamily="18" charset="0"/>
-                <a:cs typeface="Times New Roman" panose="02020603050405020304" pitchFamily="18" charset="0"/>
-              </a:rPr>
-              <a:t>Lab</a:t>
-            </a:r>
-            <a:r>
-              <a:rPr lang="fr-FR" kern="0" dirty="0">
-                <a:latin typeface="Segoe UI" panose="020B0502040204020203" pitchFamily="34" charset="0"/>
-                <a:ea typeface="Times New Roman" panose="02020603050405020304" pitchFamily="18" charset="0"/>
-                <a:cs typeface="Times New Roman" panose="02020603050405020304" pitchFamily="18" charset="0"/>
-              </a:rPr>
-              <a:t> uses the </a:t>
-            </a:r>
-            <a:r>
-              <a:rPr lang="fr-FR" b="1" kern="0" dirty="0" err="1" smtClean="0">
-                <a:latin typeface="Segoe UI" panose="020B0502040204020203" pitchFamily="34" charset="0"/>
-                <a:ea typeface="Times New Roman" panose="02020603050405020304" pitchFamily="18" charset="0"/>
-                <a:cs typeface="Times New Roman" panose="02020603050405020304" pitchFamily="18" charset="0"/>
-              </a:rPr>
-              <a:t>CustomerOrder.json</a:t>
-            </a:r>
-            <a:r>
-              <a:rPr lang="fr-FR" b="1" kern="0" dirty="0" smtClean="0">
-                <a:latin typeface="Segoe UI" panose="020B0502040204020203" pitchFamily="34" charset="0"/>
-                <a:ea typeface="Times New Roman" panose="02020603050405020304" pitchFamily="18" charset="0"/>
-                <a:cs typeface="Times New Roman" panose="02020603050405020304" pitchFamily="18" charset="0"/>
-              </a:rPr>
-              <a:t> </a:t>
-            </a:r>
-            <a:r>
-              <a:rPr lang="fr-FR" b="1" kern="0" dirty="0">
-                <a:latin typeface="Segoe UI" panose="020B0502040204020203" pitchFamily="34" charset="0"/>
-                <a:ea typeface="Times New Roman" panose="02020603050405020304" pitchFamily="18" charset="0"/>
-                <a:cs typeface="Times New Roman" panose="02020603050405020304" pitchFamily="18" charset="0"/>
-              </a:rPr>
-              <a:t>file </a:t>
-            </a:r>
-            <a:r>
-              <a:rPr lang="fr-FR" kern="0" dirty="0" err="1">
-                <a:latin typeface="Segoe UI" panose="020B0502040204020203" pitchFamily="34" charset="0"/>
-                <a:ea typeface="Times New Roman" panose="02020603050405020304" pitchFamily="18" charset="0"/>
-                <a:cs typeface="Times New Roman" panose="02020603050405020304" pitchFamily="18" charset="0"/>
-              </a:rPr>
-              <a:t>located</a:t>
-            </a:r>
-            <a:r>
-              <a:rPr lang="fr-FR" kern="0" dirty="0">
-                <a:latin typeface="Segoe UI" panose="020B0502040204020203" pitchFamily="34" charset="0"/>
-                <a:ea typeface="Times New Roman" panose="02020603050405020304" pitchFamily="18" charset="0"/>
-                <a:cs typeface="Times New Roman" panose="02020603050405020304" pitchFamily="18" charset="0"/>
-              </a:rPr>
-              <a:t> in the </a:t>
-            </a:r>
-            <a:r>
-              <a:rPr lang="fr-FR" b="1" kern="0" dirty="0" err="1">
-                <a:latin typeface="Segoe UI" panose="020B0502040204020203" pitchFamily="34" charset="0"/>
-                <a:ea typeface="Times New Roman" panose="02020603050405020304" pitchFamily="18" charset="0"/>
-                <a:cs typeface="Times New Roman" panose="02020603050405020304" pitchFamily="18" charset="0"/>
-              </a:rPr>
-              <a:t>resources</a:t>
-            </a:r>
-            <a:r>
-              <a:rPr lang="fr-FR" b="1" kern="0" dirty="0">
-                <a:latin typeface="Segoe UI" panose="020B0502040204020203" pitchFamily="34" charset="0"/>
-                <a:ea typeface="Times New Roman" panose="02020603050405020304" pitchFamily="18" charset="0"/>
-                <a:cs typeface="Times New Roman" panose="02020603050405020304" pitchFamily="18" charset="0"/>
-              </a:rPr>
-              <a:t> </a:t>
-            </a:r>
-            <a:r>
-              <a:rPr lang="fr-FR" kern="0" dirty="0">
-                <a:latin typeface="Segoe UI" panose="020B0502040204020203" pitchFamily="34" charset="0"/>
-                <a:ea typeface="Times New Roman" panose="02020603050405020304" pitchFamily="18" charset="0"/>
-                <a:cs typeface="Times New Roman" panose="02020603050405020304" pitchFamily="18" charset="0"/>
-              </a:rPr>
-              <a:t>/ </a:t>
-            </a:r>
-            <a:r>
-              <a:rPr lang="fr-FR" b="1" kern="0" dirty="0" err="1" smtClean="0">
-                <a:latin typeface="Segoe UI" panose="020B0502040204020203" pitchFamily="34" charset="0"/>
-                <a:ea typeface="Times New Roman" panose="02020603050405020304" pitchFamily="18" charset="0"/>
-                <a:cs typeface="Times New Roman" panose="02020603050405020304" pitchFamily="18" charset="0"/>
-              </a:rPr>
-              <a:t>JsonSources</a:t>
-            </a:r>
-            <a:r>
-              <a:rPr lang="fr-FR" b="1" kern="0" dirty="0" smtClean="0">
-                <a:latin typeface="Segoe UI" panose="020B0502040204020203" pitchFamily="34" charset="0"/>
-                <a:ea typeface="Times New Roman" panose="02020603050405020304" pitchFamily="18" charset="0"/>
-                <a:cs typeface="Times New Roman" panose="02020603050405020304" pitchFamily="18" charset="0"/>
-              </a:rPr>
-              <a:t> </a:t>
-            </a:r>
-            <a:r>
-              <a:rPr lang="fr-FR" b="1" kern="0" dirty="0" err="1">
-                <a:latin typeface="Segoe UI" panose="020B0502040204020203" pitchFamily="34" charset="0"/>
-                <a:ea typeface="Times New Roman" panose="02020603050405020304" pitchFamily="18" charset="0"/>
-                <a:cs typeface="Times New Roman" panose="02020603050405020304" pitchFamily="18" charset="0"/>
-              </a:rPr>
-              <a:t>folder</a:t>
-            </a:r>
-            <a:r>
-              <a:rPr lang="fr-FR" b="1" kern="0" dirty="0">
-                <a:latin typeface="Segoe UI" panose="020B0502040204020203" pitchFamily="34" charset="0"/>
-                <a:ea typeface="Times New Roman" panose="02020603050405020304" pitchFamily="18" charset="0"/>
-                <a:cs typeface="Times New Roman" panose="02020603050405020304" pitchFamily="18" charset="0"/>
-              </a:rPr>
-              <a:t> </a:t>
-            </a:r>
-            <a:endParaRPr lang="en-US" sz="2800" b="1" kern="0" dirty="0">
-              <a:effectLst/>
-              <a:latin typeface="Segoe UI" panose="020B0502040204020203" pitchFamily="34" charset="0"/>
-              <a:ea typeface="Times New Roman" panose="02020603050405020304" pitchFamily="18" charset="0"/>
-              <a:cs typeface="Times New Roman" panose="02020603050405020304" pitchFamily="18" charset="0"/>
-            </a:endParaRPr>
-          </a:p>
-        </p:txBody>
-      </p:sp>
-      <p:sp>
-        <p:nvSpPr>
-          <p:cNvPr id="4" name="Rectangle 3"/>
-          <p:cNvSpPr/>
-          <p:nvPr/>
-        </p:nvSpPr>
-        <p:spPr>
-          <a:xfrm>
-            <a:off x="449177" y="1144012"/>
-            <a:ext cx="2924390" cy="388696"/>
-          </a:xfrm>
-          <a:prstGeom prst="rect">
-            <a:avLst/>
-          </a:prstGeom>
-        </p:spPr>
-        <p:txBody>
-          <a:bodyPr wrap="none">
-            <a:spAutoFit/>
-          </a:bodyPr>
-          <a:lstStyle/>
-          <a:p>
-            <a:pPr lvl="0">
-              <a:lnSpc>
-                <a:spcPct val="107000"/>
-              </a:lnSpc>
-              <a:spcAft>
-                <a:spcPts val="800"/>
-              </a:spcAft>
-            </a:pPr>
-            <a:r>
-              <a:rPr lang="fr-FR" dirty="0">
-                <a:latin typeface="Segoe UI" panose="020B0502040204020203" pitchFamily="34" charset="0"/>
-                <a:ea typeface="Calibri" panose="020F0502020204030204" pitchFamily="34" charset="0"/>
-                <a:cs typeface="Times New Roman" panose="02020603050405020304" pitchFamily="18" charset="0"/>
-              </a:rPr>
-              <a:t>Select </a:t>
-            </a:r>
-            <a:r>
-              <a:rPr lang="fr-FR" dirty="0" smtClean="0">
-                <a:latin typeface="Segoe UI" panose="020B0502040204020203" pitchFamily="34" charset="0"/>
-                <a:ea typeface="Calibri" panose="020F0502020204030204" pitchFamily="34" charset="0"/>
-                <a:cs typeface="Times New Roman" panose="02020603050405020304" pitchFamily="18" charset="0"/>
-              </a:rPr>
-              <a:t>JSON</a:t>
-            </a:r>
-            <a:r>
-              <a:rPr lang="fr-FR" dirty="0" smtClean="0">
-                <a:latin typeface="Segoe UI" panose="020B0502040204020203" pitchFamily="34" charset="0"/>
-                <a:ea typeface="Calibri" panose="020F0502020204030204" pitchFamily="34" charset="0"/>
-                <a:cs typeface="Times New Roman" panose="02020603050405020304" pitchFamily="18" charset="0"/>
-              </a:rPr>
-              <a:t> </a:t>
-            </a:r>
-            <a:r>
-              <a:rPr lang="fr-FR" dirty="0">
-                <a:latin typeface="Segoe UI" panose="020B0502040204020203" pitchFamily="34" charset="0"/>
-                <a:ea typeface="Calibri" panose="020F0502020204030204" pitchFamily="34" charset="0"/>
-                <a:cs typeface="Times New Roman" panose="02020603050405020304" pitchFamily="18" charset="0"/>
-              </a:rPr>
-              <a:t>as data source</a:t>
-            </a:r>
-            <a:endParaRPr lang="en-US" sz="1400" dirty="0">
-              <a:effectLst/>
-              <a:latin typeface="Calibri" panose="020F0502020204030204" pitchFamily="34" charset="0"/>
-              <a:ea typeface="Calibri" panose="020F0502020204030204" pitchFamily="34" charset="0"/>
               <a:cs typeface="Times New Roman" panose="02020603050405020304" pitchFamily="18" charset="0"/>
             </a:endParaRPr>
           </a:p>
@@ -4317,12 +4059,12 @@
           <a:bodyPr rtlCol="0" anchor="ctr"/>
           <a:lstStyle/>
           <a:p>
-            <a:pPr algn="ctr"/>
-            <a:r>
-              <a:rPr lang="fr-FR" b="1" dirty="0" smtClean="0"/>
+            <a:pPr xmlns:a="http://schemas.openxmlformats.org/drawingml/2006/main" algn="ctr"/>
+            <a:r xmlns:a="http://schemas.openxmlformats.org/drawingml/2006/main">
+              <a:rPr lang="en" b="1" dirty="0" smtClean="0"/>
               <a:t>1</a:t>
             </a:r>
-            <a:endParaRPr lang="en-US" b="1" dirty="0"/>
+            <a:endParaRPr xmlns:a="http://schemas.openxmlformats.org/drawingml/2006/main" lang="en-US" b="1" dirty="0"/>
           </a:p>
         </p:txBody>
       </p:sp>
@@ -4367,12 +4109,251 @@
           <a:bodyPr rtlCol="0" anchor="ctr"/>
           <a:lstStyle/>
           <a:p>
-            <a:pPr algn="ctr"/>
-            <a:r>
-              <a:rPr lang="fr-FR" b="1" dirty="0" smtClean="0"/>
+            <a:pPr xmlns:a="http://schemas.openxmlformats.org/drawingml/2006/main" algn="ctr"/>
+            <a:r xmlns:a="http://schemas.openxmlformats.org/drawingml/2006/main">
+              <a:rPr lang="en" b="1" dirty="0" smtClean="0"/>
               <a:t>2</a:t>
             </a:r>
-            <a:endParaRPr lang="en-US" b="1" dirty="0"/>
+            <a:endParaRPr xmlns:a="http://schemas.openxmlformats.org/drawingml/2006/main" lang="en-US" b="1" dirty="0"/>
+          </a:p>
+        </p:txBody>
+      </p:sp>
+      <p:sp>
+        <p:nvSpPr>
+          <p:cNvPr id="5" name="Rectangle 1"/>
+          <p:cNvSpPr>
+            <a:spLocks noChangeArrowheads="1"/>
+          </p:cNvSpPr>
+          <p:nvPr/>
+        </p:nvSpPr>
+        <p:spPr bwMode="auto">
+          <a:xfrm>
+            <a:off x="449178" y="662988"/>
+            <a:ext cx="11264687" cy="646331"/>
+          </a:xfrm>
+          <a:prstGeom prst="rect">
+            <a:avLst/>
+          </a:prstGeom>
+          <a:noFill/>
+          <a:ln>
+            <a:noFill/>
+          </a:ln>
+          <a:effectLst/>
+          <a:extLst>
+            <a:ext uri="{909E8E84-426E-40DD-AFC4-6F175D3DCCD1}">
+              <a14:hiddenFill xmlns:a14="http://schemas.microsoft.com/office/drawing/2010/main">
+                <a:solidFill>
+                  <a:schemeClr val="accent1"/>
+                </a:solidFill>
+              </a14:hiddenFill>
+            </a:ext>
+            <a:ext uri="{91240B29-F687-4F45-9708-019B960494DF}">
+              <a14:hiddenLine xmlns:a14="http://schemas.microsoft.com/office/drawing/2010/main" w="9525">
+                <a:solidFill>
+                  <a:schemeClr val="tx1"/>
+                </a:solidFill>
+                <a:miter lim="800000"/>
+                <a:headEnd/>
+                <a:tailEnd/>
+              </a14:hiddenLine>
+            </a:ext>
+            <a:ext uri="{AF507438-7753-43E0-B8FC-AC1667EBCBE1}">
+              <a14:hiddenEffects xmlns:a14="http://schemas.microsoft.com/office/drawing/2010/main">
+                <a:effectLst>
+                  <a:outerShdw dist="35921" dir="2700000" algn="ctr" rotWithShape="0">
+                    <a:schemeClr val="bg2"/>
+                  </a:outerShdw>
+                </a:effectLst>
+              </a14:hiddenEffects>
+            </a:ext>
+          </a:extLst>
+        </p:spPr>
+        <p:txBody>
+          <a:bodyPr vert="horz" wrap="none" lIns="91440" tIns="45720" rIns="91440" bIns="45720" numCol="1" anchor="ctr" anchorCtr="0" compatLnSpc="1">
+            <a:prstTxWarp prst="textNoShape">
+              <a:avLst/>
+            </a:prstTxWarp>
+            <a:spAutoFit/>
+          </a:bodyPr>
+          <a:lstStyle/>
+          <a:p>
+            <a:pPr xmlns:a="http://schemas.openxmlformats.org/drawingml/2006/main" marL="0" marR="0" lvl="0" indent="0" algn="l" defTabSz="914400" rtl="0" eaLnBrk="0" fontAlgn="base" latinLnBrk="0" hangingPunct="0">
+              <a:lnSpc>
+                <a:spcPct val="100000"/>
+              </a:lnSpc>
+              <a:spcBef>
+                <a:spcPct val="0"/>
+              </a:spcBef>
+              <a:spcAft>
+                <a:spcPct val="0"/>
+              </a:spcAft>
+              <a:buClrTx/>
+              <a:buSzTx/>
+              <a:buFontTx/>
+              <a:buNone/>
+              <a:tabLst/>
+            </a:pPr>
+            <a:r xmlns:a="http://schemas.openxmlformats.org/drawingml/2006/main">
+              <a:rPr kumimoji="0" lang="en" altLang="en-US" sz="1800" b="1" i="0" u="none" strike="noStrike" cap="none" normalizeH="0" baseline="0" dirty="0" smtClean="0">
+                <a:ln>
+                  <a:noFill/>
+                </a:ln>
+                <a:solidFill>
+                  <a:schemeClr val="tx1"/>
+                </a:solidFill>
+                <a:effectLst/>
+                <a:latin typeface="Arial" panose="020B0604020202020204" pitchFamily="34" charset="0"/>
+              </a:rPr>
+              <a:t>Note: </a:t>
+            </a:r>
+            <a:r xmlns:a="http://schemas.openxmlformats.org/drawingml/2006/main">
+              <a:rPr kumimoji="0" lang="en" altLang="en-US" sz="1800" b="0" i="0" u="none" strike="noStrike" cap="none" normalizeH="0" baseline="0" dirty="0" smtClean="0">
+                <a:ln>
+                  <a:noFill/>
+                </a:ln>
+                <a:solidFill>
+                  <a:schemeClr val="tx1"/>
+                </a:solidFill>
+                <a:effectLst/>
+                <a:latin typeface="Arial" panose="020B0604020202020204" pitchFamily="34" charset="0"/>
+              </a:rPr>
+              <a:t>This lab uses the </a:t>
+            </a:r>
+            <a:r xmlns:a="http://schemas.openxmlformats.org/drawingml/2006/main">
+              <a:rPr kumimoji="0" lang="en" altLang="en-US" sz="1800" b="1" i="0" u="none" strike="noStrike" cap="none" normalizeH="0" baseline="0" dirty="0" err="1" smtClean="0">
+                <a:ln>
+                  <a:noFill/>
+                </a:ln>
+                <a:solidFill>
+                  <a:schemeClr val="tx1"/>
+                </a:solidFill>
+                <a:effectLst/>
+                <a:latin typeface="Arial" panose="020B0604020202020204" pitchFamily="34" charset="0"/>
+              </a:rPr>
+              <a:t>CustomerOrder.json file </a:t>
+            </a:r>
+            <a:r xmlns:a="http://schemas.openxmlformats.org/drawingml/2006/main">
+              <a:rPr kumimoji="0" lang="en" altLang="en-US" sz="1800" b="0" i="0" u="none" strike="noStrike" cap="none" normalizeH="0" baseline="0" dirty="0" smtClean="0">
+                <a:ln>
+                  <a:noFill/>
+                </a:ln>
+                <a:solidFill>
+                  <a:schemeClr val="tx1"/>
+                </a:solidFill>
+                <a:effectLst/>
+                <a:latin typeface="Arial" panose="020B0604020202020204" pitchFamily="34" charset="0"/>
+              </a:rPr>
+              <a:t>located in the </a:t>
+            </a:r>
+            <a:r xmlns:a="http://schemas.openxmlformats.org/drawingml/2006/main">
+              <a:rPr kumimoji="0" lang="en" altLang="en-US" sz="1800" b="1" i="0" u="none" strike="noStrike" cap="none" normalizeH="0" baseline="0" dirty="0" err="1" smtClean="0">
+                <a:ln>
+                  <a:noFill/>
+                </a:ln>
+                <a:solidFill>
+                  <a:schemeClr val="tx1"/>
+                </a:solidFill>
+                <a:effectLst/>
+                <a:latin typeface="Arial" panose="020B0604020202020204" pitchFamily="34" charset="0"/>
+              </a:rPr>
+              <a:t>resources </a:t>
+            </a:r>
+            <a:r xmlns:a="http://schemas.openxmlformats.org/drawingml/2006/main">
+              <a:rPr kumimoji="0" lang="en" altLang="en-US" sz="1800" b="1" i="0" u="none" strike="noStrike" cap="none" normalizeH="0" baseline="0" dirty="0" smtClean="0">
+                <a:ln>
+                  <a:noFill/>
+                </a:ln>
+                <a:solidFill>
+                  <a:schemeClr val="tx1"/>
+                </a:solidFill>
+                <a:effectLst/>
+                <a:latin typeface="Arial" panose="020B0604020202020204" pitchFamily="34" charset="0"/>
+              </a:rPr>
+              <a:t>/ </a:t>
+            </a:r>
+            <a:r xmlns:a="http://schemas.openxmlformats.org/drawingml/2006/main">
+              <a:rPr kumimoji="0" lang="en" altLang="en-US" sz="1800" b="1" i="0" u="none" strike="noStrike" cap="none" normalizeH="0" baseline="0" dirty="0" err="1" smtClean="0">
+                <a:ln>
+                  <a:noFill/>
+                </a:ln>
+                <a:solidFill>
+                  <a:schemeClr val="tx1"/>
+                </a:solidFill>
+                <a:effectLst/>
+                <a:latin typeface="Arial" panose="020B0604020202020204" pitchFamily="34" charset="0"/>
+              </a:rPr>
+              <a:t>JsonSources folder </a:t>
+            </a:r>
+            <a:r xmlns:a="http://schemas.openxmlformats.org/drawingml/2006/main">
+              <a:rPr kumimoji="0" lang="en" altLang="en-US" sz="1800" b="0" i="0" u="none" strike="noStrike" cap="none" normalizeH="0" baseline="0" dirty="0" smtClean="0">
+                <a:ln>
+                  <a:noFill/>
+                </a:ln>
+                <a:solidFill>
+                  <a:schemeClr val="tx1"/>
+                </a:solidFill>
+                <a:effectLst/>
+                <a:latin typeface="Arial" panose="020B0604020202020204" pitchFamily="34" charset="0"/>
+              </a:rPr>
+              <a:t>.</a:t>
+            </a:r>
+          </a:p>
+          <a:p>
+            <a:pPr xmlns:a="http://schemas.openxmlformats.org/drawingml/2006/main" marL="0" marR="0" lvl="0" indent="0" algn="l" defTabSz="914400" rtl="0" eaLnBrk="0" fontAlgn="base" latinLnBrk="0" hangingPunct="0">
+              <a:lnSpc>
+                <a:spcPct val="100000"/>
+              </a:lnSpc>
+              <a:spcBef>
+                <a:spcPct val="0"/>
+              </a:spcBef>
+              <a:spcAft>
+                <a:spcPct val="0"/>
+              </a:spcAft>
+              <a:buClrTx/>
+              <a:buSzTx/>
+              <a:buFontTx/>
+              <a:buNone/>
+              <a:tabLst/>
+            </a:pPr>
+            <a:r xmlns:a="http://schemas.openxmlformats.org/drawingml/2006/main">
+              <a:rPr kumimoji="0" lang="en" altLang="en-US" sz="1800" b="0" i="0" u="none" strike="noStrike" cap="none" normalizeH="0" baseline="0" dirty="0" smtClean="0">
+                <a:ln>
+                  <a:noFill/>
+                </a:ln>
+                <a:solidFill>
+                  <a:schemeClr val="tx1"/>
+                </a:solidFill>
+                <a:effectLst/>
+                <a:latin typeface="Arial" panose="020B0604020202020204" pitchFamily="34" charset="0"/>
+              </a:rPr>
+              <a:t>Select </a:t>
+            </a:r>
+            <a:r xmlns:a="http://schemas.openxmlformats.org/drawingml/2006/main">
+              <a:rPr kumimoji="0" lang="en" altLang="en-US" sz="1800" b="1" i="0" u="none" strike="noStrike" cap="none" normalizeH="0" baseline="0" dirty="0" smtClean="0">
+                <a:ln>
+                  <a:noFill/>
+                </a:ln>
+                <a:solidFill>
+                  <a:schemeClr val="tx1"/>
+                </a:solidFill>
+                <a:effectLst/>
+                <a:latin typeface="Arial" panose="020B0604020202020204" pitchFamily="34" charset="0"/>
+              </a:rPr>
+              <a:t>JSON </a:t>
+            </a:r>
+            <a:r xmlns:a="http://schemas.openxmlformats.org/drawingml/2006/main">
+              <a:rPr kumimoji="0" lang="en" altLang="en-US" sz="1800" b="0" i="0" u="none" strike="noStrike" cap="none" normalizeH="0" baseline="0" dirty="0" smtClean="0">
+                <a:ln>
+                  <a:noFill/>
+                </a:ln>
+                <a:solidFill>
+                  <a:schemeClr val="tx1"/>
+                </a:solidFill>
+                <a:effectLst/>
+                <a:latin typeface="Arial" panose="020B0604020202020204" pitchFamily="34" charset="0"/>
+              </a:rPr>
+              <a:t>as the data source.</a:t>
+            </a:r>
           </a:p>
         </p:txBody>
       </p:sp>
@@ -4422,7 +4403,7 @@
         <p:spPr>
           <a:xfrm>
             <a:off x="449178" y="216445"/>
-            <a:ext cx="1936749" cy="366895"/>
+            <a:ext cx="1805302" cy="366895"/>
           </a:xfrm>
           <a:prstGeom prst="rect">
             <a:avLst/>
@@ -4434,7 +4415,7 @@
           </a:bodyPr>
           <a:lstStyle/>
           <a:p>
-            <a:pPr>
+            <a:pPr xmlns:a="http://schemas.openxmlformats.org/drawingml/2006/main">
               <a:lnSpc>
                 <a:spcPct val="107000"/>
               </a:lnSpc>
@@ -4445,23 +4426,15 @@
                 <a:spcPts val="0"/>
               </a:spcAft>
             </a:pPr>
-            <a:r>
-              <a:rPr lang="en-US" b="1" kern="0" dirty="0" smtClean="0">
+            <a:r xmlns:a="http://schemas.openxmlformats.org/drawingml/2006/main">
+              <a:rPr lang="en" b="1" kern="0" dirty="0" smtClean="0">
                 <a:latin typeface="Segoe UI" panose="020B0502040204020203" pitchFamily="34" charset="0"/>
                 <a:ea typeface="Times New Roman" panose="02020603050405020304" pitchFamily="18" charset="0"/>
                 <a:cs typeface="Times New Roman" panose="02020603050405020304" pitchFamily="18" charset="0"/>
               </a:rPr>
-              <a:t>Importing </a:t>
-            </a:r>
-            <a:r>
-              <a:rPr lang="en-US" b="1" kern="0" dirty="0" smtClean="0">
-                <a:latin typeface="Segoe UI" panose="020B0502040204020203" pitchFamily="34" charset="0"/>
-                <a:ea typeface="Times New Roman" panose="02020603050405020304" pitchFamily="18" charset="0"/>
-                <a:cs typeface="Times New Roman" panose="02020603050405020304" pitchFamily="18" charset="0"/>
-              </a:rPr>
-              <a:t>JSON</a:t>
-            </a:r>
-            <a:endParaRPr lang="en-US" b="1" kern="0" dirty="0">
+              <a:t>Import JSON</a:t>
+            </a:r>
+            <a:endParaRPr xmlns:a="http://schemas.openxmlformats.org/drawingml/2006/main" lang="en-US" b="1" kern="0" dirty="0">
               <a:latin typeface="Segoe UI" panose="020B0502040204020203" pitchFamily="34" charset="0"/>
               <a:ea typeface="Times New Roman" panose="02020603050405020304" pitchFamily="18" charset="0"/>
               <a:cs typeface="Times New Roman" panose="02020603050405020304" pitchFamily="18" charset="0"/>
@@ -4471,520 +4444,2094 @@
       </p:sp>
       <p:sp>
         <p:nvSpPr>
-          <p:cNvPr id="2" name="Rectangle 1"/>
-          <p:cNvSpPr/>
+          <p:cNvPr id="4" name="Rectangle 1"/>
+          <p:cNvSpPr>
+            <a:spLocks noChangeArrowheads="1"/>
+          </p:cNvSpPr>
           <p:nvPr/>
         </p:nvSpPr>
-        <p:spPr>
+        <p:spPr bwMode="auto">
           <a:xfrm>
-            <a:off x="541866" y="882525"/>
-            <a:ext cx="10233377" cy="4446602"/>
+            <a:off x="578999" y="729143"/>
+            <a:ext cx="11254597" cy="5355312"/>
           </a:xfrm>
           <a:prstGeom prst="rect">
             <a:avLst/>
           </a:prstGeom>
+          <a:noFill/>
+          <a:ln>
+            <a:noFill/>
+          </a:ln>
+          <a:effectLst/>
+          <a:extLst>
+            <a:ext uri="{909E8E84-426E-40DD-AFC4-6F175D3DCCD1}">
+              <a14:hiddenFill xmlns:a14="http://schemas.microsoft.com/office/drawing/2010/main">
+                <a:solidFill>
+                  <a:schemeClr val="accent1"/>
+                </a:solidFill>
+              </a14:hiddenFill>
+            </a:ext>
+            <a:ext uri="{91240B29-F687-4F45-9708-019B960494DF}">
+              <a14:hiddenLine xmlns:a14="http://schemas.microsoft.com/office/drawing/2010/main" w="9525">
+                <a:solidFill>
+                  <a:schemeClr val="tx1"/>
+                </a:solidFill>
+                <a:miter lim="800000"/>
+                <a:headEnd/>
+                <a:tailEnd/>
+              </a14:hiddenLine>
+            </a:ext>
+            <a:ext uri="{AF507438-7753-43E0-B8FC-AC1667EBCBE1}">
+              <a14:hiddenEffects xmlns:a14="http://schemas.microsoft.com/office/drawing/2010/main">
+                <a:effectLst>
+                  <a:outerShdw dist="35921" dir="2700000" algn="ctr" rotWithShape="0">
+                    <a:schemeClr val="bg2"/>
+                  </a:outerShdw>
+                </a:effectLst>
+              </a14:hiddenEffects>
+            </a:ext>
+          </a:extLst>
         </p:spPr>
         <p:txBody>
-          <a:bodyPr wrap="square">
+          <a:bodyPr vert="horz" wrap="square" lIns="91440" tIns="45720" rIns="91440" bIns="45720" numCol="1" anchor="ctr" anchorCtr="0" compatLnSpc="1">
+            <a:prstTxWarp prst="textNoShape">
+              <a:avLst/>
+            </a:prstTxWarp>
             <a:spAutoFit/>
           </a:bodyPr>
           <a:lstStyle/>
           <a:p>
-            <a:pPr lvl="0">
+            <a:pPr marL="0" marR="0" lvl="0" indent="0" algn="l" defTabSz="914400" rtl="0" eaLnBrk="0" fontAlgn="base" latinLnBrk="0" hangingPunct="0">
               <a:lnSpc>
-                <a:spcPct val="107000"/>
+                <a:spcPct val="100000"/>
               </a:lnSpc>
+              <a:spcBef>
+                <a:spcPct val="0"/>
+              </a:spcBef>
               <a:spcAft>
-                <a:spcPts val="0"/>
+                <a:spcPct val="0"/>
               </a:spcAft>
+              <a:buClrTx/>
+              <a:buSzTx/>
+              <a:buFontTx/>
+              <a:buNone/>
+              <a:tabLst/>
             </a:pPr>
-            <a:r>
-              <a:rPr lang="fr-FR" dirty="0">
-                <a:latin typeface="Segoe UI" panose="020B0502040204020203" pitchFamily="34" charset="0"/>
-                <a:ea typeface="Calibri" panose="020F0502020204030204" pitchFamily="34" charset="0"/>
-                <a:cs typeface="Segoe UI" panose="020B0502040204020203" pitchFamily="34" charset="0"/>
-              </a:rPr>
-              <a:t>Start by </a:t>
-            </a:r>
-            <a:r>
-              <a:rPr lang="fr-FR" dirty="0" err="1">
-                <a:latin typeface="Segoe UI" panose="020B0502040204020203" pitchFamily="34" charset="0"/>
-                <a:ea typeface="Calibri" panose="020F0502020204030204" pitchFamily="34" charset="0"/>
-                <a:cs typeface="Segoe UI" panose="020B0502040204020203" pitchFamily="34" charset="0"/>
-              </a:rPr>
-              <a:t>opening</a:t>
-            </a:r>
-            <a:r>
-              <a:rPr lang="fr-FR" dirty="0">
-                <a:latin typeface="Segoe UI" panose="020B0502040204020203" pitchFamily="34" charset="0"/>
-                <a:ea typeface="Calibri" panose="020F0502020204030204" pitchFamily="34" charset="0"/>
-                <a:cs typeface="Segoe UI" panose="020B0502040204020203" pitchFamily="34" charset="0"/>
-              </a:rPr>
-              <a:t> the file </a:t>
-            </a:r>
-            <a:r>
-              <a:rPr lang="fr-FR" b="1" dirty="0">
-                <a:latin typeface="Segoe UI" panose="020B0502040204020203" pitchFamily="34" charset="0"/>
-                <a:ea typeface="Calibri" panose="020F0502020204030204" pitchFamily="34" charset="0"/>
-                <a:cs typeface="Segoe UI" panose="020B0502040204020203" pitchFamily="34" charset="0"/>
+            <a:endParaRPr kumimoji="0" lang="en-US" altLang="en-US" b="0" i="0" u="none" strike="noStrike" cap="none" normalizeH="0" baseline="0" dirty="0" smtClean="0">
+              <a:ln>
+                <a:noFill/>
+              </a:ln>
+              <a:solidFill>
+                <a:schemeClr val="tx1"/>
+              </a:solidFill>
+              <a:effectLst/>
+              <a:latin typeface="Arial" panose="020B0604020202020204" pitchFamily="34" charset="0"/>
+            </a:endParaRPr>
+          </a:p>
+          <a:p>
+            <a:pPr xmlns:a="http://schemas.openxmlformats.org/drawingml/2006/main" marL="285750" marR="0" lvl="0" indent="-285750" algn="l" defTabSz="914400" rtl="0" eaLnBrk="0" fontAlgn="base" latinLnBrk="0" hangingPunct="0">
+              <a:lnSpc>
+                <a:spcPct val="100000"/>
+              </a:lnSpc>
+              <a:spcBef>
+                <a:spcPct val="0"/>
+              </a:spcBef>
+              <a:spcAft>
+                <a:spcPct val="0"/>
+              </a:spcAft>
+              <a:buClrTx/>
+              <a:buSzTx/>
+              <a:buFont typeface="Arial" panose="020B0604020202020204" pitchFamily="34" charset="0"/>
+              <a:buChar char="•"/>
+              <a:tabLst/>
+            </a:pPr>
+            <a:r xmlns:a="http://schemas.openxmlformats.org/drawingml/2006/main">
+              <a:rPr kumimoji="0" lang="en" altLang="en-US" b="0" i="0" u="none" strike="noStrike" cap="none" normalizeH="0" baseline="0" dirty="0" err="1" smtClean="0">
+                <a:ln>
+                  <a:noFill/>
+                </a:ln>
+                <a:solidFill>
+                  <a:schemeClr val="tx1"/>
+                </a:solidFill>
+                <a:effectLst/>
+                <a:latin typeface="Arial" panose="020B0604020202020204" pitchFamily="34" charset="0"/>
+              </a:rPr>
+              <a:t>Open </a:t>
+            </a:r>
+            <a:r xmlns:a="http://schemas.openxmlformats.org/drawingml/2006/main">
+              <a:rPr kumimoji="0" lang="en" altLang="en-US" b="0" i="0" u="none" strike="noStrike" cap="none" normalizeH="0" baseline="0" dirty="0" smtClean="0">
+                <a:ln>
+                  <a:noFill/>
+                </a:ln>
+                <a:solidFill>
+                  <a:schemeClr val="tx1"/>
+                </a:solidFill>
+                <a:effectLst/>
+                <a:latin typeface="Arial" panose="020B0604020202020204" pitchFamily="34" charset="0"/>
+              </a:rPr>
+              <a:t>the </a:t>
+            </a:r>
+            <a:r xmlns:a="http://schemas.openxmlformats.org/drawingml/2006/main">
+              <a:rPr kumimoji="0" lang="en" altLang="en-US" b="0" i="0" u="none" strike="noStrike" cap="none" normalizeH="0" baseline="0" dirty="0" err="1" smtClean="0">
+                <a:ln>
+                  <a:noFill/>
+                </a:ln>
+                <a:solidFill>
+                  <a:schemeClr val="tx1"/>
+                </a:solidFill>
+                <a:effectLst/>
+                <a:latin typeface="Arial" panose="020B0604020202020204" pitchFamily="34" charset="0"/>
+              </a:rPr>
+              <a:t>file</a:t>
+            </a:r>
+            <a:r xmlns:a="http://schemas.openxmlformats.org/drawingml/2006/main">
+              <a:rPr kumimoji="0" lang="en" altLang="en-US" b="0" i="0" u="none" strike="noStrike" cap="none" normalizeH="0" baseline="0" dirty="0" smtClean="0">
+                <a:ln>
+                  <a:noFill/>
+                </a:ln>
+                <a:solidFill>
+                  <a:schemeClr val="tx1"/>
+                </a:solidFill>
+                <a:effectLst/>
+                <a:latin typeface="Arial" panose="020B0604020202020204" pitchFamily="34" charset="0"/>
+              </a:rPr>
+              <a:t> </a:t>
+            </a:r>
+            <a:r xmlns:a="http://schemas.openxmlformats.org/drawingml/2006/main">
+              <a:rPr kumimoji="0" lang="en" altLang="en-US" b="1" i="0" u="none" strike="noStrike" cap="none" normalizeH="0" baseline="0" dirty="0" smtClean="0">
+                <a:ln>
+                  <a:noFill/>
+                </a:ln>
+                <a:solidFill>
+                  <a:schemeClr val="tx1"/>
+                </a:solidFill>
+                <a:effectLst/>
+                <a:latin typeface="Arial" panose="020B0604020202020204" pitchFamily="34" charset="0"/>
+              </a:rPr>
+              <a:t>Example1.json</a:t>
+            </a:r>
+            <a:r xmlns:a="http://schemas.openxmlformats.org/drawingml/2006/main">
+              <a:rPr kumimoji="0" lang="en" altLang="en-US" b="0" i="0" u="none" strike="noStrike" cap="none" normalizeH="0" baseline="0" dirty="0" smtClean="0">
+                <a:ln>
+                  <a:noFill/>
+                </a:ln>
+                <a:solidFill>
+                  <a:schemeClr val="tx1"/>
+                </a:solidFill>
+                <a:effectLst/>
+                <a:latin typeface="Arial" panose="020B0604020202020204" pitchFamily="34" charset="0"/>
+              </a:rPr>
+              <a:t> </a:t>
+            </a:r>
+            <a:r xmlns:a="http://schemas.openxmlformats.org/drawingml/2006/main">
+              <a:rPr kumimoji="0" lang="en" altLang="en-US" b="0" i="0" u="none" strike="noStrike" cap="none" normalizeH="0" baseline="0" dirty="0" err="1" smtClean="0">
+                <a:ln>
+                  <a:noFill/>
+                </a:ln>
+                <a:solidFill>
+                  <a:schemeClr val="tx1"/>
+                </a:solidFill>
+                <a:effectLst/>
+                <a:latin typeface="Arial" panose="020B0604020202020204" pitchFamily="34" charset="0"/>
+              </a:rPr>
+              <a:t>In</a:t>
+            </a:r>
+            <a:r xmlns:a="http://schemas.openxmlformats.org/drawingml/2006/main">
+              <a:rPr kumimoji="0" lang="en" altLang="en-US" b="0" i="0" u="none" strike="noStrike" cap="none" normalizeH="0" baseline="0" dirty="0" smtClean="0">
+                <a:ln>
+                  <a:noFill/>
+                </a:ln>
+                <a:solidFill>
+                  <a:schemeClr val="tx1"/>
+                </a:solidFill>
+                <a:effectLst/>
+                <a:latin typeface="Arial" panose="020B0604020202020204" pitchFamily="34" charset="0"/>
+              </a:rPr>
+              <a:t> </a:t>
+            </a:r>
+            <a:r xmlns:a="http://schemas.openxmlformats.org/drawingml/2006/main">
+              <a:rPr kumimoji="0" lang="en" altLang="en-US" b="0" i="0" u="none" strike="noStrike" cap="none" normalizeH="0" baseline="0" dirty="0" err="1" smtClean="0">
+                <a:ln>
+                  <a:noFill/>
+                </a:ln>
+                <a:solidFill>
+                  <a:schemeClr val="tx1"/>
+                </a:solidFill>
+                <a:effectLst/>
+                <a:latin typeface="Arial" panose="020B0604020202020204" pitchFamily="34" charset="0"/>
+              </a:rPr>
+              <a:t>the </a:t>
+            </a:r>
+            <a:r xmlns:a="http://schemas.openxmlformats.org/drawingml/2006/main">
+              <a:rPr kumimoji="0" lang="en" altLang="en-US" b="0" i="0" u="none" strike="noStrike" cap="none" normalizeH="0" baseline="0" dirty="0" smtClean="0">
+                <a:ln>
+                  <a:noFill/>
+                </a:ln>
+                <a:solidFill>
+                  <a:schemeClr val="tx1"/>
+                </a:solidFill>
+                <a:effectLst/>
+                <a:latin typeface="Arial" panose="020B0604020202020204" pitchFamily="34" charset="0"/>
+              </a:rPr>
+              <a:t>Notepad++ text editor and </a:t>
+            </a:r>
+            <a:r xmlns:a="http://schemas.openxmlformats.org/drawingml/2006/main">
+              <a:rPr kumimoji="0" lang="en" altLang="en-US" b="0" i="0" u="none" strike="noStrike" cap="none" normalizeH="0" baseline="0" dirty="0" smtClean="0">
+                <a:ln>
+                  <a:noFill/>
+                </a:ln>
+                <a:solidFill>
+                  <a:schemeClr val="tx1"/>
+                </a:solidFill>
+                <a:effectLst/>
+                <a:latin typeface="Arial" panose="020B0604020202020204" pitchFamily="34" charset="0"/>
+              </a:rPr>
+              <a:t>observe </a:t>
+            </a:r>
+            <a:r xmlns:a="http://schemas.openxmlformats.org/drawingml/2006/main">
+              <a:rPr kumimoji="0" lang="en" altLang="en-US" b="0" i="0" u="none" strike="noStrike" cap="none" normalizeH="0" baseline="0" dirty="0" err="1" smtClean="0">
+                <a:ln>
+                  <a:noFill/>
+                </a:ln>
+                <a:solidFill>
+                  <a:schemeClr val="tx1"/>
+                </a:solidFill>
+                <a:effectLst/>
+                <a:latin typeface="Arial" panose="020B0604020202020204" pitchFamily="34" charset="0"/>
+              </a:rPr>
+              <a:t>the </a:t>
+            </a:r>
+            <a:r xmlns:a="http://schemas.openxmlformats.org/drawingml/2006/main">
+              <a:rPr kumimoji="0" lang="en" altLang="en-US" b="0" i="0" u="none" strike="noStrike" cap="none" normalizeH="0" baseline="0" dirty="0" err="1" smtClean="0">
+                <a:ln>
+                  <a:noFill/>
+                </a:ln>
+                <a:solidFill>
+                  <a:schemeClr val="tx1"/>
+                </a:solidFill>
+                <a:effectLst/>
+                <a:latin typeface="Arial" panose="020B0604020202020204" pitchFamily="34" charset="0"/>
+              </a:rPr>
+              <a:t>structure </a:t>
+            </a:r>
+            <a:r xmlns:a="http://schemas.openxmlformats.org/drawingml/2006/main">
+              <a:rPr kumimoji="0" lang="en" altLang="en-US" b="0" i="0" u="none" strike="noStrike" cap="none" normalizeH="0" baseline="0" dirty="0" smtClean="0">
+                <a:ln>
+                  <a:noFill/>
+                </a:ln>
+                <a:solidFill>
+                  <a:schemeClr val="tx1"/>
+                </a:solidFill>
+                <a:effectLst/>
+                <a:latin typeface="Arial" panose="020B0604020202020204" pitchFamily="34" charset="0"/>
+              </a:rPr>
+              <a:t>of </a:t>
+            </a:r>
+            <a:r xmlns:a="http://schemas.openxmlformats.org/drawingml/2006/main">
+              <a:rPr kumimoji="0" lang="en" altLang="en-US" b="0" i="0" u="none" strike="noStrike" cap="none" normalizeH="0" baseline="0" dirty="0" err="1" smtClean="0">
+                <a:ln>
+                  <a:noFill/>
+                </a:ln>
+                <a:solidFill>
+                  <a:schemeClr val="tx1"/>
+                </a:solidFill>
+                <a:effectLst/>
+                <a:latin typeface="Arial" panose="020B0604020202020204" pitchFamily="34" charset="0"/>
+              </a:rPr>
+              <a:t>the </a:t>
+            </a:r>
+            <a:r xmlns:a="http://schemas.openxmlformats.org/drawingml/2006/main">
+              <a:rPr kumimoji="0" lang="en" altLang="en-US" b="0" i="0" u="none" strike="noStrike" cap="none" normalizeH="0" baseline="0" dirty="0" smtClean="0">
+                <a:ln>
+                  <a:noFill/>
+                </a:ln>
+                <a:solidFill>
+                  <a:schemeClr val="tx1"/>
+                </a:solidFill>
+                <a:effectLst/>
+                <a:latin typeface="Arial" panose="020B0604020202020204" pitchFamily="34" charset="0"/>
+              </a:rPr>
+              <a:t>.</a:t>
+            </a:r>
+          </a:p>
+          <a:p>
+            <a:pPr xmlns:a="http://schemas.openxmlformats.org/drawingml/2006/main" marR="0" lvl="0" algn="l" defTabSz="914400" rtl="0" eaLnBrk="0" fontAlgn="base" latinLnBrk="0" hangingPunct="0">
+              <a:lnSpc>
+                <a:spcPct val="100000"/>
+              </a:lnSpc>
+              <a:spcBef>
+                <a:spcPct val="0"/>
+              </a:spcBef>
+              <a:spcAft>
+                <a:spcPct val="0"/>
+              </a:spcAft>
+              <a:buClrTx/>
+              <a:buSzTx/>
+              <a:tabLst/>
+            </a:pPr>
+            <a:r xmlns:a="http://schemas.openxmlformats.org/drawingml/2006/main">
+              <a:rPr kumimoji="0" lang="en" altLang="en-US" b="0" i="0" u="none" strike="noStrike" cap="none" normalizeH="0" baseline="0" dirty="0" smtClean="0">
+                <a:ln>
+                  <a:noFill/>
+                </a:ln>
+                <a:solidFill>
+                  <a:schemeClr val="tx1"/>
+                </a:solidFill>
+                <a:effectLst/>
+                <a:latin typeface="Arial" panose="020B0604020202020204" pitchFamily="34" charset="0"/>
+              </a:rPr>
+              <a:t> </a:t>
+            </a:r>
+          </a:p>
+          <a:p>
+            <a:pPr xmlns:a="http://schemas.openxmlformats.org/drawingml/2006/main" marL="285750" marR="0" lvl="0" indent="-285750" algn="l" defTabSz="914400" rtl="0" eaLnBrk="0" fontAlgn="base" latinLnBrk="0" hangingPunct="0">
+              <a:lnSpc>
+                <a:spcPct val="100000"/>
+              </a:lnSpc>
+              <a:spcBef>
+                <a:spcPct val="0"/>
+              </a:spcBef>
+              <a:spcAft>
+                <a:spcPct val="0"/>
+              </a:spcAft>
+              <a:buClrTx/>
+              <a:buSzTx/>
+              <a:buFont typeface="Arial" panose="020B0604020202020204" pitchFamily="34" charset="0"/>
+              <a:buChar char="•"/>
+              <a:tabLst/>
+            </a:pPr>
+            <a:r xmlns:a="http://schemas.openxmlformats.org/drawingml/2006/main">
+              <a:rPr kumimoji="0" lang="en" altLang="en-US" b="0" i="0" u="none" strike="noStrike" cap="none" normalizeH="0" baseline="0" dirty="0" err="1" smtClean="0">
+                <a:ln>
+                  <a:noFill/>
+                </a:ln>
+                <a:solidFill>
+                  <a:schemeClr val="tx1"/>
+                </a:solidFill>
+                <a:effectLst/>
+                <a:latin typeface="Arial" panose="020B0604020202020204" pitchFamily="34" charset="0"/>
+              </a:rPr>
+              <a:t>Note </a:t>
+            </a:r>
+            <a:r xmlns:a="http://schemas.openxmlformats.org/drawingml/2006/main">
+              <a:rPr kumimoji="0" lang="en" altLang="en-US" b="0" i="0" u="none" strike="noStrike" cap="none" normalizeH="0" baseline="0" dirty="0" smtClean="0">
+                <a:ln>
+                  <a:noFill/>
+                </a:ln>
+                <a:solidFill>
+                  <a:schemeClr val="tx1"/>
+                </a:solidFill>
+                <a:effectLst/>
+                <a:latin typeface="Arial" panose="020B0604020202020204" pitchFamily="34" charset="0"/>
+              </a:rPr>
+              <a:t>that </a:t>
+            </a:r>
+            <a:r xmlns:a="http://schemas.openxmlformats.org/drawingml/2006/main">
+              <a:rPr kumimoji="0" lang="en" altLang="en-US" b="0" i="0" u="none" strike="noStrike" cap="none" normalizeH="0" baseline="0" dirty="0" err="1" smtClean="0">
+                <a:ln>
+                  <a:noFill/>
+                </a:ln>
+                <a:solidFill>
+                  <a:schemeClr val="tx1"/>
+                </a:solidFill>
+                <a:effectLst/>
+                <a:latin typeface="Arial" panose="020B0604020202020204" pitchFamily="34" charset="0"/>
+              </a:rPr>
+              <a:t>the element</a:t>
+            </a:r>
+            <a:r xmlns:a="http://schemas.openxmlformats.org/drawingml/2006/main">
+              <a:rPr kumimoji="0" lang="en" altLang="en-US" b="0" i="0" u="none" strike="noStrike" cap="none" normalizeH="0" baseline="0" dirty="0" smtClean="0">
+                <a:ln>
+                  <a:noFill/>
+                </a:ln>
+                <a:solidFill>
+                  <a:schemeClr val="tx1"/>
+                </a:solidFill>
+                <a:effectLst/>
+                <a:latin typeface="Arial" panose="020B0604020202020204" pitchFamily="34" charset="0"/>
+              </a:rPr>
+              <a:t> </a:t>
+            </a:r>
+            <a:r xmlns:a="http://schemas.openxmlformats.org/drawingml/2006/main">
+              <a:rPr kumimoji="0" lang="en" altLang="en-US" b="1" i="0" u="none" strike="noStrike" cap="none" normalizeH="0" baseline="0" dirty="0" smtClean="0">
+                <a:ln>
+                  <a:noFill/>
+                </a:ln>
+                <a:solidFill>
+                  <a:schemeClr val="tx1"/>
+                </a:solidFill>
+                <a:effectLst/>
+                <a:latin typeface="Arial" panose="020B0604020202020204" pitchFamily="34" charset="0"/>
+              </a:rPr>
+              <a:t>Colors</a:t>
+            </a:r>
+            <a:r xmlns:a="http://schemas.openxmlformats.org/drawingml/2006/main">
+              <a:rPr kumimoji="0" lang="en" altLang="en-US" b="0" i="0" u="none" strike="noStrike" cap="none" normalizeH="0" baseline="0" dirty="0" smtClean="0">
+                <a:ln>
+                  <a:noFill/>
+                </a:ln>
+                <a:solidFill>
+                  <a:schemeClr val="tx1"/>
+                </a:solidFill>
+                <a:effectLst/>
+                <a:latin typeface="Arial" panose="020B0604020202020204" pitchFamily="34" charset="0"/>
+              </a:rPr>
+              <a:t> </a:t>
+            </a:r>
+            <a:r xmlns:a="http://schemas.openxmlformats.org/drawingml/2006/main">
+              <a:rPr kumimoji="0" lang="en" altLang="en-US" b="0" i="0" u="none" strike="noStrike" cap="none" normalizeH="0" baseline="0" dirty="0" err="1" smtClean="0">
+                <a:ln>
+                  <a:noFill/>
+                </a:ln>
+                <a:solidFill>
+                  <a:schemeClr val="tx1"/>
+                </a:solidFill>
+                <a:effectLst/>
+                <a:latin typeface="Arial" panose="020B0604020202020204" pitchFamily="34" charset="0"/>
+              </a:rPr>
+              <a:t>is </a:t>
+            </a:r>
+            <a:r xmlns:a="http://schemas.openxmlformats.org/drawingml/2006/main">
+              <a:rPr kumimoji="0" lang="en" altLang="en-US" b="0" i="0" u="none" strike="noStrike" cap="none" normalizeH="0" baseline="0" dirty="0" smtClean="0">
+                <a:ln>
+                  <a:noFill/>
+                </a:ln>
+                <a:solidFill>
+                  <a:schemeClr val="tx1"/>
+                </a:solidFill>
+                <a:effectLst/>
+                <a:latin typeface="Arial" panose="020B0604020202020204" pitchFamily="34" charset="0"/>
+              </a:rPr>
+              <a:t>of type </a:t>
+            </a:r>
+            <a:r xmlns:a="http://schemas.openxmlformats.org/drawingml/2006/main">
+              <a:rPr kumimoji="0" lang="en" altLang="en-US" b="0" i="1" u="none" strike="noStrike" cap="none" normalizeH="0" baseline="0" dirty="0" smtClean="0">
+                <a:ln>
+                  <a:noFill/>
+                </a:ln>
+                <a:solidFill>
+                  <a:schemeClr val="tx1"/>
+                </a:solidFill>
+                <a:effectLst/>
+                <a:latin typeface="Arial" panose="020B0604020202020204" pitchFamily="34" charset="0"/>
+              </a:rPr>
+              <a:t>array </a:t>
+            </a:r>
+            <a:r xmlns:a="http://schemas.openxmlformats.org/drawingml/2006/main">
+              <a:rPr kumimoji="0" lang="en" altLang="en-US" b="0" i="0" u="none" strike="noStrike" cap="none" normalizeH="0" baseline="0" dirty="0" smtClean="0">
+                <a:ln>
+                  <a:noFill/>
+                </a:ln>
+                <a:solidFill>
+                  <a:schemeClr val="tx1"/>
+                </a:solidFill>
+                <a:effectLst/>
+                <a:latin typeface="Arial" panose="020B0604020202020204" pitchFamily="34" charset="0"/>
+              </a:rPr>
+              <a:t>.</a:t>
+            </a:r>
+          </a:p>
+          <a:p>
+            <a:pPr marL="285750" marR="0" lvl="0" indent="-285750" algn="l" defTabSz="914400" rtl="0" eaLnBrk="0" fontAlgn="base" latinLnBrk="0" hangingPunct="0">
+              <a:lnSpc>
+                <a:spcPct val="100000"/>
+              </a:lnSpc>
+              <a:spcBef>
+                <a:spcPct val="0"/>
+              </a:spcBef>
+              <a:spcAft>
+                <a:spcPct val="0"/>
+              </a:spcAft>
+              <a:buClrTx/>
+              <a:buSzTx/>
+              <a:buFont typeface="Arial" panose="020B0604020202020204" pitchFamily="34" charset="0"/>
+              <a:buChar char="•"/>
+              <a:tabLst/>
+            </a:pPr>
+            <a:endParaRPr kumimoji="0" lang="en-US" altLang="en-US" b="0" i="0" u="none" strike="noStrike" cap="none" normalizeH="0" baseline="0" dirty="0" smtClean="0">
+              <a:ln>
+                <a:noFill/>
+              </a:ln>
+              <a:solidFill>
+                <a:schemeClr val="tx1"/>
+              </a:solidFill>
+              <a:effectLst/>
+              <a:latin typeface="Arial" panose="020B0604020202020204" pitchFamily="34" charset="0"/>
+            </a:endParaRPr>
+          </a:p>
+          <a:p>
+            <a:pPr xmlns:a="http://schemas.openxmlformats.org/drawingml/2006/main" marL="285750" marR="0" lvl="0" indent="-285750" algn="l" defTabSz="914400" rtl="0" eaLnBrk="0" fontAlgn="base" latinLnBrk="0" hangingPunct="0">
+              <a:lnSpc>
+                <a:spcPct val="100000"/>
+              </a:lnSpc>
+              <a:spcBef>
+                <a:spcPct val="0"/>
+              </a:spcBef>
+              <a:spcAft>
+                <a:spcPct val="0"/>
+              </a:spcAft>
+              <a:buClrTx/>
+              <a:buSzTx/>
+              <a:buFont typeface="Arial" panose="020B0604020202020204" pitchFamily="34" charset="0"/>
+              <a:buChar char="•"/>
+              <a:tabLst/>
+            </a:pPr>
+            <a:r xmlns:a="http://schemas.openxmlformats.org/drawingml/2006/main">
+              <a:rPr kumimoji="0" lang="en" altLang="en-US" b="0" i="0" u="none" strike="noStrike" cap="none" normalizeH="0" baseline="0" dirty="0" err="1" smtClean="0">
+                <a:ln>
+                  <a:noFill/>
+                </a:ln>
+                <a:solidFill>
+                  <a:schemeClr val="tx1"/>
+                </a:solidFill>
+                <a:effectLst/>
+                <a:latin typeface="Arial" panose="020B0604020202020204" pitchFamily="34" charset="0"/>
+              </a:rPr>
+              <a:t>Open </a:t>
+            </a:r>
+            <a:r xmlns:a="http://schemas.openxmlformats.org/drawingml/2006/main">
+              <a:rPr kumimoji="0" lang="en" altLang="en-US" b="0" i="0" u="none" strike="noStrike" cap="none" normalizeH="0" baseline="0" dirty="0" smtClean="0">
+                <a:ln>
+                  <a:noFill/>
+                </a:ln>
+                <a:solidFill>
+                  <a:schemeClr val="tx1"/>
+                </a:solidFill>
+                <a:effectLst/>
+                <a:latin typeface="Arial" panose="020B0604020202020204" pitchFamily="34" charset="0"/>
+              </a:rPr>
+              <a:t>the </a:t>
+            </a:r>
+            <a:r xmlns:a="http://schemas.openxmlformats.org/drawingml/2006/main">
+              <a:rPr kumimoji="0" lang="en" altLang="en-US" b="0" i="0" u="none" strike="noStrike" cap="none" normalizeH="0" baseline="0" dirty="0" err="1" smtClean="0">
+                <a:ln>
+                  <a:noFill/>
+                </a:ln>
+                <a:solidFill>
+                  <a:schemeClr val="tx1"/>
+                </a:solidFill>
+                <a:effectLst/>
+                <a:latin typeface="Arial" panose="020B0604020202020204" pitchFamily="34" charset="0"/>
+              </a:rPr>
+              <a:t>file</a:t>
+            </a:r>
+            <a:r xmlns:a="http://schemas.openxmlformats.org/drawingml/2006/main">
+              <a:rPr kumimoji="0" lang="en" altLang="en-US" b="0" i="0" u="none" strike="noStrike" cap="none" normalizeH="0" baseline="0" dirty="0" smtClean="0">
+                <a:ln>
+                  <a:noFill/>
+                </a:ln>
+                <a:solidFill>
+                  <a:schemeClr val="tx1"/>
+                </a:solidFill>
+                <a:effectLst/>
+                <a:latin typeface="Arial" panose="020B0604020202020204" pitchFamily="34" charset="0"/>
+              </a:rPr>
+              <a:t> </a:t>
+            </a:r>
+            <a:r xmlns:a="http://schemas.openxmlformats.org/drawingml/2006/main">
+              <a:rPr kumimoji="0" lang="en" altLang="en-US" b="1" i="0" u="none" strike="noStrike" cap="none" normalizeH="0" baseline="0" dirty="0" smtClean="0">
+                <a:ln>
+                  <a:noFill/>
+                </a:ln>
+                <a:solidFill>
+                  <a:schemeClr val="tx1"/>
+                </a:solidFill>
+                <a:effectLst/>
+                <a:latin typeface="Arial" panose="020B0604020202020204" pitchFamily="34" charset="0"/>
+              </a:rPr>
+              <a:t>Example2.json </a:t>
+            </a:r>
+            <a:r xmlns:a="http://schemas.openxmlformats.org/drawingml/2006/main">
+              <a:rPr kumimoji="0" lang="en" altLang="en-US" b="0" i="0" u="none" strike="noStrike" cap="none" normalizeH="0" baseline="0" dirty="0" smtClean="0">
+                <a:ln>
+                  <a:noFill/>
+                </a:ln>
+                <a:solidFill>
+                  <a:schemeClr val="tx1"/>
+                </a:solidFill>
+                <a:effectLst/>
+                <a:latin typeface="Arial" panose="020B0604020202020204" pitchFamily="34" charset="0"/>
+              </a:rPr>
+              <a:t>and </a:t>
+            </a:r>
+            <a:r xmlns:a="http://schemas.openxmlformats.org/drawingml/2006/main">
+              <a:rPr kumimoji="0" lang="en" altLang="en-US" b="0" i="0" u="none" strike="noStrike" cap="none" normalizeH="0" baseline="0" dirty="0" err="1" smtClean="0">
+                <a:ln>
+                  <a:noFill/>
+                </a:ln>
+                <a:solidFill>
+                  <a:schemeClr val="tx1"/>
+                </a:solidFill>
+                <a:effectLst/>
+                <a:latin typeface="Arial" panose="020B0604020202020204" pitchFamily="34" charset="0"/>
+              </a:rPr>
+              <a:t>notice </a:t>
+            </a:r>
+            <a:r xmlns:a="http://schemas.openxmlformats.org/drawingml/2006/main">
+              <a:rPr kumimoji="0" lang="en" altLang="en-US" b="0" i="0" u="none" strike="noStrike" cap="none" normalizeH="0" baseline="0" dirty="0" smtClean="0">
+                <a:ln>
+                  <a:noFill/>
+                </a:ln>
+                <a:solidFill>
+                  <a:schemeClr val="tx1"/>
+                </a:solidFill>
+                <a:effectLst/>
+                <a:latin typeface="Arial" panose="020B0604020202020204" pitchFamily="34" charset="0"/>
+              </a:rPr>
+              <a:t>that </a:t>
+            </a:r>
+            <a:r xmlns:a="http://schemas.openxmlformats.org/drawingml/2006/main">
+              <a:rPr kumimoji="0" lang="en" altLang="en-US" b="0" i="0" u="none" strike="noStrike" cap="none" normalizeH="0" baseline="0" dirty="0" err="1" smtClean="0">
+                <a:ln>
+                  <a:noFill/>
+                </a:ln>
+                <a:solidFill>
+                  <a:schemeClr val="tx1"/>
+                </a:solidFill>
+                <a:effectLst/>
+                <a:latin typeface="Arial" panose="020B0604020202020204" pitchFamily="34" charset="0"/>
+              </a:rPr>
+              <a:t>its </a:t>
+            </a:r>
+            <a:r xmlns:a="http://schemas.openxmlformats.org/drawingml/2006/main">
+              <a:rPr kumimoji="0" lang="en" altLang="en-US" b="0" i="0" u="none" strike="noStrike" cap="none" normalizeH="0" baseline="0" dirty="0" smtClean="0">
+                <a:ln>
+                  <a:noFill/>
+                </a:ln>
+                <a:solidFill>
+                  <a:schemeClr val="tx1"/>
+                </a:solidFill>
+                <a:effectLst/>
+                <a:latin typeface="Arial" panose="020B0604020202020204" pitchFamily="34" charset="0"/>
+              </a:rPr>
+              <a:t>structure </a:t>
+            </a:r>
+            <a:r xmlns:a="http://schemas.openxmlformats.org/drawingml/2006/main">
+              <a:rPr kumimoji="0" lang="en" altLang="en-US" b="0" i="0" u="none" strike="noStrike" cap="none" normalizeH="0" baseline="0" dirty="0" err="1" smtClean="0">
+                <a:ln>
+                  <a:noFill/>
+                </a:ln>
+                <a:solidFill>
+                  <a:schemeClr val="tx1"/>
+                </a:solidFill>
+                <a:effectLst/>
+                <a:latin typeface="Arial" panose="020B0604020202020204" pitchFamily="34" charset="0"/>
+              </a:rPr>
+              <a:t>differs </a:t>
+            </a:r>
+            <a:r xmlns:a="http://schemas.openxmlformats.org/drawingml/2006/main">
+              <a:rPr kumimoji="0" lang="en" altLang="en-US" b="0" i="0" u="none" strike="noStrike" cap="none" normalizeH="0" baseline="0" dirty="0" smtClean="0">
+                <a:ln>
+                  <a:noFill/>
+                </a:ln>
+                <a:solidFill>
+                  <a:schemeClr val="tx1"/>
+                </a:solidFill>
+                <a:effectLst/>
+                <a:latin typeface="Arial" panose="020B0604020202020204" pitchFamily="34" charset="0"/>
+              </a:rPr>
+              <a:t>from </a:t>
+            </a:r>
+            <a:r xmlns:a="http://schemas.openxmlformats.org/drawingml/2006/main">
+              <a:rPr kumimoji="0" lang="en" altLang="en-US" b="0" i="0" u="none" strike="noStrike" cap="none" normalizeH="0" baseline="0" dirty="0" err="1" smtClean="0">
+                <a:ln>
+                  <a:noFill/>
+                </a:ln>
+                <a:solidFill>
+                  <a:schemeClr val="tx1"/>
+                </a:solidFill>
+                <a:effectLst/>
+                <a:latin typeface="Arial" panose="020B0604020202020204" pitchFamily="34" charset="0"/>
               </a:rPr>
               <a:t>Example1.json </a:t>
             </a:r>
-            <a:r>
-              <a:rPr lang="fr-FR" dirty="0">
-                <a:latin typeface="Segoe UI" panose="020B0502040204020203" pitchFamily="34" charset="0"/>
-                <a:ea typeface="Calibri" panose="020F0502020204030204" pitchFamily="34" charset="0"/>
-                <a:cs typeface="Segoe UI" panose="020B0502040204020203" pitchFamily="34" charset="0"/>
-              </a:rPr>
-              <a:t>in the </a:t>
-            </a:r>
-            <a:r>
-              <a:rPr lang="fr-FR" dirty="0" err="1">
-                <a:latin typeface="Segoe UI" panose="020B0502040204020203" pitchFamily="34" charset="0"/>
-                <a:ea typeface="Calibri" panose="020F0502020204030204" pitchFamily="34" charset="0"/>
-                <a:cs typeface="Segoe UI" panose="020B0502040204020203" pitchFamily="34" charset="0"/>
-              </a:rPr>
-              <a:t>text</a:t>
-            </a:r>
-            <a:r>
-              <a:rPr lang="fr-FR" dirty="0">
-                <a:latin typeface="Segoe UI" panose="020B0502040204020203" pitchFamily="34" charset="0"/>
-                <a:ea typeface="Calibri" panose="020F0502020204030204" pitchFamily="34" charset="0"/>
-                <a:cs typeface="Segoe UI" panose="020B0502040204020203" pitchFamily="34" charset="0"/>
-              </a:rPr>
-              <a:t> editor </a:t>
-            </a:r>
-            <a:r>
-              <a:rPr lang="fr-FR" b="1" dirty="0" err="1">
-                <a:latin typeface="Segoe UI" panose="020B0502040204020203" pitchFamily="34" charset="0"/>
-                <a:ea typeface="Calibri" panose="020F0502020204030204" pitchFamily="34" charset="0"/>
-                <a:cs typeface="Segoe UI" panose="020B0502040204020203" pitchFamily="34" charset="0"/>
-              </a:rPr>
-              <a:t>notepad</a:t>
-            </a:r>
-            <a:r>
-              <a:rPr lang="fr-FR" b="1" dirty="0">
-                <a:latin typeface="Segoe UI" panose="020B0502040204020203" pitchFamily="34" charset="0"/>
-                <a:ea typeface="Calibri" panose="020F0502020204030204" pitchFamily="34" charset="0"/>
-                <a:cs typeface="Segoe UI" panose="020B0502040204020203" pitchFamily="34" charset="0"/>
-              </a:rPr>
-              <a:t> ++ </a:t>
-            </a:r>
-            <a:r>
-              <a:rPr lang="fr-FR" dirty="0">
-                <a:latin typeface="Segoe UI" panose="020B0502040204020203" pitchFamily="34" charset="0"/>
-                <a:ea typeface="Calibri" panose="020F0502020204030204" pitchFamily="34" charset="0"/>
-                <a:cs typeface="Segoe UI" panose="020B0502040204020203" pitchFamily="34" charset="0"/>
-              </a:rPr>
-              <a:t>and observe the structure of the file</a:t>
-            </a:r>
-            <a:endParaRPr lang="en-US" dirty="0">
-              <a:latin typeface="Segoe UI" panose="020B0502040204020203" pitchFamily="34" charset="0"/>
-              <a:ea typeface="Calibri" panose="020F0502020204030204" pitchFamily="34" charset="0"/>
-              <a:cs typeface="Segoe UI" panose="020B0502040204020203" pitchFamily="34" charset="0"/>
+            <a:r xmlns:a="http://schemas.openxmlformats.org/drawingml/2006/main">
+              <a:rPr kumimoji="0" lang="en" altLang="en-US" b="0" i="0" u="none" strike="noStrike" cap="none" normalizeH="0" baseline="0" dirty="0" smtClean="0">
+                <a:ln>
+                  <a:noFill/>
+                </a:ln>
+                <a:solidFill>
+                  <a:schemeClr val="tx1"/>
+                </a:solidFill>
+                <a:effectLst/>
+                <a:latin typeface="Arial" panose="020B0604020202020204" pitchFamily="34" charset="0"/>
+              </a:rPr>
+              <a:t>.</a:t>
+            </a:r>
+            <a:r xmlns:a="http://schemas.openxmlformats.org/drawingml/2006/main">
+              <a:rPr kumimoji="0" lang="en" altLang="en-US" b="0" i="0" u="none" strike="noStrike" cap="none" normalizeH="0" baseline="0" dirty="0" smtClean="0">
+                <a:ln>
+                  <a:noFill/>
+                </a:ln>
+                <a:solidFill>
+                  <a:schemeClr val="tx1"/>
+                </a:solidFill>
+                <a:effectLst/>
+                <a:latin typeface="Arial" panose="020B0604020202020204" pitchFamily="34" charset="0"/>
+              </a:rPr>
+              <a:t>​</a:t>
+            </a:r>
+            <a:r xmlns:a="http://schemas.openxmlformats.org/drawingml/2006/main">
+              <a:rPr kumimoji="0" lang="en" altLang="en-US" b="1" i="0" u="none" strike="noStrike" cap="none" normalizeH="0" baseline="0" dirty="0" smtClean="0">
+                <a:ln>
+                  <a:noFill/>
+                </a:ln>
+                <a:solidFill>
+                  <a:schemeClr val="tx1"/>
+                </a:solidFill>
+                <a:effectLst/>
+                <a:latin typeface="Arial" panose="020B0604020202020204" pitchFamily="34" charset="0"/>
+              </a:rPr>
+              <a:t>​</a:t>
+            </a:r>
+          </a:p>
+          <a:p>
+            <a:pPr marL="285750" marR="0" lvl="0" indent="-285750" algn="l" defTabSz="914400" rtl="0" eaLnBrk="0" fontAlgn="base" latinLnBrk="0" hangingPunct="0">
+              <a:lnSpc>
+                <a:spcPct val="100000"/>
+              </a:lnSpc>
+              <a:spcBef>
+                <a:spcPct val="0"/>
+              </a:spcBef>
+              <a:spcAft>
+                <a:spcPct val="0"/>
+              </a:spcAft>
+              <a:buClrTx/>
+              <a:buSzTx/>
+              <a:buFont typeface="Arial" panose="020B0604020202020204" pitchFamily="34" charset="0"/>
+              <a:buChar char="•"/>
+              <a:tabLst/>
+            </a:pPr>
+            <a:endParaRPr kumimoji="0" lang="en-US" altLang="en-US" b="0" i="0" u="none" strike="noStrike" cap="none" normalizeH="0" baseline="0" dirty="0" smtClean="0">
+              <a:ln>
+                <a:noFill/>
+              </a:ln>
+              <a:solidFill>
+                <a:schemeClr val="tx1"/>
+              </a:solidFill>
+              <a:effectLst/>
+              <a:latin typeface="Arial" panose="020B0604020202020204" pitchFamily="34" charset="0"/>
             </a:endParaRPr>
           </a:p>
           <a:p>
-            <a:pPr marL="457200">
+            <a:pPr xmlns:a="http://schemas.openxmlformats.org/drawingml/2006/main" marL="285750" marR="0" lvl="0" indent="-285750" algn="l" defTabSz="914400" rtl="0" eaLnBrk="0" fontAlgn="base" latinLnBrk="0" hangingPunct="0">
               <a:lnSpc>
-                <a:spcPct val="107000"/>
+                <a:spcPct val="100000"/>
               </a:lnSpc>
+              <a:spcBef>
+                <a:spcPct val="0"/>
+              </a:spcBef>
               <a:spcAft>
-                <a:spcPts val="0"/>
+                <a:spcPct val="0"/>
               </a:spcAft>
+              <a:buClrTx/>
+              <a:buSzTx/>
+              <a:buFont typeface="Arial" panose="020B0604020202020204" pitchFamily="34" charset="0"/>
+              <a:buChar char="•"/>
+              <a:tabLst/>
             </a:pPr>
-            <a:r>
-              <a:rPr lang="fr-FR" dirty="0">
-                <a:latin typeface="Segoe UI" panose="020B0502040204020203" pitchFamily="34" charset="0"/>
-                <a:ea typeface="Calibri" panose="020F0502020204030204" pitchFamily="34" charset="0"/>
-                <a:cs typeface="Segoe UI" panose="020B0502040204020203" pitchFamily="34" charset="0"/>
-              </a:rPr>
-              <a:t> </a:t>
-            </a:r>
-            <a:endParaRPr lang="en-US" dirty="0">
-              <a:latin typeface="Segoe UI" panose="020B0502040204020203" pitchFamily="34" charset="0"/>
-              <a:ea typeface="Calibri" panose="020F0502020204030204" pitchFamily="34" charset="0"/>
-              <a:cs typeface="Segoe UI" panose="020B0502040204020203" pitchFamily="34" charset="0"/>
+            <a:r xmlns:a="http://schemas.openxmlformats.org/drawingml/2006/main">
+              <a:rPr kumimoji="0" lang="en" altLang="en-US" b="0" i="0" u="none" strike="noStrike" cap="none" normalizeH="0" baseline="0" dirty="0" err="1" smtClean="0">
+                <a:ln>
+                  <a:noFill/>
+                </a:ln>
+                <a:solidFill>
+                  <a:schemeClr val="tx1"/>
+                </a:solidFill>
+                <a:effectLst/>
+                <a:latin typeface="Arial" panose="020B0604020202020204" pitchFamily="34" charset="0"/>
+              </a:rPr>
+              <a:t>Open </a:t>
+            </a:r>
+            <a:r xmlns:a="http://schemas.openxmlformats.org/drawingml/2006/main">
+              <a:rPr kumimoji="0" lang="en" altLang="en-US" b="0" i="0" u="none" strike="noStrike" cap="none" normalizeH="0" baseline="0" dirty="0" smtClean="0">
+                <a:ln>
+                  <a:noFill/>
+                </a:ln>
+                <a:solidFill>
+                  <a:schemeClr val="tx1"/>
+                </a:solidFill>
+                <a:effectLst/>
+                <a:latin typeface="Arial" panose="020B0604020202020204" pitchFamily="34" charset="0"/>
+              </a:rPr>
+              <a:t>the </a:t>
+            </a:r>
+            <a:r xmlns:a="http://schemas.openxmlformats.org/drawingml/2006/main">
+              <a:rPr kumimoji="0" lang="en" altLang="en-US" b="0" i="0" u="none" strike="noStrike" cap="none" normalizeH="0" baseline="0" dirty="0" err="1" smtClean="0">
+                <a:ln>
+                  <a:noFill/>
+                </a:ln>
+                <a:solidFill>
+                  <a:schemeClr val="tx1"/>
+                </a:solidFill>
+                <a:effectLst/>
+                <a:latin typeface="Arial" panose="020B0604020202020204" pitchFamily="34" charset="0"/>
+              </a:rPr>
+              <a:t>file</a:t>
+            </a:r>
+            <a:r xmlns:a="http://schemas.openxmlformats.org/drawingml/2006/main">
+              <a:rPr kumimoji="0" lang="en" altLang="en-US" b="0" i="0" u="none" strike="noStrike" cap="none" normalizeH="0" baseline="0" dirty="0" smtClean="0">
+                <a:ln>
+                  <a:noFill/>
+                </a:ln>
+                <a:solidFill>
+                  <a:schemeClr val="tx1"/>
+                </a:solidFill>
+                <a:effectLst/>
+                <a:latin typeface="Arial" panose="020B0604020202020204" pitchFamily="34" charset="0"/>
+              </a:rPr>
+              <a:t> </a:t>
+            </a:r>
+            <a:r xmlns:a="http://schemas.openxmlformats.org/drawingml/2006/main">
+              <a:rPr kumimoji="0" lang="en" altLang="en-US" b="1" i="0" u="none" strike="noStrike" cap="none" normalizeH="0" baseline="0" dirty="0" smtClean="0">
+                <a:ln>
+                  <a:noFill/>
+                </a:ln>
+                <a:solidFill>
+                  <a:schemeClr val="tx1"/>
+                </a:solidFill>
+                <a:effectLst/>
+                <a:latin typeface="Arial" panose="020B0604020202020204" pitchFamily="34" charset="0"/>
+              </a:rPr>
+              <a:t>Example3.json </a:t>
+            </a:r>
+            <a:r xmlns:a="http://schemas.openxmlformats.org/drawingml/2006/main">
+              <a:rPr kumimoji="0" lang="en" altLang="en-US" b="0" i="0" u="none" strike="noStrike" cap="none" normalizeH="0" baseline="0" dirty="0" smtClean="0">
+                <a:ln>
+                  <a:noFill/>
+                </a:ln>
+                <a:solidFill>
+                  <a:schemeClr val="tx1"/>
+                </a:solidFill>
+                <a:effectLst/>
+                <a:latin typeface="Arial" panose="020B0604020202020204" pitchFamily="34" charset="0"/>
+              </a:rPr>
+              <a:t>and </a:t>
+            </a:r>
+            <a:r xmlns:a="http://schemas.openxmlformats.org/drawingml/2006/main">
+              <a:rPr kumimoji="0" lang="en" altLang="en-US" b="0" i="0" u="none" strike="noStrike" cap="none" normalizeH="0" baseline="0" dirty="0" err="1" smtClean="0">
+                <a:ln>
+                  <a:noFill/>
+                </a:ln>
+                <a:solidFill>
+                  <a:schemeClr val="tx1"/>
+                </a:solidFill>
+                <a:effectLst/>
+                <a:latin typeface="Arial" panose="020B0604020202020204" pitchFamily="34" charset="0"/>
+              </a:rPr>
+              <a:t>observe </a:t>
+            </a:r>
+            <a:r xmlns:a="http://schemas.openxmlformats.org/drawingml/2006/main">
+              <a:rPr kumimoji="0" lang="en" altLang="en-US" b="0" i="0" u="none" strike="noStrike" cap="none" normalizeH="0" baseline="0" dirty="0" smtClean="0">
+                <a:ln>
+                  <a:noFill/>
+                </a:ln>
+                <a:solidFill>
+                  <a:schemeClr val="tx1"/>
+                </a:solidFill>
+                <a:effectLst/>
+                <a:latin typeface="Arial" panose="020B0604020202020204" pitchFamily="34" charset="0"/>
+              </a:rPr>
+              <a:t>that </a:t>
+            </a:r>
+            <a:r xmlns:a="http://schemas.openxmlformats.org/drawingml/2006/main">
+              <a:rPr kumimoji="0" lang="en" altLang="en-US" b="0" i="0" u="none" strike="noStrike" cap="none" normalizeH="0" baseline="0" dirty="0" err="1" smtClean="0">
+                <a:ln>
+                  <a:noFill/>
+                </a:ln>
+                <a:solidFill>
+                  <a:schemeClr val="tx1"/>
+                </a:solidFill>
+                <a:effectLst/>
+                <a:latin typeface="Arial" panose="020B0604020202020204" pitchFamily="34" charset="0"/>
+              </a:rPr>
+              <a:t>its </a:t>
+            </a:r>
+            <a:r xmlns:a="http://schemas.openxmlformats.org/drawingml/2006/main">
+              <a:rPr kumimoji="0" lang="en" altLang="en-US" b="0" i="0" u="none" strike="noStrike" cap="none" normalizeH="0" baseline="0" dirty="0" smtClean="0">
+                <a:ln>
+                  <a:noFill/>
+                </a:ln>
+                <a:solidFill>
+                  <a:schemeClr val="tx1"/>
+                </a:solidFill>
+                <a:effectLst/>
+                <a:latin typeface="Arial" panose="020B0604020202020204" pitchFamily="34" charset="0"/>
+              </a:rPr>
+              <a:t>structure </a:t>
+            </a:r>
+            <a:r xmlns:a="http://schemas.openxmlformats.org/drawingml/2006/main">
+              <a:rPr kumimoji="0" lang="en" altLang="en-US" b="0" i="0" u="none" strike="noStrike" cap="none" normalizeH="0" baseline="0" dirty="0" err="1" smtClean="0">
+                <a:ln>
+                  <a:noFill/>
+                </a:ln>
+                <a:solidFill>
+                  <a:schemeClr val="tx1"/>
+                </a:solidFill>
+                <a:effectLst/>
+                <a:latin typeface="Arial" panose="020B0604020202020204" pitchFamily="34" charset="0"/>
+              </a:rPr>
+              <a:t>is </a:t>
+            </a:r>
+            <a:r xmlns:a="http://schemas.openxmlformats.org/drawingml/2006/main">
+              <a:rPr kumimoji="0" lang="en" altLang="en-US" b="0" i="0" u="none" strike="noStrike" cap="none" normalizeH="0" baseline="0" dirty="0" smtClean="0">
+                <a:ln>
+                  <a:noFill/>
+                </a:ln>
+                <a:solidFill>
+                  <a:schemeClr val="tx1"/>
+                </a:solidFill>
+                <a:effectLst/>
+                <a:latin typeface="Arial" panose="020B0604020202020204" pitchFamily="34" charset="0"/>
+              </a:rPr>
+              <a:t>still </a:t>
+            </a:r>
+            <a:r xmlns:a="http://schemas.openxmlformats.org/drawingml/2006/main">
+              <a:rPr kumimoji="0" lang="en" altLang="en-US" b="0" i="0" u="none" strike="noStrike" cap="none" normalizeH="0" baseline="0" dirty="0" err="1" smtClean="0">
+                <a:ln>
+                  <a:noFill/>
+                </a:ln>
+                <a:solidFill>
+                  <a:schemeClr val="tx1"/>
+                </a:solidFill>
+                <a:effectLst/>
+                <a:latin typeface="Arial" panose="020B0604020202020204" pitchFamily="34" charset="0"/>
+              </a:rPr>
+              <a:t>different </a:t>
+            </a:r>
+            <a:r xmlns:a="http://schemas.openxmlformats.org/drawingml/2006/main">
+              <a:rPr kumimoji="0" lang="en" altLang="en-US" b="0" i="0" u="none" strike="noStrike" cap="none" normalizeH="0" baseline="0" dirty="0" smtClean="0">
+                <a:ln>
+                  <a:noFill/>
+                </a:ln>
+                <a:solidFill>
+                  <a:schemeClr val="tx1"/>
+                </a:solidFill>
+                <a:effectLst/>
+                <a:latin typeface="Arial" panose="020B0604020202020204" pitchFamily="34" charset="0"/>
+              </a:rPr>
+              <a:t>from the </a:t>
+            </a:r>
+            <a:r xmlns:a="http://schemas.openxmlformats.org/drawingml/2006/main">
+              <a:rPr kumimoji="0" lang="en" altLang="en-US" b="0" i="0" u="none" strike="noStrike" cap="none" normalizeH="0" baseline="0" dirty="0" err="1" smtClean="0">
+                <a:ln>
+                  <a:noFill/>
+                </a:ln>
+                <a:solidFill>
+                  <a:schemeClr val="tx1"/>
+                </a:solidFill>
+                <a:effectLst/>
+                <a:latin typeface="Arial" panose="020B0604020202020204" pitchFamily="34" charset="0"/>
+              </a:rPr>
+              <a:t>two</a:t>
+            </a:r>
+            <a:r xmlns:a="http://schemas.openxmlformats.org/drawingml/2006/main">
+              <a:rPr kumimoji="0" lang="en" altLang="en-US" b="0" i="0" u="none" strike="noStrike" cap="none" normalizeH="0" baseline="0" dirty="0" smtClean="0">
+                <a:ln>
+                  <a:noFill/>
+                </a:ln>
+                <a:solidFill>
+                  <a:schemeClr val="tx1"/>
+                </a:solidFill>
+                <a:effectLst/>
+                <a:latin typeface="Arial" panose="020B0604020202020204" pitchFamily="34" charset="0"/>
+              </a:rPr>
+              <a:t> </a:t>
+            </a:r>
+            <a:r xmlns:a="http://schemas.openxmlformats.org/drawingml/2006/main">
+              <a:rPr kumimoji="0" lang="en" altLang="en-US" b="0" i="0" u="none" strike="noStrike" cap="none" normalizeH="0" baseline="0" dirty="0" err="1" smtClean="0">
+                <a:ln>
+                  <a:noFill/>
+                </a:ln>
+                <a:solidFill>
+                  <a:schemeClr val="tx1"/>
+                </a:solidFill>
+                <a:effectLst/>
+                <a:latin typeface="Arial" panose="020B0604020202020204" pitchFamily="34" charset="0"/>
+              </a:rPr>
+              <a:t>files</a:t>
+            </a:r>
+            <a:r xmlns:a="http://schemas.openxmlformats.org/drawingml/2006/main">
+              <a:rPr kumimoji="0" lang="en" altLang="en-US" b="0" i="0" u="none" strike="noStrike" cap="none" normalizeH="0" baseline="0" dirty="0" smtClean="0">
+                <a:ln>
+                  <a:noFill/>
+                </a:ln>
+                <a:solidFill>
+                  <a:schemeClr val="tx1"/>
+                </a:solidFill>
+                <a:effectLst/>
+                <a:latin typeface="Arial" panose="020B0604020202020204" pitchFamily="34" charset="0"/>
+              </a:rPr>
+              <a:t> </a:t>
+            </a:r>
+            <a:r xmlns:a="http://schemas.openxmlformats.org/drawingml/2006/main">
+              <a:rPr kumimoji="0" lang="en" altLang="en-US" b="0" i="0" u="none" strike="noStrike" cap="none" normalizeH="0" baseline="0" dirty="0" err="1" smtClean="0">
+                <a:ln>
+                  <a:noFill/>
+                </a:ln>
+                <a:solidFill>
+                  <a:schemeClr val="tx1"/>
+                </a:solidFill>
+                <a:effectLst/>
+                <a:latin typeface="Arial" panose="020B0604020202020204" pitchFamily="34" charset="0"/>
+              </a:rPr>
+              <a:t>previous </a:t>
+            </a:r>
+            <a:r xmlns:a="http://schemas.openxmlformats.org/drawingml/2006/main">
+              <a:rPr kumimoji="0" lang="en" altLang="en-US" b="0" i="0" u="none" strike="noStrike" cap="none" normalizeH="0" baseline="0" dirty="0" smtClean="0">
+                <a:ln>
+                  <a:noFill/>
+                </a:ln>
+                <a:solidFill>
+                  <a:schemeClr val="tx1"/>
+                </a:solidFill>
+                <a:effectLst/>
+                <a:latin typeface="Arial" panose="020B0604020202020204" pitchFamily="34" charset="0"/>
+              </a:rPr>
+              <a:t>.</a:t>
+            </a:r>
+          </a:p>
+          <a:p>
+            <a:pPr marL="285750" marR="0" lvl="0" indent="-285750" algn="l" defTabSz="914400" rtl="0" eaLnBrk="0" fontAlgn="base" latinLnBrk="0" hangingPunct="0">
+              <a:lnSpc>
+                <a:spcPct val="100000"/>
+              </a:lnSpc>
+              <a:spcBef>
+                <a:spcPct val="0"/>
+              </a:spcBef>
+              <a:spcAft>
+                <a:spcPct val="0"/>
+              </a:spcAft>
+              <a:buClrTx/>
+              <a:buSzTx/>
+              <a:buFont typeface="Arial" panose="020B0604020202020204" pitchFamily="34" charset="0"/>
+              <a:buChar char="•"/>
+              <a:tabLst/>
+            </a:pPr>
+            <a:endParaRPr kumimoji="0" lang="en-US" altLang="en-US" b="0" i="0" u="none" strike="noStrike" cap="none" normalizeH="0" baseline="0" dirty="0" smtClean="0">
+              <a:ln>
+                <a:noFill/>
+              </a:ln>
+              <a:solidFill>
+                <a:schemeClr val="tx1"/>
+              </a:solidFill>
+              <a:effectLst/>
+              <a:latin typeface="Arial" panose="020B0604020202020204" pitchFamily="34" charset="0"/>
             </a:endParaRPr>
           </a:p>
           <a:p>
-            <a:pPr lvl="0">
+            <a:pPr xmlns:a="http://schemas.openxmlformats.org/drawingml/2006/main" marL="285750" marR="0" lvl="0" indent="-285750" algn="l" defTabSz="914400" rtl="0" eaLnBrk="0" fontAlgn="base" latinLnBrk="0" hangingPunct="0">
               <a:lnSpc>
-                <a:spcPct val="107000"/>
+                <a:spcPct val="100000"/>
               </a:lnSpc>
+              <a:spcBef>
+                <a:spcPct val="0"/>
+              </a:spcBef>
               <a:spcAft>
-                <a:spcPts val="0"/>
+                <a:spcPct val="0"/>
               </a:spcAft>
+              <a:buClrTx/>
+              <a:buSzTx/>
+              <a:buFont typeface="Arial" panose="020B0604020202020204" pitchFamily="34" charset="0"/>
+              <a:buChar char="•"/>
+              <a:tabLst/>
             </a:pPr>
-            <a:r>
-              <a:rPr lang="fr-FR" dirty="0">
-                <a:latin typeface="Segoe UI" panose="020B0502040204020203" pitchFamily="34" charset="0"/>
-                <a:ea typeface="Calibri" panose="020F0502020204030204" pitchFamily="34" charset="0"/>
-                <a:cs typeface="Segoe UI" panose="020B0502040204020203" pitchFamily="34" charset="0"/>
-              </a:rPr>
-              <a:t>Note </a:t>
-            </a:r>
-            <a:r>
-              <a:rPr lang="fr-FR" dirty="0" err="1">
-                <a:latin typeface="Segoe UI" panose="020B0502040204020203" pitchFamily="34" charset="0"/>
-                <a:ea typeface="Calibri" panose="020F0502020204030204" pitchFamily="34" charset="0"/>
-                <a:cs typeface="Segoe UI" panose="020B0502040204020203" pitchFamily="34" charset="0"/>
-              </a:rPr>
-              <a:t>that</a:t>
-            </a:r>
-            <a:r>
-              <a:rPr lang="fr-FR" dirty="0">
-                <a:latin typeface="Segoe UI" panose="020B0502040204020203" pitchFamily="34" charset="0"/>
-                <a:ea typeface="Calibri" panose="020F0502020204030204" pitchFamily="34" charset="0"/>
-                <a:cs typeface="Segoe UI" panose="020B0502040204020203" pitchFamily="34" charset="0"/>
-              </a:rPr>
-              <a:t> the </a:t>
-            </a:r>
-            <a:r>
-              <a:rPr lang="fr-FR" b="1" dirty="0" err="1">
-                <a:latin typeface="Segoe UI" panose="020B0502040204020203" pitchFamily="34" charset="0"/>
-                <a:ea typeface="Calibri" panose="020F0502020204030204" pitchFamily="34" charset="0"/>
-                <a:cs typeface="Segoe UI" panose="020B0502040204020203" pitchFamily="34" charset="0"/>
-              </a:rPr>
-              <a:t>Colors</a:t>
-            </a:r>
-            <a:r>
-              <a:rPr lang="fr-FR" b="1" dirty="0">
-                <a:latin typeface="Segoe UI" panose="020B0502040204020203" pitchFamily="34" charset="0"/>
-                <a:ea typeface="Calibri" panose="020F0502020204030204" pitchFamily="34" charset="0"/>
-                <a:cs typeface="Segoe UI" panose="020B0502040204020203" pitchFamily="34" charset="0"/>
+            <a:r xmlns:a="http://schemas.openxmlformats.org/drawingml/2006/main">
+              <a:rPr kumimoji="0" lang="en" altLang="en-US" b="0" i="0" u="none" strike="noStrike" cap="none" normalizeH="0" baseline="0" dirty="0" err="1" smtClean="0">
+                <a:ln>
+                  <a:noFill/>
+                </a:ln>
+                <a:solidFill>
+                  <a:schemeClr val="tx1"/>
+                </a:solidFill>
+                <a:effectLst/>
+                <a:latin typeface="Arial" panose="020B0604020202020204" pitchFamily="34" charset="0"/>
+              </a:rPr>
+              <a:t>Open </a:t>
+            </a:r>
+            <a:r xmlns:a="http://schemas.openxmlformats.org/drawingml/2006/main">
+              <a:rPr kumimoji="0" lang="en" altLang="en-US" b="0" i="0" u="none" strike="noStrike" cap="none" normalizeH="0" baseline="0" dirty="0" smtClean="0">
+                <a:ln>
+                  <a:noFill/>
+                </a:ln>
+                <a:solidFill>
+                  <a:schemeClr val="tx1"/>
+                </a:solidFill>
+                <a:effectLst/>
+                <a:latin typeface="Arial" panose="020B0604020202020204" pitchFamily="34" charset="0"/>
+              </a:rPr>
+              <a:t>the </a:t>
+            </a:r>
+            <a:r xmlns:a="http://schemas.openxmlformats.org/drawingml/2006/main">
+              <a:rPr kumimoji="0" lang="en" altLang="en-US" b="0" i="0" u="none" strike="noStrike" cap="none" normalizeH="0" baseline="0" dirty="0" err="1" smtClean="0">
+                <a:ln>
+                  <a:noFill/>
+                </a:ln>
+                <a:solidFill>
+                  <a:schemeClr val="tx1"/>
+                </a:solidFill>
+                <a:effectLst/>
+                <a:latin typeface="Arial" panose="020B0604020202020204" pitchFamily="34" charset="0"/>
+              </a:rPr>
+              <a:t>file</a:t>
+            </a:r>
+            <a:r xmlns:a="http://schemas.openxmlformats.org/drawingml/2006/main">
+              <a:rPr kumimoji="0" lang="en" altLang="en-US" b="0" i="0" u="none" strike="noStrike" cap="none" normalizeH="0" baseline="0" dirty="0" smtClean="0">
+                <a:ln>
+                  <a:noFill/>
+                </a:ln>
+                <a:solidFill>
+                  <a:schemeClr val="tx1"/>
+                </a:solidFill>
+                <a:effectLst/>
+                <a:latin typeface="Arial" panose="020B0604020202020204" pitchFamily="34" charset="0"/>
               </a:rPr>
               <a:t> </a:t>
             </a:r>
-            <a:r>
-              <a:rPr lang="fr-FR" b="1" dirty="0" err="1">
-                <a:latin typeface="Segoe UI" panose="020B0502040204020203" pitchFamily="34" charset="0"/>
-                <a:ea typeface="Calibri" panose="020F0502020204030204" pitchFamily="34" charset="0"/>
-                <a:cs typeface="Segoe UI" panose="020B0502040204020203" pitchFamily="34" charset="0"/>
-              </a:rPr>
-              <a:t>element</a:t>
-            </a:r>
-            <a:r>
-              <a:rPr lang="fr-FR" b="1" dirty="0">
-                <a:latin typeface="Segoe UI" panose="020B0502040204020203" pitchFamily="34" charset="0"/>
-                <a:ea typeface="Calibri" panose="020F0502020204030204" pitchFamily="34" charset="0"/>
-                <a:cs typeface="Segoe UI" panose="020B0502040204020203" pitchFamily="34" charset="0"/>
+            <a:r xmlns:a="http://schemas.openxmlformats.org/drawingml/2006/main">
+              <a:rPr kumimoji="0" lang="en" altLang="en-US" b="1" i="0" u="none" strike="noStrike" cap="none" normalizeH="0" baseline="0" dirty="0" smtClean="0">
+                <a:ln>
+                  <a:noFill/>
+                </a:ln>
+                <a:solidFill>
+                  <a:schemeClr val="tx1"/>
+                </a:solidFill>
+                <a:effectLst/>
+                <a:latin typeface="Arial" panose="020B0604020202020204" pitchFamily="34" charset="0"/>
+              </a:rPr>
+              <a:t>Example4.json </a:t>
+            </a:r>
+            <a:r xmlns:a="http://schemas.openxmlformats.org/drawingml/2006/main">
+              <a:rPr kumimoji="0" lang="en" altLang="en-US" b="0" i="0" u="none" strike="noStrike" cap="none" normalizeH="0" baseline="0" dirty="0" smtClean="0">
+                <a:ln>
+                  <a:noFill/>
+                </a:ln>
+                <a:solidFill>
+                  <a:schemeClr val="tx1"/>
+                </a:solidFill>
+                <a:effectLst/>
+                <a:latin typeface="Arial" panose="020B0604020202020204" pitchFamily="34" charset="0"/>
+              </a:rPr>
+              <a:t>and </a:t>
+            </a:r>
+            <a:r xmlns:a="http://schemas.openxmlformats.org/drawingml/2006/main">
+              <a:rPr kumimoji="0" lang="en" altLang="en-US" b="0" i="0" u="none" strike="noStrike" cap="none" normalizeH="0" baseline="0" dirty="0" err="1" smtClean="0">
+                <a:ln>
+                  <a:noFill/>
+                </a:ln>
+                <a:solidFill>
+                  <a:schemeClr val="tx1"/>
+                </a:solidFill>
+                <a:effectLst/>
+                <a:latin typeface="Arial" panose="020B0604020202020204" pitchFamily="34" charset="0"/>
+              </a:rPr>
+              <a:t>see</a:t>
+            </a:r>
+            <a:r xmlns:a="http://schemas.openxmlformats.org/drawingml/2006/main">
+              <a:rPr kumimoji="0" lang="en" altLang="en-US" b="0" i="0" u="none" strike="noStrike" cap="none" normalizeH="0" baseline="0" dirty="0" smtClean="0">
+                <a:ln>
+                  <a:noFill/>
+                </a:ln>
+                <a:solidFill>
+                  <a:schemeClr val="tx1"/>
+                </a:solidFill>
+                <a:effectLst/>
+                <a:latin typeface="Arial" panose="020B0604020202020204" pitchFamily="34" charset="0"/>
               </a:rPr>
               <a:t> </a:t>
             </a:r>
-            <a:r>
-              <a:rPr lang="fr-FR" dirty="0" err="1">
-                <a:latin typeface="Segoe UI" panose="020B0502040204020203" pitchFamily="34" charset="0"/>
-                <a:ea typeface="Calibri" panose="020F0502020204030204" pitchFamily="34" charset="0"/>
-                <a:cs typeface="Segoe UI" panose="020B0502040204020203" pitchFamily="34" charset="0"/>
-              </a:rPr>
-              <a:t>is</a:t>
-            </a:r>
-            <a:r>
-              <a:rPr lang="fr-FR" dirty="0">
-                <a:latin typeface="Segoe UI" panose="020B0502040204020203" pitchFamily="34" charset="0"/>
-                <a:ea typeface="Calibri" panose="020F0502020204030204" pitchFamily="34" charset="0"/>
-                <a:cs typeface="Segoe UI" panose="020B0502040204020203" pitchFamily="34" charset="0"/>
-              </a:rPr>
-              <a:t> of type </a:t>
-            </a:r>
-            <a:r>
-              <a:rPr lang="fr-FR" dirty="0" err="1">
-                <a:latin typeface="Segoe UI" panose="020B0502040204020203" pitchFamily="34" charset="0"/>
-                <a:ea typeface="Calibri" panose="020F0502020204030204" pitchFamily="34" charset="0"/>
-                <a:cs typeface="Segoe UI" panose="020B0502040204020203" pitchFamily="34" charset="0"/>
-              </a:rPr>
-              <a:t>array</a:t>
-            </a:r>
-            <a:endParaRPr lang="en-US" dirty="0">
-              <a:latin typeface="Segoe UI" panose="020B0502040204020203" pitchFamily="34" charset="0"/>
-              <a:ea typeface="Calibri" panose="020F0502020204030204" pitchFamily="34" charset="0"/>
-              <a:cs typeface="Segoe UI" panose="020B0502040204020203" pitchFamily="34" charset="0"/>
+            <a:r xmlns:a="http://schemas.openxmlformats.org/drawingml/2006/main">
+              <a:rPr kumimoji="0" lang="en" altLang="en-US" b="0" i="0" u="none" strike="noStrike" cap="none" normalizeH="0" baseline="0" dirty="0" err="1" smtClean="0">
+                <a:ln>
+                  <a:noFill/>
+                </a:ln>
+                <a:solidFill>
+                  <a:schemeClr val="tx1"/>
+                </a:solidFill>
+                <a:effectLst/>
+                <a:latin typeface="Arial" panose="020B0604020202020204" pitchFamily="34" charset="0"/>
+              </a:rPr>
+              <a:t>that he</a:t>
+            </a:r>
+            <a:r xmlns:a="http://schemas.openxmlformats.org/drawingml/2006/main">
+              <a:rPr kumimoji="0" lang="en" altLang="en-US" b="0" i="0" u="none" strike="noStrike" cap="none" normalizeH="0" baseline="0" dirty="0" smtClean="0">
+                <a:ln>
+                  <a:noFill/>
+                </a:ln>
+                <a:solidFill>
+                  <a:schemeClr val="tx1"/>
+                </a:solidFill>
+                <a:effectLst/>
+                <a:latin typeface="Arial" panose="020B0604020202020204" pitchFamily="34" charset="0"/>
+              </a:rPr>
+              <a:t> </a:t>
+            </a:r>
+            <a:r xmlns:a="http://schemas.openxmlformats.org/drawingml/2006/main">
+              <a:rPr kumimoji="0" lang="en" altLang="en-US" b="0" i="0" u="none" strike="noStrike" cap="none" normalizeH="0" baseline="0" dirty="0" err="1" smtClean="0">
+                <a:ln>
+                  <a:noFill/>
+                </a:ln>
+                <a:solidFill>
+                  <a:schemeClr val="tx1"/>
+                </a:solidFill>
+                <a:effectLst/>
+                <a:latin typeface="Arial" panose="020B0604020202020204" pitchFamily="34" charset="0"/>
+              </a:rPr>
+              <a:t>presents</a:t>
+            </a:r>
+            <a:r xmlns:a="http://schemas.openxmlformats.org/drawingml/2006/main">
+              <a:rPr kumimoji="0" lang="en" altLang="en-US" b="0" i="0" u="none" strike="noStrike" cap="none" normalizeH="0" baseline="0" dirty="0" smtClean="0">
+                <a:ln>
+                  <a:noFill/>
+                </a:ln>
+                <a:solidFill>
+                  <a:schemeClr val="tx1"/>
+                </a:solidFill>
+                <a:effectLst/>
+                <a:latin typeface="Arial" panose="020B0604020202020204" pitchFamily="34" charset="0"/>
+              </a:rPr>
+              <a:t> </a:t>
+            </a:r>
+            <a:r xmlns:a="http://schemas.openxmlformats.org/drawingml/2006/main">
+              <a:rPr kumimoji="0" lang="en" altLang="en-US" b="0" i="0" u="none" strike="noStrike" cap="none" normalizeH="0" baseline="0" dirty="0" err="1" smtClean="0">
+                <a:ln>
+                  <a:noFill/>
+                </a:ln>
+                <a:solidFill>
+                  <a:schemeClr val="tx1"/>
+                </a:solidFill>
+                <a:effectLst/>
+                <a:latin typeface="Arial" panose="020B0604020202020204" pitchFamily="34" charset="0"/>
+              </a:rPr>
+              <a:t>a</a:t>
+            </a:r>
+            <a:r xmlns:a="http://schemas.openxmlformats.org/drawingml/2006/main">
+              <a:rPr kumimoji="0" lang="en" altLang="en-US" b="0" i="0" u="none" strike="noStrike" cap="none" normalizeH="0" baseline="0" dirty="0" smtClean="0">
+                <a:ln>
+                  <a:noFill/>
+                </a:ln>
+                <a:solidFill>
+                  <a:schemeClr val="tx1"/>
+                </a:solidFill>
+                <a:effectLst/>
+                <a:latin typeface="Arial" panose="020B0604020202020204" pitchFamily="34" charset="0"/>
+              </a:rPr>
+              <a:t> </a:t>
+            </a:r>
+            <a:r xmlns:a="http://schemas.openxmlformats.org/drawingml/2006/main">
+              <a:rPr kumimoji="0" lang="en" altLang="en-US" b="0" i="0" u="none" strike="noStrike" cap="none" normalizeH="0" baseline="0" dirty="0" err="1" smtClean="0">
+                <a:ln>
+                  <a:noFill/>
+                </a:ln>
+                <a:solidFill>
+                  <a:schemeClr val="tx1"/>
+                </a:solidFill>
+                <a:effectLst/>
+                <a:latin typeface="Arial" panose="020B0604020202020204" pitchFamily="34" charset="0"/>
+              </a:rPr>
+              <a:t>similarity </a:t>
+            </a:r>
+            <a:r xmlns:a="http://schemas.openxmlformats.org/drawingml/2006/main">
+              <a:rPr kumimoji="0" lang="en" altLang="en-US" b="0" i="0" u="none" strike="noStrike" cap="none" normalizeH="0" baseline="0" dirty="0" smtClean="0">
+                <a:ln>
+                  <a:noFill/>
+                </a:ln>
+                <a:solidFill>
+                  <a:schemeClr val="tx1"/>
+                </a:solidFill>
+                <a:effectLst/>
+                <a:latin typeface="Arial" panose="020B0604020202020204" pitchFamily="34" charset="0"/>
+              </a:rPr>
+              <a:t>with </a:t>
+            </a:r>
+            <a:r xmlns:a="http://schemas.openxmlformats.org/drawingml/2006/main">
+              <a:rPr kumimoji="0" lang="en" altLang="en-US" b="1" i="0" u="none" strike="noStrike" cap="none" normalizeH="0" baseline="0" dirty="0" smtClean="0">
+                <a:ln>
+                  <a:noFill/>
+                </a:ln>
+                <a:solidFill>
+                  <a:schemeClr val="tx1"/>
+                </a:solidFill>
+                <a:effectLst/>
+                <a:latin typeface="Arial" panose="020B0604020202020204" pitchFamily="34" charset="0"/>
+              </a:rPr>
+              <a:t>Example2.json </a:t>
+            </a:r>
+            <a:r xmlns:a="http://schemas.openxmlformats.org/drawingml/2006/main">
+              <a:rPr kumimoji="0" lang="en" altLang="en-US" b="0" i="0" u="none" strike="noStrike" cap="none" normalizeH="0" baseline="0" dirty="0" smtClean="0">
+                <a:ln>
+                  <a:noFill/>
+                </a:ln>
+                <a:solidFill>
+                  <a:schemeClr val="tx1"/>
+                </a:solidFill>
+                <a:effectLst/>
+                <a:latin typeface="Arial" panose="020B0604020202020204" pitchFamily="34" charset="0"/>
+              </a:rPr>
+              <a:t>, </a:t>
+            </a:r>
+            <a:r xmlns:a="http://schemas.openxmlformats.org/drawingml/2006/main">
+              <a:rPr kumimoji="0" lang="en" altLang="en-US" b="0" i="0" u="none" strike="noStrike" cap="none" normalizeH="0" baseline="0" dirty="0" err="1" smtClean="0">
+                <a:ln>
+                  <a:noFill/>
+                </a:ln>
+                <a:solidFill>
+                  <a:schemeClr val="tx1"/>
+                </a:solidFill>
+                <a:effectLst/>
+                <a:latin typeface="Arial" panose="020B0604020202020204" pitchFamily="34" charset="0"/>
+              </a:rPr>
+              <a:t>but </a:t>
+            </a:r>
+            <a:r xmlns:a="http://schemas.openxmlformats.org/drawingml/2006/main">
+              <a:rPr kumimoji="0" lang="en" altLang="en-US" b="0" i="0" u="none" strike="noStrike" cap="none" normalizeH="0" baseline="0" dirty="0" smtClean="0">
+                <a:ln>
+                  <a:noFill/>
+                </a:ln>
+                <a:solidFill>
+                  <a:schemeClr val="tx1"/>
+                </a:solidFill>
+                <a:effectLst/>
+                <a:latin typeface="Arial" panose="020B0604020202020204" pitchFamily="34" charset="0"/>
+              </a:rPr>
+              <a:t>that </a:t>
+            </a:r>
+            <a:r xmlns:a="http://schemas.openxmlformats.org/drawingml/2006/main">
+              <a:rPr kumimoji="0" lang="en" altLang="en-US" b="0" i="0" u="none" strike="noStrike" cap="none" normalizeH="0" baseline="0" dirty="0" err="1" smtClean="0">
+                <a:ln>
+                  <a:noFill/>
+                </a:ln>
+                <a:solidFill>
+                  <a:schemeClr val="tx1"/>
+                </a:solidFill>
+                <a:effectLst/>
+                <a:latin typeface="Arial" panose="020B0604020202020204" pitchFamily="34" charset="0"/>
+              </a:rPr>
+              <a:t>its</a:t>
+            </a:r>
+            <a:r xmlns:a="http://schemas.openxmlformats.org/drawingml/2006/main">
+              <a:rPr kumimoji="0" lang="en" altLang="en-US" b="0" i="0" u="none" strike="noStrike" cap="none" normalizeH="0" baseline="0" dirty="0" smtClean="0">
+                <a:ln>
+                  <a:noFill/>
+                </a:ln>
+                <a:solidFill>
+                  <a:schemeClr val="tx1"/>
+                </a:solidFill>
+                <a:effectLst/>
+                <a:latin typeface="Arial" panose="020B0604020202020204" pitchFamily="34" charset="0"/>
+              </a:rPr>
+              <a:t> </a:t>
+            </a:r>
+            <a:r xmlns:a="http://schemas.openxmlformats.org/drawingml/2006/main">
+              <a:rPr kumimoji="0" lang="en" altLang="en-US" b="0" i="0" u="none" strike="noStrike" cap="none" normalizeH="0" baseline="0" dirty="0" err="1" smtClean="0">
+                <a:ln>
+                  <a:noFill/>
+                </a:ln>
+                <a:solidFill>
+                  <a:schemeClr val="tx1"/>
+                </a:solidFill>
+                <a:effectLst/>
+                <a:latin typeface="Arial" panose="020B0604020202020204" pitchFamily="34" charset="0"/>
+              </a:rPr>
+              <a:t>elements</a:t>
+            </a:r>
+            <a:r xmlns:a="http://schemas.openxmlformats.org/drawingml/2006/main">
+              <a:rPr kumimoji="0" lang="en" altLang="en-US" b="0" i="0" u="none" strike="noStrike" cap="none" normalizeH="0" baseline="0" dirty="0" smtClean="0">
+                <a:ln>
+                  <a:noFill/>
+                </a:ln>
+                <a:solidFill>
+                  <a:schemeClr val="tx1"/>
+                </a:solidFill>
+                <a:effectLst/>
+                <a:latin typeface="Arial" panose="020B0604020202020204" pitchFamily="34" charset="0"/>
+              </a:rPr>
+              <a:t> </a:t>
+            </a:r>
+            <a:r xmlns:a="http://schemas.openxmlformats.org/drawingml/2006/main">
+              <a:rPr kumimoji="0" lang="en" altLang="en-US" b="0" i="0" u="none" strike="noStrike" cap="none" normalizeH="0" baseline="0" dirty="0" err="1" smtClean="0">
+                <a:ln>
+                  <a:noFill/>
+                </a:ln>
+                <a:solidFill>
+                  <a:schemeClr val="tx1"/>
+                </a:solidFill>
+                <a:effectLst/>
+                <a:latin typeface="Arial" panose="020B0604020202020204" pitchFamily="34" charset="0"/>
+              </a:rPr>
+              <a:t>represent </a:t>
+            </a:r>
+            <a:r xmlns:a="http://schemas.openxmlformats.org/drawingml/2006/main">
+              <a:rPr kumimoji="0" lang="en" altLang="en-US" b="0" i="0" u="none" strike="noStrike" cap="none" normalizeH="0" baseline="0" dirty="0" smtClean="0">
+                <a:ln>
+                  <a:noFill/>
+                </a:ln>
+                <a:solidFill>
+                  <a:schemeClr val="tx1"/>
+                </a:solidFill>
+                <a:effectLst/>
+                <a:latin typeface="Arial" panose="020B0604020202020204" pitchFamily="34" charset="0"/>
+              </a:rPr>
+              <a:t>lists</a:t>
+            </a:r>
+            <a:r xmlns:a="http://schemas.openxmlformats.org/drawingml/2006/main">
+              <a:rPr kumimoji="0" lang="en" altLang="en-US" b="0" i="0" u="none" strike="noStrike" cap="none" normalizeH="0" baseline="0" dirty="0" err="1" smtClean="0">
+                <a:ln>
+                  <a:noFill/>
+                </a:ln>
+                <a:solidFill>
+                  <a:schemeClr val="tx1"/>
+                </a:solidFill>
+                <a:effectLst/>
+                <a:latin typeface="Arial" panose="020B0604020202020204" pitchFamily="34" charset="0"/>
+              </a:rPr>
+              <a:t>​</a:t>
+            </a:r>
+            <a:r xmlns:a="http://schemas.openxmlformats.org/drawingml/2006/main">
+              <a:rPr kumimoji="0" lang="en" altLang="en-US" b="0" i="0" u="none" strike="noStrike" cap="none" normalizeH="0" baseline="0" dirty="0" smtClean="0">
+                <a:ln>
+                  <a:noFill/>
+                </a:ln>
+                <a:solidFill>
+                  <a:schemeClr val="tx1"/>
+                </a:solidFill>
+                <a:effectLst/>
+                <a:latin typeface="Arial" panose="020B0604020202020204" pitchFamily="34" charset="0"/>
+              </a:rPr>
+              <a:t> </a:t>
+            </a:r>
+            <a:r xmlns:a="http://schemas.openxmlformats.org/drawingml/2006/main">
+              <a:rPr kumimoji="0" lang="en" altLang="en-US" b="0" i="0" u="none" strike="noStrike" cap="none" normalizeH="0" baseline="0" dirty="0" err="1" smtClean="0">
+                <a:ln>
+                  <a:noFill/>
+                </a:ln>
+                <a:solidFill>
+                  <a:schemeClr val="tx1"/>
+                </a:solidFill>
+                <a:effectLst/>
+                <a:latin typeface="Arial" panose="020B0604020202020204" pitchFamily="34" charset="0"/>
+              </a:rPr>
+              <a:t>rather </a:t>
+            </a:r>
+            <a:r xmlns:a="http://schemas.openxmlformats.org/drawingml/2006/main">
+              <a:rPr kumimoji="0" lang="en" altLang="en-US" b="0" i="0" u="none" strike="noStrike" cap="none" normalizeH="0" baseline="0" dirty="0" smtClean="0">
+                <a:ln>
+                  <a:noFill/>
+                </a:ln>
+                <a:solidFill>
+                  <a:schemeClr val="tx1"/>
+                </a:solidFill>
+                <a:effectLst/>
+                <a:latin typeface="Arial" panose="020B0604020202020204" pitchFamily="34" charset="0"/>
+              </a:rPr>
+              <a:t>than </a:t>
+            </a:r>
+            <a:r xmlns:a="http://schemas.openxmlformats.org/drawingml/2006/main">
+              <a:rPr kumimoji="0" lang="en" altLang="en-US" b="0" i="0" u="none" strike="noStrike" cap="none" normalizeH="0" baseline="0" dirty="0" err="1" smtClean="0">
+                <a:ln>
+                  <a:noFill/>
+                </a:ln>
+                <a:solidFill>
+                  <a:schemeClr val="tx1"/>
+                </a:solidFill>
+                <a:effectLst/>
+                <a:latin typeface="Arial" panose="020B0604020202020204" pitchFamily="34" charset="0"/>
+              </a:rPr>
+              <a:t>values</a:t>
+            </a:r>
+            <a:r xmlns:a="http://schemas.openxmlformats.org/drawingml/2006/main">
+              <a:rPr kumimoji="0" lang="en" altLang="en-US" b="0" i="0" u="none" strike="noStrike" cap="none" normalizeH="0" baseline="0" dirty="0" smtClean="0">
+                <a:ln>
+                  <a:noFill/>
+                </a:ln>
+                <a:solidFill>
+                  <a:schemeClr val="tx1"/>
+                </a:solidFill>
+                <a:effectLst/>
+                <a:latin typeface="Arial" panose="020B0604020202020204" pitchFamily="34" charset="0"/>
+              </a:rPr>
+              <a:t> </a:t>
+            </a:r>
+            <a:r xmlns:a="http://schemas.openxmlformats.org/drawingml/2006/main">
+              <a:rPr kumimoji="0" lang="en" altLang="en-US" b="0" i="0" u="none" strike="noStrike" cap="none" normalizeH="0" baseline="0" dirty="0" err="1" smtClean="0">
+                <a:ln>
+                  <a:noFill/>
+                </a:ln>
+                <a:solidFill>
+                  <a:schemeClr val="tx1"/>
+                </a:solidFill>
+                <a:effectLst/>
+                <a:latin typeface="Arial" panose="020B0604020202020204" pitchFamily="34" charset="0"/>
+              </a:rPr>
+              <a:t>scalars </a:t>
+            </a:r>
+            <a:r xmlns:a="http://schemas.openxmlformats.org/drawingml/2006/main">
+              <a:rPr kumimoji="0" lang="en" altLang="en-US" b="0" i="0" u="none" strike="noStrike" cap="none" normalizeH="0" baseline="0" dirty="0" smtClean="0">
+                <a:ln>
+                  <a:noFill/>
+                </a:ln>
+                <a:solidFill>
+                  <a:schemeClr val="tx1"/>
+                </a:solidFill>
+                <a:effectLst/>
+                <a:latin typeface="Arial" panose="020B0604020202020204" pitchFamily="34" charset="0"/>
+              </a:rPr>
+              <a:t>.</a:t>
+            </a:r>
+          </a:p>
+          <a:p>
+            <a:pPr marL="0" marR="0" lvl="0" indent="0" algn="l" defTabSz="914400" rtl="0" eaLnBrk="0" fontAlgn="base" latinLnBrk="0" hangingPunct="0">
+              <a:lnSpc>
+                <a:spcPct val="100000"/>
+              </a:lnSpc>
+              <a:spcBef>
+                <a:spcPct val="0"/>
+              </a:spcBef>
+              <a:spcAft>
+                <a:spcPct val="0"/>
+              </a:spcAft>
+              <a:buClrTx/>
+              <a:buSzTx/>
+              <a:buFontTx/>
+              <a:buNone/>
+              <a:tabLst/>
+            </a:pPr>
+            <a:endParaRPr kumimoji="0" lang="en-US" altLang="en-US" b="0" i="0" u="none" strike="noStrike" cap="none" normalizeH="0" baseline="0" dirty="0" smtClean="0">
+              <a:ln>
+                <a:noFill/>
+              </a:ln>
+              <a:solidFill>
+                <a:schemeClr val="tx1"/>
+              </a:solidFill>
+              <a:effectLst/>
+              <a:latin typeface="Arial" panose="020B0604020202020204" pitchFamily="34" charset="0"/>
             </a:endParaRPr>
           </a:p>
           <a:p>
-            <a:pPr marL="457200">
+            <a:pPr xmlns:a="http://schemas.openxmlformats.org/drawingml/2006/main" marL="0" marR="0" lvl="0" indent="0" algn="l" defTabSz="914400" rtl="0" eaLnBrk="0" fontAlgn="base" latinLnBrk="0" hangingPunct="0">
               <a:lnSpc>
-                <a:spcPct val="107000"/>
+                <a:spcPct val="100000"/>
               </a:lnSpc>
+              <a:spcBef>
+                <a:spcPct val="0"/>
+              </a:spcBef>
               <a:spcAft>
-                <a:spcPts val="0"/>
+                <a:spcPct val="0"/>
               </a:spcAft>
+              <a:buClrTx/>
+              <a:buSzTx/>
+              <a:buFontTx/>
+              <a:buNone/>
+              <a:tabLst/>
             </a:pPr>
-            <a:r>
-              <a:rPr lang="fr-FR" dirty="0">
-                <a:latin typeface="Segoe UI" panose="020B0502040204020203" pitchFamily="34" charset="0"/>
-                <a:ea typeface="Calibri" panose="020F0502020204030204" pitchFamily="34" charset="0"/>
-                <a:cs typeface="Segoe UI" panose="020B0502040204020203" pitchFamily="34" charset="0"/>
-              </a:rPr>
-              <a:t> </a:t>
-            </a:r>
-            <a:endParaRPr lang="en-US" dirty="0">
-              <a:latin typeface="Segoe UI" panose="020B0502040204020203" pitchFamily="34" charset="0"/>
-              <a:ea typeface="Calibri" panose="020F0502020204030204" pitchFamily="34" charset="0"/>
-              <a:cs typeface="Segoe UI" panose="020B0502040204020203" pitchFamily="34" charset="0"/>
+            <a:r xmlns:a="http://schemas.openxmlformats.org/drawingml/2006/main">
+              <a:rPr kumimoji="0" lang="en" altLang="en-US" b="0" i="0" u="none" strike="noStrike" cap="none" normalizeH="0" baseline="0" dirty="0" err="1" smtClean="0">
+                <a:ln>
+                  <a:noFill/>
+                </a:ln>
+                <a:solidFill>
+                  <a:schemeClr val="tx1"/>
+                </a:solidFill>
+                <a:effectLst/>
+                <a:latin typeface="Arial" panose="020B0604020202020204" pitchFamily="34" charset="0"/>
+              </a:rPr>
+              <a:t>Afterwards </a:t>
+            </a:r>
+            <a:r xmlns:a="http://schemas.openxmlformats.org/drawingml/2006/main">
+              <a:rPr kumimoji="0" lang="en" altLang="en-US" b="0" i="0" u="none" strike="noStrike" cap="none" normalizeH="0" baseline="0" dirty="0" smtClean="0">
+                <a:ln>
+                  <a:noFill/>
+                </a:ln>
+                <a:solidFill>
+                  <a:schemeClr val="tx1"/>
+                </a:solidFill>
+                <a:effectLst/>
+                <a:latin typeface="Arial" panose="020B0604020202020204" pitchFamily="34" charset="0"/>
+              </a:rPr>
+              <a:t>:</a:t>
+            </a:r>
+          </a:p>
+          <a:p>
+            <a:pPr xmlns:a="http://schemas.openxmlformats.org/drawingml/2006/main" marL="0" marR="0" lvl="0" indent="0" algn="l" defTabSz="914400" rtl="0" eaLnBrk="0" fontAlgn="base" latinLnBrk="0" hangingPunct="0">
+              <a:lnSpc>
+                <a:spcPct val="100000"/>
+              </a:lnSpc>
+              <a:spcBef>
+                <a:spcPct val="0"/>
+              </a:spcBef>
+              <a:spcAft>
+                <a:spcPct val="0"/>
+              </a:spcAft>
+              <a:buClrTx/>
+              <a:buSzTx/>
+              <a:buFontTx/>
+              <a:buChar char="•"/>
+              <a:tabLst/>
+            </a:pPr>
+            <a:r xmlns:a="http://schemas.openxmlformats.org/drawingml/2006/main">
+              <a:rPr kumimoji="0" lang="en" altLang="en-US" b="0" i="0" u="none" strike="noStrike" cap="none" normalizeH="0" baseline="0" dirty="0" err="1" smtClean="0">
+                <a:ln>
+                  <a:noFill/>
+                </a:ln>
+                <a:solidFill>
+                  <a:schemeClr val="tx1"/>
+                </a:solidFill>
+                <a:effectLst/>
+                <a:latin typeface="Arial" panose="020B0604020202020204" pitchFamily="34" charset="0"/>
+              </a:rPr>
+              <a:t>Select</a:t>
+            </a:r>
+            <a:r xmlns:a="http://schemas.openxmlformats.org/drawingml/2006/main">
+              <a:rPr kumimoji="0" lang="en" altLang="en-US" b="0" i="0" u="none" strike="noStrike" cap="none" normalizeH="0" baseline="0" dirty="0" smtClean="0">
+                <a:ln>
+                  <a:noFill/>
+                </a:ln>
+                <a:solidFill>
+                  <a:schemeClr val="tx1"/>
+                </a:solidFill>
+                <a:effectLst/>
+                <a:latin typeface="Arial" panose="020B0604020202020204" pitchFamily="34" charset="0"/>
+              </a:rPr>
+              <a:t> </a:t>
+            </a:r>
+            <a:r xmlns:a="http://schemas.openxmlformats.org/drawingml/2006/main">
+              <a:rPr kumimoji="0" lang="en" altLang="en-US" b="1" i="0" u="none" strike="noStrike" cap="none" normalizeH="0" baseline="0" dirty="0" smtClean="0">
+                <a:ln>
+                  <a:noFill/>
+                </a:ln>
+                <a:solidFill>
+                  <a:schemeClr val="tx1"/>
+                </a:solidFill>
+                <a:effectLst/>
+                <a:latin typeface="Arial" panose="020B0604020202020204" pitchFamily="34" charset="0"/>
+              </a:rPr>
+              <a:t>JSON</a:t>
+            </a:r>
+            <a:r xmlns:a="http://schemas.openxmlformats.org/drawingml/2006/main">
+              <a:rPr kumimoji="0" lang="en" altLang="en-US" b="0" i="0" u="none" strike="noStrike" cap="none" normalizeH="0" baseline="0" dirty="0" smtClean="0">
+                <a:ln>
+                  <a:noFill/>
+                </a:ln>
+                <a:solidFill>
+                  <a:schemeClr val="tx1"/>
+                </a:solidFill>
+                <a:effectLst/>
+                <a:latin typeface="Arial" panose="020B0604020202020204" pitchFamily="34" charset="0"/>
+              </a:rPr>
+              <a:t> </a:t>
+            </a:r>
+            <a:r xmlns:a="http://schemas.openxmlformats.org/drawingml/2006/main">
+              <a:rPr kumimoji="0" lang="en" altLang="en-US" b="0" i="0" u="none" strike="noStrike" cap="none" normalizeH="0" baseline="0" dirty="0" err="1" smtClean="0">
+                <a:ln>
+                  <a:noFill/>
+                </a:ln>
+                <a:solidFill>
+                  <a:schemeClr val="tx1"/>
+                </a:solidFill>
+                <a:effectLst/>
+                <a:latin typeface="Arial" panose="020B0604020202020204" pitchFamily="34" charset="0"/>
+              </a:rPr>
+              <a:t>as a </a:t>
+            </a:r>
+            <a:r xmlns:a="http://schemas.openxmlformats.org/drawingml/2006/main">
+              <a:rPr kumimoji="0" lang="en" altLang="en-US" b="0" i="0" u="none" strike="noStrike" cap="none" normalizeH="0" baseline="0" dirty="0" err="1" smtClean="0">
+                <a:ln>
+                  <a:noFill/>
+                </a:ln>
+                <a:solidFill>
+                  <a:schemeClr val="tx1"/>
+                </a:solidFill>
+                <a:effectLst/>
+                <a:latin typeface="Arial" panose="020B0604020202020204" pitchFamily="34" charset="0"/>
+              </a:rPr>
+              <a:t>data </a:t>
+            </a:r>
+            <a:r xmlns:a="http://schemas.openxmlformats.org/drawingml/2006/main">
+              <a:rPr kumimoji="0" lang="en" altLang="en-US" b="0" i="0" u="none" strike="noStrike" cap="none" normalizeH="0" baseline="0" dirty="0" smtClean="0">
+                <a:ln>
+                  <a:noFill/>
+                </a:ln>
+                <a:solidFill>
+                  <a:schemeClr val="tx1"/>
+                </a:solidFill>
+                <a:effectLst/>
+                <a:latin typeface="Arial" panose="020B0604020202020204" pitchFamily="34" charset="0"/>
+              </a:rPr>
+              <a:t>source </a:t>
+            </a:r>
+            <a:r xmlns:a="http://schemas.openxmlformats.org/drawingml/2006/main">
+              <a:rPr kumimoji="0" lang="en" altLang="en-US" b="0" i="0" u="none" strike="noStrike" cap="none" normalizeH="0" baseline="0" dirty="0" smtClean="0">
+                <a:ln>
+                  <a:noFill/>
+                </a:ln>
+                <a:solidFill>
+                  <a:schemeClr val="tx1"/>
+                </a:solidFill>
+                <a:effectLst/>
+                <a:latin typeface="Arial" panose="020B0604020202020204" pitchFamily="34" charset="0"/>
+              </a:rPr>
+              <a:t>.</a:t>
+            </a:r>
+          </a:p>
+          <a:p>
+            <a:pPr marL="0" marR="0" lvl="0" indent="0" algn="l" defTabSz="914400" rtl="0" eaLnBrk="0" fontAlgn="base" latinLnBrk="0" hangingPunct="0">
+              <a:lnSpc>
+                <a:spcPct val="100000"/>
+              </a:lnSpc>
+              <a:spcBef>
+                <a:spcPct val="0"/>
+              </a:spcBef>
+              <a:spcAft>
+                <a:spcPct val="0"/>
+              </a:spcAft>
+              <a:buClrTx/>
+              <a:buSzTx/>
+              <a:buFontTx/>
+              <a:buChar char="•"/>
+              <a:tabLst/>
+            </a:pPr>
+            <a:endParaRPr kumimoji="0" lang="en-US" altLang="en-US" b="0" i="0" u="none" strike="noStrike" cap="none" normalizeH="0" baseline="0" dirty="0" smtClean="0">
+              <a:ln>
+                <a:noFill/>
+              </a:ln>
+              <a:solidFill>
+                <a:schemeClr val="tx1"/>
+              </a:solidFill>
+              <a:effectLst/>
+              <a:latin typeface="Arial" panose="020B0604020202020204" pitchFamily="34" charset="0"/>
             </a:endParaRPr>
           </a:p>
           <a:p>
-            <a:pPr lvl="0">
+            <a:pPr xmlns:a="http://schemas.openxmlformats.org/drawingml/2006/main" marL="0" marR="0" lvl="0" indent="0" algn="l" defTabSz="914400" rtl="0" eaLnBrk="0" fontAlgn="base" latinLnBrk="0" hangingPunct="0">
               <a:lnSpc>
-                <a:spcPct val="107000"/>
+                <a:spcPct val="100000"/>
               </a:lnSpc>
+              <a:spcBef>
+                <a:spcPct val="0"/>
+              </a:spcBef>
               <a:spcAft>
-                <a:spcPts val="0"/>
+                <a:spcPct val="0"/>
               </a:spcAft>
+              <a:buClrTx/>
+              <a:buSzTx/>
+              <a:buFontTx/>
+              <a:buChar char="•"/>
+              <a:tabLst/>
             </a:pPr>
-            <a:r>
-              <a:rPr lang="en-US" dirty="0" smtClean="0">
-                <a:latin typeface="Segoe UI" panose="020B0502040204020203" pitchFamily="34" charset="0"/>
-                <a:ea typeface="Calibri" panose="020F0502020204030204" pitchFamily="34" charset="0"/>
-                <a:cs typeface="Segoe UI" panose="020B0502040204020203" pitchFamily="34" charset="0"/>
-              </a:rPr>
-              <a:t>Open the file </a:t>
-            </a:r>
-            <a:r>
-              <a:rPr lang="en-US" b="1" dirty="0" smtClean="0">
-                <a:latin typeface="Segoe UI" panose="020B0502040204020203" pitchFamily="34" charset="0"/>
-                <a:ea typeface="Calibri" panose="020F0502020204030204" pitchFamily="34" charset="0"/>
-                <a:cs typeface="Segoe UI" panose="020B0502040204020203" pitchFamily="34" charset="0"/>
-              </a:rPr>
-              <a:t>Example2.json </a:t>
-            </a:r>
-            <a:r>
-              <a:rPr lang="en-US" dirty="0" smtClean="0">
-                <a:latin typeface="Segoe UI" panose="020B0502040204020203" pitchFamily="34" charset="0"/>
-                <a:ea typeface="Calibri" panose="020F0502020204030204" pitchFamily="34" charset="0"/>
-                <a:cs typeface="Segoe UI" panose="020B0502040204020203" pitchFamily="34" charset="0"/>
-              </a:rPr>
-              <a:t>and notice that the structure differs from </a:t>
-            </a:r>
-            <a:r>
-              <a:rPr lang="en-US" b="1" dirty="0" smtClean="0">
-                <a:latin typeface="Segoe UI" panose="020B0502040204020203" pitchFamily="34" charset="0"/>
-                <a:ea typeface="Calibri" panose="020F0502020204030204" pitchFamily="34" charset="0"/>
-                <a:cs typeface="Segoe UI" panose="020B0502040204020203" pitchFamily="34" charset="0"/>
-              </a:rPr>
-              <a:t>Example1.jso</a:t>
-            </a:r>
-            <a:r>
-              <a:rPr lang="fr-FR" b="1" dirty="0" smtClean="0">
-                <a:latin typeface="Segoe UI" panose="020B0502040204020203" pitchFamily="34" charset="0"/>
-                <a:ea typeface="Calibri" panose="020F0502020204030204" pitchFamily="34" charset="0"/>
-                <a:cs typeface="Segoe UI" panose="020B0502040204020203" pitchFamily="34" charset="0"/>
-              </a:rPr>
-              <a:t>n</a:t>
-            </a:r>
-            <a:endParaRPr lang="en-US" dirty="0">
-              <a:latin typeface="Segoe UI" panose="020B0502040204020203" pitchFamily="34" charset="0"/>
-              <a:ea typeface="Calibri" panose="020F0502020204030204" pitchFamily="34" charset="0"/>
-              <a:cs typeface="Segoe UI" panose="020B0502040204020203" pitchFamily="34" charset="0"/>
+            <a:r xmlns:a="http://schemas.openxmlformats.org/drawingml/2006/main">
+              <a:rPr kumimoji="0" lang="en" altLang="en-US" b="0" i="0" u="none" strike="noStrike" cap="none" normalizeH="0" baseline="0" dirty="0" err="1" smtClean="0">
+                <a:ln>
+                  <a:noFill/>
+                </a:ln>
+                <a:solidFill>
+                  <a:schemeClr val="tx1"/>
+                </a:solidFill>
+                <a:effectLst/>
+                <a:latin typeface="Arial" panose="020B0604020202020204" pitchFamily="34" charset="0"/>
+              </a:rPr>
+              <a:t>Try </a:t>
+            </a:r>
+            <a:r xmlns:a="http://schemas.openxmlformats.org/drawingml/2006/main">
+              <a:rPr kumimoji="0" lang="en" altLang="en-US" b="0" i="0" u="none" strike="noStrike" cap="none" normalizeH="0" baseline="0" dirty="0" smtClean="0">
+                <a:ln>
+                  <a:noFill/>
+                </a:ln>
+                <a:solidFill>
+                  <a:schemeClr val="tx1"/>
+                </a:solidFill>
+                <a:effectLst/>
+                <a:latin typeface="Arial" panose="020B0604020202020204" pitchFamily="34" charset="0"/>
+              </a:rPr>
+              <a:t>loading the first </a:t>
+            </a:r>
+            <a:r xmlns:a="http://schemas.openxmlformats.org/drawingml/2006/main">
+              <a:rPr kumimoji="0" lang="en" altLang="en-US" b="0" i="0" u="none" strike="noStrike" cap="none" normalizeH="0" baseline="0" dirty="0" err="1" smtClean="0">
+                <a:ln>
+                  <a:noFill/>
+                </a:ln>
+                <a:solidFill>
+                  <a:schemeClr val="tx1"/>
+                </a:solidFill>
+                <a:effectLst/>
+                <a:latin typeface="Arial" panose="020B0604020202020204" pitchFamily="34" charset="0"/>
+              </a:rPr>
+              <a:t>file </a:t>
+            </a:r>
+            <a:r xmlns:a="http://schemas.openxmlformats.org/drawingml/2006/main">
+              <a:rPr kumimoji="0" lang="en" altLang="en-US" b="0" i="0" u="none" strike="noStrike" cap="none" normalizeH="0" baseline="0" dirty="0" smtClean="0">
+                <a:ln>
+                  <a:noFill/>
+                </a:ln>
+                <a:solidFill>
+                  <a:schemeClr val="tx1"/>
+                </a:solidFill>
+                <a:effectLst/>
+                <a:latin typeface="Arial" panose="020B0604020202020204" pitchFamily="34" charset="0"/>
+              </a:rPr>
+              <a:t>( </a:t>
+            </a:r>
+            <a:r xmlns:a="http://schemas.openxmlformats.org/drawingml/2006/main">
+              <a:rPr kumimoji="0" lang="en" altLang="en-US" b="1" i="0" u="none" strike="noStrike" cap="none" normalizeH="0" baseline="0" dirty="0" smtClean="0">
+                <a:ln>
+                  <a:noFill/>
+                </a:ln>
+                <a:solidFill>
+                  <a:schemeClr val="tx1"/>
+                </a:solidFill>
+                <a:effectLst/>
+                <a:latin typeface="Arial" panose="020B0604020202020204" pitchFamily="34" charset="0"/>
+              </a:rPr>
+              <a:t>Example1.json </a:t>
+            </a:r>
+            <a:r xmlns:a="http://schemas.openxmlformats.org/drawingml/2006/main">
+              <a:rPr kumimoji="0" lang="en" altLang="en-US" b="0" i="0" u="none" strike="noStrike" cap="none" normalizeH="0" baseline="0" dirty="0" smtClean="0">
+                <a:ln>
+                  <a:noFill/>
+                </a:ln>
+                <a:solidFill>
+                  <a:schemeClr val="tx1"/>
+                </a:solidFill>
+                <a:effectLst/>
+                <a:latin typeface="Arial" panose="020B0604020202020204" pitchFamily="34" charset="0"/>
+              </a:rPr>
+              <a:t>) </a:t>
+            </a:r>
+            <a:r xmlns:a="http://schemas.openxmlformats.org/drawingml/2006/main">
+              <a:rPr kumimoji="0" lang="en" altLang="en-US" b="0" i="0" u="none" strike="noStrike" cap="none" normalizeH="0" baseline="0" dirty="0" err="1" smtClean="0">
+                <a:ln>
+                  <a:noFill/>
+                </a:ln>
+                <a:solidFill>
+                  <a:schemeClr val="tx1"/>
+                </a:solidFill>
+                <a:effectLst/>
+                <a:latin typeface="Arial" panose="020B0604020202020204" pitchFamily="34" charset="0"/>
+              </a:rPr>
+              <a:t>into </a:t>
+            </a:r>
+            <a:r xmlns:a="http://schemas.openxmlformats.org/drawingml/2006/main">
+              <a:rPr kumimoji="0" lang="en" altLang="en-US" b="0" i="0" u="none" strike="noStrike" cap="none" normalizeH="0" baseline="0" dirty="0" smtClean="0">
+                <a:ln>
+                  <a:noFill/>
+                </a:ln>
+                <a:solidFill>
+                  <a:schemeClr val="tx1"/>
+                </a:solidFill>
+                <a:effectLst/>
+                <a:latin typeface="Arial" panose="020B0604020202020204" pitchFamily="34" charset="0"/>
+              </a:rPr>
+              <a:t>Power Query and </a:t>
+            </a:r>
+            <a:r xmlns:a="http://schemas.openxmlformats.org/drawingml/2006/main">
+              <a:rPr kumimoji="0" lang="en" altLang="en-US" b="0" i="0" u="none" strike="noStrike" cap="none" normalizeH="0" baseline="0" dirty="0" err="1" smtClean="0">
+                <a:ln>
+                  <a:noFill/>
+                </a:ln>
+                <a:solidFill>
+                  <a:schemeClr val="tx1"/>
+                </a:solidFill>
+                <a:effectLst/>
+                <a:latin typeface="Arial" panose="020B0604020202020204" pitchFamily="34" charset="0"/>
+              </a:rPr>
+              <a:t>observe </a:t>
+            </a:r>
+            <a:r xmlns:a="http://schemas.openxmlformats.org/drawingml/2006/main">
+              <a:rPr kumimoji="0" lang="en" altLang="en-US" b="0" i="0" u="none" strike="noStrike" cap="none" normalizeH="0" baseline="0" dirty="0" smtClean="0">
+                <a:ln>
+                  <a:noFill/>
+                </a:ln>
+                <a:solidFill>
+                  <a:schemeClr val="tx1"/>
+                </a:solidFill>
+                <a:effectLst/>
+                <a:latin typeface="Arial" panose="020B0604020202020204" pitchFamily="34" charset="0"/>
+              </a:rPr>
+              <a:t>that the </a:t>
+            </a:r>
+            <a:r xmlns:a="http://schemas.openxmlformats.org/drawingml/2006/main">
+              <a:rPr kumimoji="0" lang="en" altLang="en-US" b="0" i="0" u="none" strike="noStrike" cap="none" normalizeH="0" baseline="0" dirty="0" err="1" smtClean="0">
+                <a:ln>
+                  <a:noFill/>
+                </a:ln>
+                <a:solidFill>
+                  <a:schemeClr val="tx1"/>
+                </a:solidFill>
+                <a:effectLst/>
+                <a:latin typeface="Arial" panose="020B0604020202020204" pitchFamily="34" charset="0"/>
+              </a:rPr>
+              <a:t>data</a:t>
+            </a:r>
+            <a:r xmlns:a="http://schemas.openxmlformats.org/drawingml/2006/main">
+              <a:rPr kumimoji="0" lang="en" altLang="en-US" b="0" i="0" u="none" strike="noStrike" cap="none" normalizeH="0" baseline="0" dirty="0" smtClean="0">
+                <a:ln>
+                  <a:noFill/>
+                </a:ln>
+                <a:solidFill>
+                  <a:schemeClr val="tx1"/>
+                </a:solidFill>
+                <a:effectLst/>
+                <a:latin typeface="Arial" panose="020B0604020202020204" pitchFamily="34" charset="0"/>
+              </a:rPr>
+              <a:t> </a:t>
+            </a:r>
+            <a:r xmlns:a="http://schemas.openxmlformats.org/drawingml/2006/main">
+              <a:rPr kumimoji="0" lang="en" altLang="en-US" b="0" i="0" u="none" strike="noStrike" cap="none" normalizeH="0" baseline="0" dirty="0" err="1" smtClean="0">
+                <a:ln>
+                  <a:noFill/>
+                </a:ln>
+                <a:solidFill>
+                  <a:schemeClr val="tx1"/>
+                </a:solidFill>
+                <a:effectLst/>
+                <a:latin typeface="Arial" panose="020B0604020202020204" pitchFamily="34" charset="0"/>
+              </a:rPr>
+              <a:t>are</a:t>
+            </a:r>
+            <a:r xmlns:a="http://schemas.openxmlformats.org/drawingml/2006/main">
+              <a:rPr kumimoji="0" lang="en" altLang="en-US" b="0" i="0" u="none" strike="noStrike" cap="none" normalizeH="0" baseline="0" dirty="0" smtClean="0">
+                <a:ln>
+                  <a:noFill/>
+                </a:ln>
+                <a:solidFill>
+                  <a:schemeClr val="tx1"/>
+                </a:solidFill>
+                <a:effectLst/>
+                <a:latin typeface="Arial" panose="020B0604020202020204" pitchFamily="34" charset="0"/>
+              </a:rPr>
+              <a:t> </a:t>
+            </a:r>
+            <a:r xmlns:a="http://schemas.openxmlformats.org/drawingml/2006/main">
+              <a:rPr kumimoji="0" lang="en" altLang="en-US" b="0" i="0" u="none" strike="noStrike" cap="none" normalizeH="0" baseline="0" dirty="0" err="1" smtClean="0">
+                <a:ln>
+                  <a:noFill/>
+                </a:ln>
+                <a:solidFill>
+                  <a:schemeClr val="tx1"/>
+                </a:solidFill>
+                <a:effectLst/>
+                <a:latin typeface="Arial" panose="020B0604020202020204" pitchFamily="34" charset="0"/>
+              </a:rPr>
+              <a:t>represented </a:t>
+            </a:r>
+            <a:r xmlns:a="http://schemas.openxmlformats.org/drawingml/2006/main">
+              <a:rPr kumimoji="0" lang="en" altLang="en-US" b="0" i="0" u="none" strike="noStrike" cap="none" normalizeH="0" baseline="0" dirty="0" smtClean="0">
+                <a:ln>
+                  <a:noFill/>
+                </a:ln>
+                <a:solidFill>
+                  <a:schemeClr val="tx1"/>
+                </a:solidFill>
+                <a:effectLst/>
+                <a:latin typeface="Arial" panose="020B0604020202020204" pitchFamily="34" charset="0"/>
+              </a:rPr>
+              <a:t>in </a:t>
+            </a:r>
+            <a:r xmlns:a="http://schemas.openxmlformats.org/drawingml/2006/main">
+              <a:rPr kumimoji="0" lang="en" altLang="en-US" b="0" i="0" u="none" strike="noStrike" cap="none" normalizeH="0" baseline="0" dirty="0" err="1" smtClean="0">
+                <a:ln>
+                  <a:noFill/>
+                </a:ln>
+                <a:solidFill>
+                  <a:schemeClr val="tx1"/>
+                </a:solidFill>
+                <a:effectLst/>
+                <a:latin typeface="Arial" panose="020B0604020202020204" pitchFamily="34" charset="0"/>
+              </a:rPr>
+              <a:t>the form</a:t>
+            </a:r>
+            <a:r xmlns:a="http://schemas.openxmlformats.org/drawingml/2006/main">
+              <a:rPr kumimoji="0" lang="en" altLang="en-US" b="0" i="0" u="none" strike="noStrike" cap="none" normalizeH="0" baseline="0" dirty="0" smtClean="0">
+                <a:ln>
+                  <a:noFill/>
+                </a:ln>
+                <a:solidFill>
+                  <a:schemeClr val="tx1"/>
+                </a:solidFill>
+                <a:effectLst/>
+                <a:latin typeface="Arial" panose="020B0604020202020204" pitchFamily="34" charset="0"/>
+              </a:rPr>
+              <a:t> </a:t>
+            </a:r>
+            <a:r xmlns:a="http://schemas.openxmlformats.org/drawingml/2006/main">
+              <a:rPr kumimoji="0" lang="en" altLang="en-US" b="0" i="0" u="none" strike="noStrike" cap="none" normalizeH="0" baseline="0" dirty="0" err="1" smtClean="0">
+                <a:ln>
+                  <a:noFill/>
+                </a:ln>
+                <a:solidFill>
+                  <a:schemeClr val="tx1"/>
+                </a:solidFill>
+                <a:effectLst/>
+                <a:latin typeface="Arial" panose="020B0604020202020204" pitchFamily="34" charset="0"/>
+              </a:rPr>
+              <a:t>of </a:t>
+            </a:r>
+            <a:r xmlns:a="http://schemas.openxmlformats.org/drawingml/2006/main">
+              <a:rPr kumimoji="0" lang="en" altLang="en-US" b="0" i="0" u="none" strike="noStrike" cap="none" normalizeH="0" baseline="0" dirty="0" smtClean="0">
+                <a:ln>
+                  <a:noFill/>
+                </a:ln>
+                <a:solidFill>
+                  <a:schemeClr val="tx1"/>
+                </a:solidFill>
+                <a:effectLst/>
+                <a:latin typeface="Arial" panose="020B0604020202020204" pitchFamily="34" charset="0"/>
+              </a:rPr>
+              <a:t>records </a:t>
+            </a:r>
+            <a:r xmlns:a="http://schemas.openxmlformats.org/drawingml/2006/main">
+              <a:rPr kumimoji="0" lang="en" altLang="en-US" b="0" i="0" u="none" strike="noStrike" cap="none" normalizeH="0" baseline="0" dirty="0" smtClean="0">
+                <a:ln>
+                  <a:noFill/>
+                </a:ln>
+                <a:solidFill>
+                  <a:schemeClr val="tx1"/>
+                </a:solidFill>
+                <a:effectLst/>
+                <a:latin typeface="Arial" panose="020B0604020202020204" pitchFamily="34" charset="0"/>
+              </a:rPr>
+              <a:t>.</a:t>
+            </a:r>
+            <a:r xmlns:a="http://schemas.openxmlformats.org/drawingml/2006/main">
+              <a:rPr kumimoji="0" lang="en" altLang="en-US" b="0" i="1" u="none" strike="noStrike" cap="none" normalizeH="0" baseline="0" dirty="0" smtClean="0">
+                <a:ln>
+                  <a:noFill/>
+                </a:ln>
+                <a:solidFill>
+                  <a:schemeClr val="tx1"/>
+                </a:solidFill>
+                <a:effectLst/>
+                <a:latin typeface="Arial" panose="020B0604020202020204" pitchFamily="34" charset="0"/>
+              </a:rPr>
+              <a:t>​</a:t>
+            </a:r>
+          </a:p>
+          <a:p>
+            <a:pPr marL="0" marR="0" lvl="0" indent="0" algn="l" defTabSz="914400" rtl="0" eaLnBrk="0" fontAlgn="base" latinLnBrk="0" hangingPunct="0">
+              <a:lnSpc>
+                <a:spcPct val="100000"/>
+              </a:lnSpc>
+              <a:spcBef>
+                <a:spcPct val="0"/>
+              </a:spcBef>
+              <a:spcAft>
+                <a:spcPct val="0"/>
+              </a:spcAft>
+              <a:buClrTx/>
+              <a:buSzTx/>
+              <a:buFontTx/>
+              <a:buNone/>
+              <a:tabLst/>
+            </a:pPr>
+            <a:endParaRPr kumimoji="0" lang="en-US" altLang="en-US" b="0" i="0" u="none" strike="noStrike" cap="none" normalizeH="0" baseline="0" dirty="0" smtClean="0">
+              <a:ln>
+                <a:noFill/>
+              </a:ln>
+              <a:solidFill>
+                <a:schemeClr val="tx1"/>
+              </a:solidFill>
+              <a:effectLst/>
+              <a:latin typeface="Arial" panose="020B0604020202020204" pitchFamily="34" charset="0"/>
             </a:endParaRPr>
-          </a:p>
-          <a:p>
-            <a:pPr marL="457200">
-              <a:lnSpc>
-                <a:spcPct val="107000"/>
-              </a:lnSpc>
-              <a:spcAft>
-                <a:spcPts val="0"/>
-              </a:spcAft>
-            </a:pPr>
-            <a:r>
-              <a:rPr lang="fr-FR" dirty="0">
-                <a:latin typeface="Segoe UI" panose="020B0502040204020203" pitchFamily="34" charset="0"/>
-                <a:ea typeface="Calibri" panose="020F0502020204030204" pitchFamily="34" charset="0"/>
-                <a:cs typeface="Segoe UI" panose="020B0502040204020203" pitchFamily="34" charset="0"/>
-              </a:rPr>
-              <a:t> </a:t>
-            </a:r>
-            <a:endParaRPr lang="en-US" dirty="0">
-              <a:latin typeface="Segoe UI" panose="020B0502040204020203" pitchFamily="34" charset="0"/>
-              <a:ea typeface="Calibri" panose="020F0502020204030204" pitchFamily="34" charset="0"/>
-              <a:cs typeface="Segoe UI" panose="020B0502040204020203" pitchFamily="34" charset="0"/>
-            </a:endParaRPr>
-          </a:p>
-          <a:p>
-            <a:pPr lvl="0">
-              <a:lnSpc>
-                <a:spcPct val="107000"/>
-              </a:lnSpc>
-              <a:spcAft>
-                <a:spcPts val="0"/>
-              </a:spcAft>
-            </a:pPr>
-            <a:r>
-              <a:rPr lang="en-US" dirty="0" smtClean="0">
-                <a:latin typeface="Segoe UI" panose="020B0502040204020203" pitchFamily="34" charset="0"/>
-                <a:ea typeface="Calibri" panose="020F0502020204030204" pitchFamily="34" charset="0"/>
-                <a:cs typeface="Segoe UI" panose="020B0502040204020203" pitchFamily="34" charset="0"/>
-              </a:rPr>
-              <a:t>Open the </a:t>
-            </a:r>
-            <a:r>
-              <a:rPr lang="en-US" b="1" dirty="0" smtClean="0">
-                <a:latin typeface="Segoe UI" panose="020B0502040204020203" pitchFamily="34" charset="0"/>
-                <a:ea typeface="Calibri" panose="020F0502020204030204" pitchFamily="34" charset="0"/>
-                <a:cs typeface="Segoe UI" panose="020B0502040204020203" pitchFamily="34" charset="0"/>
-              </a:rPr>
-              <a:t>Example3.json file </a:t>
-            </a:r>
-            <a:r>
-              <a:rPr lang="en-US" dirty="0" smtClean="0">
-                <a:latin typeface="Segoe UI" panose="020B0502040204020203" pitchFamily="34" charset="0"/>
-                <a:ea typeface="Calibri" panose="020F0502020204030204" pitchFamily="34" charset="0"/>
-                <a:cs typeface="Segoe UI" panose="020B0502040204020203" pitchFamily="34" charset="0"/>
-              </a:rPr>
-              <a:t>and notice that the structure differs again from the previous two files</a:t>
-            </a:r>
-            <a:r>
-              <a:rPr lang="fr-FR" dirty="0" smtClean="0">
-                <a:latin typeface="Segoe UI" panose="020B0502040204020203" pitchFamily="34" charset="0"/>
-                <a:ea typeface="Calibri" panose="020F0502020204030204" pitchFamily="34" charset="0"/>
-                <a:cs typeface="Segoe UI" panose="020B0502040204020203" pitchFamily="34" charset="0"/>
-              </a:rPr>
-              <a:t>.</a:t>
-            </a:r>
-            <a:endParaRPr lang="en-US" dirty="0">
-              <a:latin typeface="Segoe UI" panose="020B0502040204020203" pitchFamily="34" charset="0"/>
-              <a:ea typeface="Calibri" panose="020F0502020204030204" pitchFamily="34" charset="0"/>
-              <a:cs typeface="Segoe UI" panose="020B0502040204020203" pitchFamily="34" charset="0"/>
-            </a:endParaRPr>
-          </a:p>
-          <a:p>
-            <a:pPr marL="457200">
-              <a:lnSpc>
-                <a:spcPct val="107000"/>
-              </a:lnSpc>
-              <a:spcAft>
-                <a:spcPts val="0"/>
-              </a:spcAft>
-            </a:pPr>
-            <a:r>
-              <a:rPr lang="fr-FR" dirty="0">
-                <a:latin typeface="Segoe UI" panose="020B0502040204020203" pitchFamily="34" charset="0"/>
-                <a:ea typeface="Calibri" panose="020F0502020204030204" pitchFamily="34" charset="0"/>
-                <a:cs typeface="Segoe UI" panose="020B0502040204020203" pitchFamily="34" charset="0"/>
-              </a:rPr>
-              <a:t> </a:t>
-            </a:r>
-            <a:endParaRPr lang="en-US" dirty="0">
-              <a:latin typeface="Segoe UI" panose="020B0502040204020203" pitchFamily="34" charset="0"/>
-              <a:ea typeface="Calibri" panose="020F0502020204030204" pitchFamily="34" charset="0"/>
-              <a:cs typeface="Segoe UI" panose="020B0502040204020203" pitchFamily="34" charset="0"/>
-            </a:endParaRPr>
-          </a:p>
-          <a:p>
-            <a:pPr lvl="0">
-              <a:lnSpc>
-                <a:spcPct val="107000"/>
-              </a:lnSpc>
-              <a:spcAft>
-                <a:spcPts val="800"/>
-              </a:spcAft>
-            </a:pPr>
-            <a:r>
-              <a:rPr lang="en-US" dirty="0" smtClean="0">
-                <a:latin typeface="Segoe UI" panose="020B0502040204020203" pitchFamily="34" charset="0"/>
-                <a:ea typeface="Calibri" panose="020F0502020204030204" pitchFamily="34" charset="0"/>
-                <a:cs typeface="Segoe UI" panose="020B0502040204020203" pitchFamily="34" charset="0"/>
-              </a:rPr>
-              <a:t>Open the file </a:t>
-            </a:r>
-            <a:r>
-              <a:rPr lang="en-US" b="1" dirty="0" smtClean="0">
-                <a:latin typeface="Segoe UI" panose="020B0502040204020203" pitchFamily="34" charset="0"/>
-                <a:ea typeface="Calibri" panose="020F0502020204030204" pitchFamily="34" charset="0"/>
-                <a:cs typeface="Segoe UI" panose="020B0502040204020203" pitchFamily="34" charset="0"/>
-              </a:rPr>
-              <a:t>Example4.json </a:t>
-            </a:r>
-            <a:r>
-              <a:rPr lang="en-US" dirty="0" smtClean="0">
-                <a:latin typeface="Segoe UI" panose="020B0502040204020203" pitchFamily="34" charset="0"/>
-                <a:ea typeface="Calibri" panose="020F0502020204030204" pitchFamily="34" charset="0"/>
-                <a:cs typeface="Segoe UI" panose="020B0502040204020203" pitchFamily="34" charset="0"/>
-              </a:rPr>
-              <a:t>and observe that there is a similarity with the contents of </a:t>
-            </a:r>
-            <a:r>
-              <a:rPr lang="en-US" b="1" dirty="0" smtClean="0">
-                <a:latin typeface="Segoe UI" panose="020B0502040204020203" pitchFamily="34" charset="0"/>
-                <a:ea typeface="Calibri" panose="020F0502020204030204" pitchFamily="34" charset="0"/>
-                <a:cs typeface="Segoe UI" panose="020B0502040204020203" pitchFamily="34" charset="0"/>
-              </a:rPr>
-              <a:t>Example2.json </a:t>
-            </a:r>
-            <a:r>
-              <a:rPr lang="en-US" dirty="0" smtClean="0">
-                <a:latin typeface="Segoe UI" panose="020B0502040204020203" pitchFamily="34" charset="0"/>
-                <a:ea typeface="Calibri" panose="020F0502020204030204" pitchFamily="34" charset="0"/>
-                <a:cs typeface="Segoe UI" panose="020B0502040204020203" pitchFamily="34" charset="0"/>
-              </a:rPr>
-              <a:t>but the elements represent </a:t>
-            </a:r>
-            <a:r>
-              <a:rPr lang="en-US" dirty="0" err="1" smtClean="0">
-                <a:latin typeface="Segoe UI" panose="020B0502040204020203" pitchFamily="34" charset="0"/>
-                <a:ea typeface="Calibri" panose="020F0502020204030204" pitchFamily="34" charset="0"/>
-                <a:cs typeface="Segoe UI" panose="020B0502040204020203" pitchFamily="34" charset="0"/>
-              </a:rPr>
-              <a:t>lites</a:t>
-            </a:r>
-            <a:r>
-              <a:rPr lang="en-US" dirty="0" smtClean="0">
-                <a:latin typeface="Segoe UI" panose="020B0502040204020203" pitchFamily="34" charset="0"/>
-                <a:ea typeface="Calibri" panose="020F0502020204030204" pitchFamily="34" charset="0"/>
-                <a:cs typeface="Segoe UI" panose="020B0502040204020203" pitchFamily="34" charset="0"/>
-              </a:rPr>
-              <a:t> rather than scalar values</a:t>
-            </a:r>
-          </a:p>
-          <a:p>
-            <a:pPr lvl="0">
-              <a:lnSpc>
-                <a:spcPct val="107000"/>
-              </a:lnSpc>
-              <a:spcAft>
-                <a:spcPts val="800"/>
-              </a:spcAft>
-            </a:pPr>
-            <a:endParaRPr lang="fr-FR" dirty="0">
-              <a:effectLst/>
-              <a:latin typeface="Segoe UI" panose="020B0502040204020203" pitchFamily="34" charset="0"/>
-              <a:ea typeface="Calibri" panose="020F0502020204030204" pitchFamily="34" charset="0"/>
-              <a:cs typeface="Segoe UI" panose="020B0502040204020203" pitchFamily="34" charset="0"/>
-            </a:endParaRPr>
-          </a:p>
-          <a:p>
-            <a:pPr>
-              <a:lnSpc>
-                <a:spcPct val="107000"/>
-              </a:lnSpc>
-              <a:spcAft>
-                <a:spcPts val="800"/>
-              </a:spcAft>
-            </a:pPr>
-            <a:r>
-              <a:rPr lang="en-US" dirty="0" smtClean="0"/>
-              <a:t>Select </a:t>
-            </a:r>
-            <a:r>
-              <a:rPr lang="en-US" b="1" dirty="0" smtClean="0"/>
-              <a:t>JSON </a:t>
-            </a:r>
-            <a:r>
-              <a:rPr lang="en-US" dirty="0" smtClean="0"/>
-              <a:t>as data source and try to load the first file into the </a:t>
-            </a:r>
-            <a:r>
-              <a:rPr lang="en-US" b="1" dirty="0" smtClean="0"/>
-              <a:t>Power Query </a:t>
-            </a:r>
-            <a:r>
-              <a:rPr lang="en-US" dirty="0" smtClean="0"/>
-              <a:t>, and notice that the data is represented as records</a:t>
-            </a:r>
-            <a:endParaRPr lang="en-US" dirty="0"/>
           </a:p>
         </p:txBody>
       </p:sp>
@@ -5034,7 +6581,7 @@
         <p:spPr>
           <a:xfrm>
             <a:off x="449178" y="216445"/>
-            <a:ext cx="1936749" cy="366895"/>
+            <a:ext cx="1805302" cy="366895"/>
           </a:xfrm>
           <a:prstGeom prst="rect">
             <a:avLst/>
@@ -5046,7 +6593,7 @@
           </a:bodyPr>
           <a:lstStyle/>
           <a:p>
-            <a:pPr>
+            <a:pPr xmlns:a="http://schemas.openxmlformats.org/drawingml/2006/main">
               <a:lnSpc>
                 <a:spcPct val="107000"/>
               </a:lnSpc>
@@ -5057,23 +6604,15 @@
                 <a:spcPts val="0"/>
               </a:spcAft>
             </a:pPr>
-            <a:r>
-              <a:rPr lang="en-US" b="1" kern="0" dirty="0" smtClean="0">
+            <a:r xmlns:a="http://schemas.openxmlformats.org/drawingml/2006/main">
+              <a:rPr lang="en" b="1" kern="0" dirty="0" smtClean="0">
                 <a:latin typeface="Segoe UI" panose="020B0502040204020203" pitchFamily="34" charset="0"/>
                 <a:ea typeface="Times New Roman" panose="02020603050405020304" pitchFamily="18" charset="0"/>
                 <a:cs typeface="Times New Roman" panose="02020603050405020304" pitchFamily="18" charset="0"/>
               </a:rPr>
-              <a:t>Importing </a:t>
-            </a:r>
-            <a:r>
-              <a:rPr lang="en-US" b="1" kern="0" dirty="0" smtClean="0">
-                <a:latin typeface="Segoe UI" panose="020B0502040204020203" pitchFamily="34" charset="0"/>
-                <a:ea typeface="Times New Roman" panose="02020603050405020304" pitchFamily="18" charset="0"/>
-                <a:cs typeface="Times New Roman" panose="02020603050405020304" pitchFamily="18" charset="0"/>
-              </a:rPr>
-              <a:t>JSON</a:t>
-            </a:r>
-            <a:endParaRPr lang="en-US" b="1" kern="0" dirty="0">
+              <a:t>Import JSON</a:t>
+            </a:r>
+            <a:endParaRPr xmlns:a="http://schemas.openxmlformats.org/drawingml/2006/main" lang="en-US" b="1" kern="0" dirty="0">
               <a:latin typeface="Segoe UI" panose="020B0502040204020203" pitchFamily="34" charset="0"/>
               <a:ea typeface="Times New Roman" panose="02020603050405020304" pitchFamily="18" charset="0"/>
               <a:cs typeface="Times New Roman" panose="02020603050405020304" pitchFamily="18" charset="0"/>
@@ -5105,43 +6644,6 @@
           </a:prstGeom>
         </p:spPr>
       </p:pic>
-      <p:sp>
-        <p:nvSpPr>
-          <p:cNvPr id="6" name="Rectangle 5"/>
-          <p:cNvSpPr/>
-          <p:nvPr/>
-        </p:nvSpPr>
-        <p:spPr>
-          <a:xfrm>
-            <a:off x="507475" y="687400"/>
-            <a:ext cx="5000151" cy="369332"/>
-          </a:xfrm>
-          <a:prstGeom prst="rect">
-            <a:avLst/>
-          </a:prstGeom>
-        </p:spPr>
-        <p:txBody>
-          <a:bodyPr wrap="none">
-            <a:spAutoFit/>
-          </a:bodyPr>
-          <a:lstStyle/>
-          <a:p>
-            <a:r>
-              <a:rPr lang="en-US" dirty="0" smtClean="0"/>
-              <a:t>Keep only </a:t>
-            </a:r>
-            <a:r>
-              <a:rPr lang="en-US" b="1" dirty="0" smtClean="0"/>
-              <a:t>Source</a:t>
-            </a:r>
-            <a:r>
-              <a:rPr lang="en-US" dirty="0" smtClean="0"/>
-              <a:t> and suppress the rest of the steps</a:t>
-            </a:r>
-            <a:endParaRPr lang="en-US" dirty="0"/>
-          </a:p>
-        </p:txBody>
-      </p:sp>
       <p:cxnSp>
         <p:nvCxnSpPr>
           <p:cNvPr id="8" name="Straight Arrow Connector 7"/>
@@ -5178,6 +6680,123 @@
           </a:fontRef>
         </p:style>
       </p:cxnSp>
+      <p:sp>
+        <p:nvSpPr>
+          <p:cNvPr id="2" name="Rectangle 1"/>
+          <p:cNvSpPr>
+            <a:spLocks noChangeArrowheads="1"/>
+          </p:cNvSpPr>
+          <p:nvPr/>
+        </p:nvSpPr>
+        <p:spPr bwMode="auto">
+          <a:xfrm>
+            <a:off x="449178" y="638565"/>
+            <a:ext cx="6857999" cy="369332"/>
+          </a:xfrm>
+          <a:prstGeom prst="rect">
+            <a:avLst/>
+          </a:prstGeom>
+          <a:noFill/>
+          <a:ln>
+            <a:noFill/>
+          </a:ln>
+          <a:effectLst/>
+          <a:extLst>
+            <a:ext uri="{909E8E84-426E-40DD-AFC4-6F175D3DCCD1}">
+              <a14:hiddenFill xmlns:a14="http://schemas.microsoft.com/office/drawing/2010/main">
+                <a:solidFill>
+                  <a:schemeClr val="accent1"/>
+                </a:solidFill>
+              </a14:hiddenFill>
+            </a:ext>
+            <a:ext uri="{91240B29-F687-4F45-9708-019B960494DF}">
+              <a14:hiddenLine xmlns:a14="http://schemas.microsoft.com/office/drawing/2010/main" w="9525">
+                <a:solidFill>
+                  <a:schemeClr val="tx1"/>
+                </a:solidFill>
+                <a:miter lim="800000"/>
+                <a:headEnd/>
+                <a:tailEnd/>
+              </a14:hiddenLine>
+            </a:ext>
+            <a:ext uri="{AF507438-7753-43E0-B8FC-AC1667EBCBE1}">
+              <a14:hiddenEffects xmlns:a14="http://schemas.microsoft.com/office/drawing/2010/main">
+                <a:effectLst>
+                  <a:outerShdw dist="35921" dir="2700000" algn="ctr" rotWithShape="0">
+                    <a:schemeClr val="bg2"/>
+                  </a:outerShdw>
+                </a:effectLst>
+              </a14:hiddenEffects>
+            </a:ext>
+          </a:extLst>
+        </p:spPr>
+        <p:txBody>
+          <a:bodyPr vert="horz" wrap="square" lIns="91440" tIns="45720" rIns="91440" bIns="45720" numCol="1" anchor="ctr" anchorCtr="0" compatLnSpc="1">
+            <a:prstTxWarp prst="textNoShape">
+              <a:avLst/>
+            </a:prstTxWarp>
+            <a:spAutoFit/>
+          </a:bodyPr>
+          <a:lstStyle/>
+          <a:p>
+            <a:pPr xmlns:a="http://schemas.openxmlformats.org/drawingml/2006/main" marL="0" marR="0" lvl="0" indent="0" algn="l" defTabSz="914400" rtl="0" eaLnBrk="0" fontAlgn="base" latinLnBrk="0" hangingPunct="0">
+              <a:lnSpc>
+                <a:spcPct val="100000"/>
+              </a:lnSpc>
+              <a:spcBef>
+                <a:spcPct val="0"/>
+              </a:spcBef>
+              <a:spcAft>
+                <a:spcPct val="0"/>
+              </a:spcAft>
+              <a:buClrTx/>
+              <a:buSzTx/>
+              <a:buFontTx/>
+              <a:buNone/>
+              <a:tabLst/>
+            </a:pPr>
+            <a:r xmlns:a="http://schemas.openxmlformats.org/drawingml/2006/main">
+              <a:rPr kumimoji="0" lang="en" altLang="en-US" sz="1800" b="0" i="0" u="none" strike="noStrike" cap="none" normalizeH="0" baseline="0" smtClean="0">
+                <a:ln>
+                  <a:noFill/>
+                </a:ln>
+                <a:solidFill>
+                  <a:schemeClr val="tx1"/>
+                </a:solidFill>
+                <a:effectLst/>
+                <a:latin typeface="Arial" panose="020B0604020202020204" pitchFamily="34" charset="0"/>
+              </a:rPr>
+              <a:t>Keep only </a:t>
+            </a:r>
+            <a:r xmlns:a="http://schemas.openxmlformats.org/drawingml/2006/main">
+              <a:rPr kumimoji="0" lang="en" altLang="en-US" sz="1800" b="1" i="0" u="none" strike="noStrike" cap="none" normalizeH="0" baseline="0" smtClean="0">
+                <a:ln>
+                  <a:noFill/>
+                </a:ln>
+                <a:solidFill>
+                  <a:schemeClr val="tx1"/>
+                </a:solidFill>
+                <a:effectLst/>
+                <a:latin typeface="Arial" panose="020B0604020202020204" pitchFamily="34" charset="0"/>
+              </a:rPr>
+              <a:t>Source </a:t>
+            </a:r>
+            <a:r xmlns:a="http://schemas.openxmlformats.org/drawingml/2006/main">
+              <a:rPr kumimoji="0" lang="en" altLang="en-US" sz="1800" b="0" i="0" u="none" strike="noStrike" cap="none" normalizeH="0" baseline="0" smtClean="0">
+                <a:ln>
+                  <a:noFill/>
+                </a:ln>
+                <a:solidFill>
+                  <a:schemeClr val="tx1"/>
+                </a:solidFill>
+                <a:effectLst/>
+                <a:latin typeface="Arial" panose="020B0604020202020204" pitchFamily="34" charset="0"/>
+              </a:rPr>
+              <a:t>and delete the rest of the steps.</a:t>
+            </a:r>
+          </a:p>
+        </p:txBody>
+      </p:sp>
     </p:spTree>
     <p:extLst>
       <p:ext uri="{BB962C8B-B14F-4D97-AF65-F5344CB8AC3E}">
@@ -5224,7 +6843,7 @@
         <p:spPr>
           <a:xfrm>
             <a:off x="449178" y="216445"/>
-            <a:ext cx="1936749" cy="366895"/>
+            <a:ext cx="1805302" cy="366895"/>
           </a:xfrm>
           <a:prstGeom prst="rect">
             <a:avLst/>
@@ -5236,7 +6855,7 @@
           </a:bodyPr>
           <a:lstStyle/>
           <a:p>
-            <a:pPr>
+            <a:pPr xmlns:a="http://schemas.openxmlformats.org/drawingml/2006/main">
               <a:lnSpc>
                 <a:spcPct val="107000"/>
               </a:lnSpc>
@@ -5247,23 +6866,15 @@
                 <a:spcPts val="0"/>
               </a:spcAft>
             </a:pPr>
-            <a:r>
-              <a:rPr lang="en-US" b="1" kern="0" dirty="0" smtClean="0">
+            <a:r xmlns:a="http://schemas.openxmlformats.org/drawingml/2006/main">
+              <a:rPr lang="en" b="1" kern="0" dirty="0" smtClean="0">
                 <a:latin typeface="Segoe UI" panose="020B0502040204020203" pitchFamily="34" charset="0"/>
                 <a:ea typeface="Times New Roman" panose="02020603050405020304" pitchFamily="18" charset="0"/>
                 <a:cs typeface="Times New Roman" panose="02020603050405020304" pitchFamily="18" charset="0"/>
               </a:rPr>
-              <a:t>Importing </a:t>
-            </a:r>
-            <a:r>
-              <a:rPr lang="en-US" b="1" kern="0" dirty="0" smtClean="0">
-                <a:latin typeface="Segoe UI" panose="020B0502040204020203" pitchFamily="34" charset="0"/>
-                <a:ea typeface="Times New Roman" panose="02020603050405020304" pitchFamily="18" charset="0"/>
-                <a:cs typeface="Times New Roman" panose="02020603050405020304" pitchFamily="18" charset="0"/>
-              </a:rPr>
-              <a:t>JSON</a:t>
-            </a:r>
-            <a:endParaRPr lang="en-US" b="1" kern="0" dirty="0">
+              <a:t>Import JSON</a:t>
+            </a:r>
+            <a:endParaRPr xmlns:a="http://schemas.openxmlformats.org/drawingml/2006/main" lang="en-US" b="1" kern="0" dirty="0">
               <a:latin typeface="Segoe UI" panose="020B0502040204020203" pitchFamily="34" charset="0"/>
               <a:ea typeface="Times New Roman" panose="02020603050405020304" pitchFamily="18" charset="0"/>
               <a:cs typeface="Times New Roman" panose="02020603050405020304" pitchFamily="18" charset="0"/>
@@ -5280,7 +6891,7 @@
         <p:spPr>
           <a:xfrm>
             <a:off x="507475" y="687400"/>
-            <a:ext cx="1663276" cy="369332"/>
+            <a:ext cx="1900520" cy="369332"/>
           </a:xfrm>
           <a:prstGeom prst="rect">
             <a:avLst/>
@@ -5292,19 +6903,19 @@
           </a:bodyPr>
           <a:lstStyle/>
           <a:p>
-            <a:r>
-              <a:rPr lang="fr-FR" dirty="0" smtClean="0"/>
-              <a:t>Click  </a:t>
-            </a:r>
-            <a:r>
-              <a:rPr lang="fr-FR" b="1" dirty="0" err="1" smtClean="0"/>
-              <a:t>Into</a:t>
-            </a:r>
-            <a:r>
-              <a:rPr lang="fr-FR" b="1" dirty="0" smtClean="0"/>
-              <a:t> Table</a:t>
-            </a:r>
-            <a:endParaRPr lang="en-US" b="1" dirty="0"/>
+            <a:r xmlns:a="http://schemas.openxmlformats.org/drawingml/2006/main">
+              <a:rPr lang="en" dirty="0" smtClean="0"/>
+              <a:t>Click </a:t>
+            </a:r>
+            <a:r xmlns:a="http://schemas.openxmlformats.org/drawingml/2006/main">
+              <a:rPr lang="en" b="1" dirty="0" err="1" smtClean="0"/>
+              <a:t>Into </a:t>
+            </a:r>
+            <a:r xmlns:a="http://schemas.openxmlformats.org/drawingml/2006/main">
+              <a:rPr lang="en" b="1" dirty="0" smtClean="0"/>
+              <a:t>Table</a:t>
+            </a:r>
+            <a:endParaRPr xmlns:a="http://schemas.openxmlformats.org/drawingml/2006/main" lang="en-US" b="1" dirty="0"/>
           </a:p>
         </p:txBody>
       </p:sp>
@@ -5433,7 +7044,7 @@
         <p:spPr>
           <a:xfrm>
             <a:off x="512200" y="4339292"/>
-            <a:ext cx="1723998" cy="369332"/>
+            <a:ext cx="1476238" cy="369332"/>
           </a:xfrm>
           <a:prstGeom prst="rect">
             <a:avLst/>
@@ -5445,15 +7056,15 @@
           </a:bodyPr>
           <a:lstStyle/>
           <a:p>
-            <a:r>
-              <a:rPr lang="fr-FR" dirty="0" smtClean="0"/>
-              <a:t>Click  in the </a:t>
-            </a:r>
-            <a:r>
-              <a:rPr lang="fr-FR" dirty="0" err="1" smtClean="0"/>
-              <a:t>icon</a:t>
-            </a:r>
-            <a:endParaRPr lang="en-US" dirty="0"/>
+            <a:r xmlns:a="http://schemas.openxmlformats.org/drawingml/2006/main">
+              <a:rPr lang="en" dirty="0" err="1" smtClean="0"/>
+              <a:t>Click </a:t>
+            </a:r>
+            <a:r xmlns:a="http://schemas.openxmlformats.org/drawingml/2006/main">
+              <a:rPr lang="en" dirty="0" smtClean="0"/>
+              <a:t>the icon</a:t>
+            </a:r>
+            <a:endParaRPr xmlns:a="http://schemas.openxmlformats.org/drawingml/2006/main" lang="en-US" dirty="0"/>
           </a:p>
         </p:txBody>
       </p:sp>
@@ -5489,7 +7100,7 @@
         <p:spPr>
           <a:xfrm>
             <a:off x="2606840" y="4339292"/>
-            <a:ext cx="1811458" cy="369332"/>
+            <a:ext cx="1934056" cy="369332"/>
           </a:xfrm>
           <a:prstGeom prst="rect">
             <a:avLst/>
@@ -5501,27 +7112,11 @@
           </a:bodyPr>
           <a:lstStyle/>
           <a:p>
-            <a:r>
-              <a:rPr lang="fr-FR" dirty="0"/>
-              <a:t>t</a:t>
-            </a:r>
-            <a:r>
-              <a:rPr lang="fr-FR" dirty="0" smtClean="0"/>
-              <a:t>o </a:t>
-            </a:r>
-            <a:r>
-              <a:rPr lang="fr-FR" dirty="0" err="1" smtClean="0"/>
-              <a:t>expand</a:t>
-            </a:r>
-            <a:r>
-              <a:rPr lang="fr-FR" dirty="0" smtClean="0"/>
-              <a:t> the </a:t>
-            </a:r>
-            <a:r>
-              <a:rPr lang="fr-FR" dirty="0" err="1" smtClean="0"/>
-              <a:t>list</a:t>
-            </a:r>
-            <a:endParaRPr lang="en-US" dirty="0"/>
+            <a:r xmlns:a="http://schemas.openxmlformats.org/drawingml/2006/main">
+              <a:rPr lang="en" dirty="0" smtClean="0"/>
+              <a:t>Expand the list</a:t>
+            </a:r>
+            <a:endParaRPr xmlns:a="http://schemas.openxmlformats.org/drawingml/2006/main" lang="en-US" dirty="0"/>
           </a:p>
         </p:txBody>
       </p:sp>
@@ -5646,12 +7241,12 @@
           <a:bodyPr rtlCol="0" anchor="ctr"/>
           <a:lstStyle/>
           <a:p>
-            <a:pPr algn="ctr"/>
-            <a:r>
-              <a:rPr lang="fr-FR" b="1" dirty="0" smtClean="0"/>
+            <a:pPr xmlns:a="http://schemas.openxmlformats.org/drawingml/2006/main" algn="ctr"/>
+            <a:r xmlns:a="http://schemas.openxmlformats.org/drawingml/2006/main">
+              <a:rPr lang="en" b="1" dirty="0" smtClean="0"/>
               <a:t>1</a:t>
             </a:r>
-            <a:endParaRPr lang="en-US" b="1" dirty="0"/>
+            <a:endParaRPr xmlns:a="http://schemas.openxmlformats.org/drawingml/2006/main" lang="en-US" b="1" dirty="0"/>
           </a:p>
         </p:txBody>
       </p:sp>
@@ -5696,12 +7291,12 @@
           <a:bodyPr rtlCol="0" anchor="ctr"/>
           <a:lstStyle/>
           <a:p>
-            <a:pPr algn="ctr"/>
-            <a:r>
-              <a:rPr lang="fr-FR" b="1" dirty="0" smtClean="0"/>
+            <a:pPr xmlns:a="http://schemas.openxmlformats.org/drawingml/2006/main" algn="ctr"/>
+            <a:r xmlns:a="http://schemas.openxmlformats.org/drawingml/2006/main">
+              <a:rPr lang="en" b="1" dirty="0" smtClean="0"/>
               <a:t>2</a:t>
             </a:r>
-            <a:endParaRPr lang="en-US" b="1" dirty="0"/>
+            <a:endParaRPr xmlns:a="http://schemas.openxmlformats.org/drawingml/2006/main" lang="en-US" b="1" dirty="0"/>
           </a:p>
         </p:txBody>
       </p:sp>
@@ -5714,7 +7309,7 @@
         <p:spPr>
           <a:xfrm>
             <a:off x="9985022" y="5061557"/>
-            <a:ext cx="1296765" cy="461665"/>
+            <a:ext cx="1965090" cy="461665"/>
           </a:xfrm>
           <a:prstGeom prst="rect">
             <a:avLst/>
@@ -5727,17 +7322,45 @@
           </a:bodyPr>
           <a:lstStyle/>
           <a:p>
-            <a:r>
-              <a:rPr lang="en-US" sz="1200" dirty="0" smtClean="0"/>
-              <a:t>Creates each data</a:t>
-            </a:r>
-          </a:p>
-          <a:p>
-            <a:r>
-              <a:rPr lang="en-US" sz="1200" dirty="0" smtClean="0"/>
-              <a:t>In separate row</a:t>
-            </a:r>
-            <a:endParaRPr lang="en-US" sz="1200" dirty="0"/>
+            <a:r xmlns:a="http://schemas.openxmlformats.org/drawingml/2006/main">
+              <a:rPr lang="en" sz="1200" dirty="0" err="1" smtClean="0"/>
+              <a:t>Create</a:t>
+            </a:r>
+            <a:r xmlns:a="http://schemas.openxmlformats.org/drawingml/2006/main">
+              <a:rPr lang="en" sz="1200" dirty="0" smtClean="0"/>
+              <a:t> </a:t>
+            </a:r>
+            <a:r xmlns:a="http://schemas.openxmlformats.org/drawingml/2006/main">
+              <a:rPr lang="en" sz="1200" dirty="0" err="1" smtClean="0"/>
+              <a:t>each </a:t>
+            </a:r>
+            <a:r xmlns:a="http://schemas.openxmlformats.org/drawingml/2006/main">
+              <a:rPr lang="en" sz="1200" dirty="0" smtClean="0"/>
+              <a:t>data </a:t>
+            </a:r>
+            <a:r xmlns:a="http://schemas.openxmlformats.org/drawingml/2006/main">
+              <a:rPr lang="en" sz="1200" dirty="0" err="1" smtClean="0"/>
+              <a:t>in</a:t>
+            </a:r>
+            <a:r xmlns:a="http://schemas.openxmlformats.org/drawingml/2006/main">
+              <a:rPr lang="en" sz="1200" dirty="0" smtClean="0"/>
+              <a:t> </a:t>
+            </a:r>
+            <a:r xmlns:a="http://schemas.openxmlformats.org/drawingml/2006/main">
+              <a:rPr lang="en" sz="1200" dirty="0" err="1" smtClean="0"/>
+              <a:t>a</a:t>
+            </a:r>
+            <a:r xmlns:a="http://schemas.openxmlformats.org/drawingml/2006/main">
+              <a:rPr lang="en" sz="1200" dirty="0" smtClean="0"/>
+              <a:t> </a:t>
+            </a:r>
+          </a:p>
+          <a:p>
+            <a:r xmlns:a="http://schemas.openxmlformats.org/drawingml/2006/main">
+              <a:rPr lang="en" sz="1200" dirty="0" smtClean="0"/>
+              <a:t>Separate line</a:t>
+            </a:r>
+            <a:endParaRPr xmlns:a="http://schemas.openxmlformats.org/drawingml/2006/main" lang="en-US" sz="1200" dirty="0"/>
           </a:p>
         </p:txBody>
       </p:sp>
@@ -5750,7 +7373,7 @@
         <p:spPr>
           <a:xfrm>
             <a:off x="9191205" y="5821931"/>
-            <a:ext cx="2721322" cy="646331"/>
+            <a:ext cx="2630913" cy="461665"/>
           </a:xfrm>
           <a:prstGeom prst="rect">
             <a:avLst/>
@@ -5763,23 +7386,17 @@
           </a:bodyPr>
           <a:lstStyle/>
           <a:p>
-            <a:r>
-              <a:rPr lang="en-US" sz="1200" dirty="0" smtClean="0"/>
-              <a:t>Creates multiple data</a:t>
-            </a:r>
-          </a:p>
-          <a:p>
-            <a:r>
-              <a:rPr lang="en-US" sz="1200" dirty="0" smtClean="0"/>
-              <a:t>In one row with separator like comma or</a:t>
-            </a:r>
-          </a:p>
-          <a:p>
-            <a:r>
-              <a:rPr lang="fr-FR" sz="1200" dirty="0" smtClean="0"/>
-              <a:t>Semi colon</a:t>
-            </a:r>
-            <a:endParaRPr lang="en-US" sz="1200" dirty="0"/>
+            <a:r xmlns:a="http://schemas.openxmlformats.org/drawingml/2006/main">
+              <a:rPr lang="en" sz="1200" dirty="0" smtClean="0"/>
+              <a:t>Create multiple data in a single line</a:t>
+            </a:r>
+          </a:p>
+          <a:p>
+            <a:r xmlns:a="http://schemas.openxmlformats.org/drawingml/2006/main">
+              <a:rPr lang="en" sz="1200" dirty="0" smtClean="0"/>
+              <a:t>with separator</a:t>
+            </a:r>
+            <a:endParaRPr xmlns:a="http://schemas.openxmlformats.org/drawingml/2006/main" lang="en-US" sz="1200" dirty="0"/>
           </a:p>
         </p:txBody>
       </p:sp>
@@ -5829,7 +7446,7 @@
         <p:spPr>
           <a:xfrm>
             <a:off x="449178" y="216445"/>
-            <a:ext cx="1936749" cy="366895"/>
+            <a:ext cx="1805302" cy="366895"/>
           </a:xfrm>
           <a:prstGeom prst="rect">
             <a:avLst/>
@@ -5841,7 +7458,7 @@
           </a:bodyPr>
           <a:lstStyle/>
           <a:p>
-            <a:pPr>
+            <a:pPr xmlns:a="http://schemas.openxmlformats.org/drawingml/2006/main">
               <a:lnSpc>
                 <a:spcPct val="107000"/>
               </a:lnSpc>
@@ -5852,23 +7469,15 @@
                 <a:spcPts val="0"/>
               </a:spcAft>
             </a:pPr>
-            <a:r>
-              <a:rPr lang="en-US" b="1" kern="0" dirty="0" smtClean="0">
+            <a:r xmlns:a="http://schemas.openxmlformats.org/drawingml/2006/main">
+              <a:rPr lang="en" b="1" kern="0" dirty="0" smtClean="0">
                 <a:latin typeface="Segoe UI" panose="020B0502040204020203" pitchFamily="34" charset="0"/>
                 <a:ea typeface="Times New Roman" panose="02020603050405020304" pitchFamily="18" charset="0"/>
                 <a:cs typeface="Times New Roman" panose="02020603050405020304" pitchFamily="18" charset="0"/>
               </a:rPr>
-              <a:t>Importing </a:t>
-            </a:r>
-            <a:r>
-              <a:rPr lang="en-US" b="1" kern="0" dirty="0" smtClean="0">
-                <a:latin typeface="Segoe UI" panose="020B0502040204020203" pitchFamily="34" charset="0"/>
-                <a:ea typeface="Times New Roman" panose="02020603050405020304" pitchFamily="18" charset="0"/>
-                <a:cs typeface="Times New Roman" panose="02020603050405020304" pitchFamily="18" charset="0"/>
-              </a:rPr>
-              <a:t>JSON</a:t>
-            </a:r>
-            <a:endParaRPr lang="en-US" b="1" kern="0" dirty="0">
+              <a:t>Import JSON</a:t>
+            </a:r>
+            <a:endParaRPr xmlns:a="http://schemas.openxmlformats.org/drawingml/2006/main" lang="en-US" b="1" kern="0" dirty="0">
               <a:latin typeface="Segoe UI" panose="020B0502040204020203" pitchFamily="34" charset="0"/>
               <a:ea typeface="Times New Roman" panose="02020603050405020304" pitchFamily="18" charset="0"/>
               <a:cs typeface="Times New Roman" panose="02020603050405020304" pitchFamily="18" charset="0"/>
@@ -5897,11 +7506,11 @@
           </a:bodyPr>
           <a:lstStyle/>
           <a:p>
-            <a:r>
-              <a:rPr lang="en-US" dirty="0" smtClean="0"/>
+            <a:r xmlns:a="http://schemas.openxmlformats.org/drawingml/2006/main">
+              <a:rPr lang="en" dirty="0" smtClean="0"/>
               <a:t>This for example kind of data structure</a:t>
             </a:r>
-            <a:endParaRPr lang="en-US" b="1" dirty="0"/>
+            <a:endParaRPr xmlns:a="http://schemas.openxmlformats.org/drawingml/2006/main" lang="en-US" b="1" dirty="0"/>
           </a:p>
         </p:txBody>
       </p:sp>
@@ -6025,14 +7634,14 @@
       </p:sp>
       <p:sp>
         <p:nvSpPr>
-          <p:cNvPr id="5" name="TextBox 4"/>
+          <p:cNvPr id="7" name="TextBox 4"/>
           <p:cNvSpPr txBox="1"/>
           <p:nvPr/>
         </p:nvSpPr>
         <p:spPr>
           <a:xfrm>
-            <a:off x="2916199" y="2162433"/>
-            <a:ext cx="6230360" cy="1569660"/>
+            <a:off x="4402178" y="2685208"/>
+            <a:ext cx="3456395" cy="1569660"/>
           </a:xfrm>
           <a:prstGeom prst="rect">
             <a:avLst/>
@@ -6043,10 +7652,104 @@
           <a:bodyPr wrap="none" rtlCol="0">
             <a:spAutoFit/>
           </a:bodyPr>
-          <a:lstStyle/>
-          <a:p>
-            <a:r>
-              <a:rPr lang="en-US" sz="9600" b="1" dirty="0" smtClean="0">
+          <a:lstStyle>
+            <a:defPPr>
+              <a:defRPr lang="en-US"/>
+            </a:defPPr>
+            <a:lvl1pPr marL="0" algn="l" defTabSz="914400" rtl="0" eaLnBrk="1" latinLnBrk="0" hangingPunct="1">
+              <a:defRPr sz="1800" kern="1200">
+                <a:solidFill>
+                  <a:schemeClr val="tx1"/>
+                </a:solidFill>
+                <a:latin typeface="+mn-lt"/>
+                <a:ea typeface="+mn-ea"/>
+                <a:cs typeface="+mn-cs"/>
+              </a:defRPr>
+            </a:lvl1pPr>
+            <a:lvl2pPr marL="457200" algn="l" defTabSz="914400" rtl="0" eaLnBrk="1" latinLnBrk="0" hangingPunct="1">
+              <a:defRPr sz="1800" kern="1200">
+                <a:solidFill>
+                  <a:schemeClr val="tx1"/>
+                </a:solidFill>
+                <a:latin typeface="+mn-lt"/>
+                <a:ea typeface="+mn-ea"/>
+                <a:cs typeface="+mn-cs"/>
+              </a:defRPr>
+            </a:lvl2pPr>
+            <a:lvl3pPr marL="914400" algn="l" defTabSz="914400" rtl="0" eaLnBrk="1" latinLnBrk="0" hangingPunct="1">
+              <a:defRPr sz="1800" kern="1200">
+                <a:solidFill>
+                  <a:schemeClr val="tx1"/>
+                </a:solidFill>
+                <a:latin typeface="+mn-lt"/>
+                <a:ea typeface="+mn-ea"/>
+                <a:cs typeface="+mn-cs"/>
+              </a:defRPr>
+            </a:lvl3pPr>
+            <a:lvl4pPr marL="1371600" algn="l" defTabSz="914400" rtl="0" eaLnBrk="1" latinLnBrk="0" hangingPunct="1">
+              <a:defRPr sz="1800" kern="1200">
+                <a:solidFill>
+                  <a:schemeClr val="tx1"/>
+                </a:solidFill>
+                <a:latin typeface="+mn-lt"/>
+                <a:ea typeface="+mn-ea"/>
+                <a:cs typeface="+mn-cs"/>
+              </a:defRPr>
+            </a:lvl4pPr>
+            <a:lvl5pPr marL="1828800" algn="l" defTabSz="914400" rtl="0" eaLnBrk="1" latinLnBrk="0" hangingPunct="1">
+              <a:defRPr sz="1800" kern="1200">
+                <a:solidFill>
+                  <a:schemeClr val="tx1"/>
+                </a:solidFill>
+                <a:latin typeface="+mn-lt"/>
+                <a:ea typeface="+mn-ea"/>
+                <a:cs typeface="+mn-cs"/>
+              </a:defRPr>
+            </a:lvl5pPr>
+            <a:lvl6pPr marL="2286000" algn="l" defTabSz="914400" rtl="0" eaLnBrk="1" latinLnBrk="0" hangingPunct="1">
+              <a:defRPr sz="1800" kern="1200">
+                <a:solidFill>
+                  <a:schemeClr val="tx1"/>
+                </a:solidFill>
+                <a:latin typeface="+mn-lt"/>
+                <a:ea typeface="+mn-ea"/>
+                <a:cs typeface="+mn-cs"/>
+              </a:defRPr>
+            </a:lvl6pPr>
+            <a:lvl7pPr marL="2743200" algn="l" defTabSz="914400" rtl="0" eaLnBrk="1" latinLnBrk="0" hangingPunct="1">
+              <a:defRPr sz="1800" kern="1200">
+                <a:solidFill>
+                  <a:schemeClr val="tx1"/>
+                </a:solidFill>
+                <a:latin typeface="+mn-lt"/>
+                <a:ea typeface="+mn-ea"/>
+                <a:cs typeface="+mn-cs"/>
+              </a:defRPr>
+            </a:lvl7pPr>
+            <a:lvl8pPr marL="3200400" algn="l" defTabSz="914400" rtl="0" eaLnBrk="1" latinLnBrk="0" hangingPunct="1">
+              <a:defRPr sz="1800" kern="1200">
+                <a:solidFill>
+                  <a:schemeClr val="tx1"/>
+                </a:solidFill>
+                <a:latin typeface="+mn-lt"/>
+                <a:ea typeface="+mn-ea"/>
+                <a:cs typeface="+mn-cs"/>
+              </a:defRPr>
+            </a:lvl8pPr>
+            <a:lvl9pPr marL="3657600" algn="l" defTabSz="914400" rtl="0" eaLnBrk="1" latinLnBrk="0" hangingPunct="1">
+              <a:defRPr sz="1800" kern="1200">
+                <a:solidFill>
+                  <a:schemeClr val="tx1"/>
+                </a:solidFill>
+                <a:latin typeface="+mn-lt"/>
+                <a:ea typeface="+mn-ea"/>
+                <a:cs typeface="+mn-cs"/>
+              </a:defRPr>
+            </a:lvl9pPr>
+          </a:lstStyle>
+          <a:p>
+            <a:r xmlns:a="http://schemas.openxmlformats.org/drawingml/2006/main">
+              <a:rPr lang="en" sz="9600" b="1" dirty="0" smtClean="0">
                 <a:solidFill>
                   <a:srgbClr val="7030A0"/>
                 </a:solidFill>
@@ -6054,9 +7757,9 @@
                 <a:ea typeface="Verdana" panose="020B0604030504040204" pitchFamily="34" charset="0"/>
                 <a:cs typeface="Segoe UI" panose="020B0502040204020203" pitchFamily="34" charset="0"/>
               </a:rPr>
-              <a:t>Thank you</a:t>
-            </a:r>
-            <a:endParaRPr lang="en-US" sz="9600" b="1" dirty="0">
+              <a:t>THANKS</a:t>
+            </a:r>
+            <a:endParaRPr xmlns:a="http://schemas.openxmlformats.org/drawingml/2006/main" lang="en-US" sz="9600" b="1" dirty="0">
               <a:solidFill>
                 <a:srgbClr val="7030A0"/>
               </a:solidFill>
@@ -6069,14 +7772,14 @@
       </p:sp>
       <p:sp>
         <p:nvSpPr>
-          <p:cNvPr id="6" name="TextBox 5"/>
+          <p:cNvPr id="8" name="TextBox 5"/>
           <p:cNvSpPr txBox="1"/>
           <p:nvPr/>
         </p:nvSpPr>
         <p:spPr>
           <a:xfrm>
-            <a:off x="2990336" y="2217861"/>
-            <a:ext cx="6230360" cy="1569660"/>
+            <a:off x="4333426" y="2603133"/>
+            <a:ext cx="3456395" cy="1569660"/>
           </a:xfrm>
           <a:prstGeom prst="rect">
             <a:avLst/>
@@ -6087,10 +7790,104 @@
           <a:bodyPr wrap="none" rtlCol="0">
             <a:spAutoFit/>
           </a:bodyPr>
-          <a:lstStyle/>
-          <a:p>
-            <a:r>
-              <a:rPr lang="en-US" sz="9600" b="1" dirty="0" smtClean="0">
+          <a:lstStyle>
+            <a:defPPr>
+              <a:defRPr lang="en-US"/>
+            </a:defPPr>
+            <a:lvl1pPr marL="0" algn="l" defTabSz="914400" rtl="0" eaLnBrk="1" latinLnBrk="0" hangingPunct="1">
+              <a:defRPr sz="1800" kern="1200">
+                <a:solidFill>
+                  <a:schemeClr val="tx1"/>
+                </a:solidFill>
+                <a:latin typeface="+mn-lt"/>
+                <a:ea typeface="+mn-ea"/>
+                <a:cs typeface="+mn-cs"/>
+              </a:defRPr>
+            </a:lvl1pPr>
+            <a:lvl2pPr marL="457200" algn="l" defTabSz="914400" rtl="0" eaLnBrk="1" latinLnBrk="0" hangingPunct="1">
+              <a:defRPr sz="1800" kern="1200">
+                <a:solidFill>
+                  <a:schemeClr val="tx1"/>
+                </a:solidFill>
+                <a:latin typeface="+mn-lt"/>
+                <a:ea typeface="+mn-ea"/>
+                <a:cs typeface="+mn-cs"/>
+              </a:defRPr>
+            </a:lvl2pPr>
+            <a:lvl3pPr marL="914400" algn="l" defTabSz="914400" rtl="0" eaLnBrk="1" latinLnBrk="0" hangingPunct="1">
+              <a:defRPr sz="1800" kern="1200">
+                <a:solidFill>
+                  <a:schemeClr val="tx1"/>
+                </a:solidFill>
+                <a:latin typeface="+mn-lt"/>
+                <a:ea typeface="+mn-ea"/>
+                <a:cs typeface="+mn-cs"/>
+              </a:defRPr>
+            </a:lvl3pPr>
+            <a:lvl4pPr marL="1371600" algn="l" defTabSz="914400" rtl="0" eaLnBrk="1" latinLnBrk="0" hangingPunct="1">
+              <a:defRPr sz="1800" kern="1200">
+                <a:solidFill>
+                  <a:schemeClr val="tx1"/>
+                </a:solidFill>
+                <a:latin typeface="+mn-lt"/>
+                <a:ea typeface="+mn-ea"/>
+                <a:cs typeface="+mn-cs"/>
+              </a:defRPr>
+            </a:lvl4pPr>
+            <a:lvl5pPr marL="1828800" algn="l" defTabSz="914400" rtl="0" eaLnBrk="1" latinLnBrk="0" hangingPunct="1">
+              <a:defRPr sz="1800" kern="1200">
+                <a:solidFill>
+                  <a:schemeClr val="tx1"/>
+                </a:solidFill>
+                <a:latin typeface="+mn-lt"/>
+                <a:ea typeface="+mn-ea"/>
+                <a:cs typeface="+mn-cs"/>
+              </a:defRPr>
+            </a:lvl5pPr>
+            <a:lvl6pPr marL="2286000" algn="l" defTabSz="914400" rtl="0" eaLnBrk="1" latinLnBrk="0" hangingPunct="1">
+              <a:defRPr sz="1800" kern="1200">
+                <a:solidFill>
+                  <a:schemeClr val="tx1"/>
+                </a:solidFill>
+                <a:latin typeface="+mn-lt"/>
+                <a:ea typeface="+mn-ea"/>
+                <a:cs typeface="+mn-cs"/>
+              </a:defRPr>
+            </a:lvl6pPr>
+            <a:lvl7pPr marL="2743200" algn="l" defTabSz="914400" rtl="0" eaLnBrk="1" latinLnBrk="0" hangingPunct="1">
+              <a:defRPr sz="1800" kern="1200">
+                <a:solidFill>
+                  <a:schemeClr val="tx1"/>
+                </a:solidFill>
+                <a:latin typeface="+mn-lt"/>
+                <a:ea typeface="+mn-ea"/>
+                <a:cs typeface="+mn-cs"/>
+              </a:defRPr>
+            </a:lvl7pPr>
+            <a:lvl8pPr marL="3200400" algn="l" defTabSz="914400" rtl="0" eaLnBrk="1" latinLnBrk="0" hangingPunct="1">
+              <a:defRPr sz="1800" kern="1200">
+                <a:solidFill>
+                  <a:schemeClr val="tx1"/>
+                </a:solidFill>
+                <a:latin typeface="+mn-lt"/>
+                <a:ea typeface="+mn-ea"/>
+                <a:cs typeface="+mn-cs"/>
+              </a:defRPr>
+            </a:lvl8pPr>
+            <a:lvl9pPr marL="3657600" algn="l" defTabSz="914400" rtl="0" eaLnBrk="1" latinLnBrk="0" hangingPunct="1">
+              <a:defRPr sz="1800" kern="1200">
+                <a:solidFill>
+                  <a:schemeClr val="tx1"/>
+                </a:solidFill>
+                <a:latin typeface="+mn-lt"/>
+                <a:ea typeface="+mn-ea"/>
+                <a:cs typeface="+mn-cs"/>
+              </a:defRPr>
+            </a:lvl9pPr>
+          </a:lstStyle>
+          <a:p>
+            <a:r xmlns:a="http://schemas.openxmlformats.org/drawingml/2006/main">
+              <a:rPr lang="en" sz="9600" b="1" dirty="0" smtClean="0">
                 <a:solidFill>
                   <a:schemeClr val="bg1"/>
                 </a:solidFill>
@@ -6098,9 +7895,9 @@
                 <a:ea typeface="Verdana" panose="020B0604030504040204" pitchFamily="34" charset="0"/>
                 <a:cs typeface="Segoe UI" panose="020B0502040204020203" pitchFamily="34" charset="0"/>
               </a:rPr>
-              <a:t>Thank you</a:t>
-            </a:r>
-            <a:endParaRPr lang="en-US" sz="9600" b="1" dirty="0">
+              <a:t>THANKS</a:t>
+            </a:r>
+            <a:endParaRPr xmlns:a="http://schemas.openxmlformats.org/drawingml/2006/main" lang="en-US" sz="9600" b="1" dirty="0">
               <a:solidFill>
                 <a:schemeClr val="bg1"/>
               </a:solidFill>

--- a/English/1.Importation techniques/8.Importing JSON.pptx
+++ b/English/1.Importation techniques/8.Importing JSON.pptx
@@ -203,7 +203,7 @@
           <a:p>
             <a:fld id="{056BA3B8-9F76-4D81-B71D-76CB85363062}" type="datetimeFigureOut">
               <a:rPr lang="en-US" smtClean="0"/>
-              <a:t>2/25/2025</a:t>
+              <a:t>4/3/2025</a:t>
             </a:fld>
             <a:endParaRPr lang="en-US"/>
           </a:p>
@@ -1022,7 +1022,7 @@
           <a:p>
             <a:fld id="{6F01DA4D-20EA-48D2-973C-0311EC3005D6}" type="datetimeFigureOut">
               <a:rPr lang="en-US" smtClean="0"/>
-              <a:t>2/25/2025</a:t>
+              <a:t>4/3/2025</a:t>
             </a:fld>
             <a:endParaRPr lang="en-US"/>
           </a:p>
@@ -1192,7 +1192,7 @@
           <a:p>
             <a:fld id="{6F01DA4D-20EA-48D2-973C-0311EC3005D6}" type="datetimeFigureOut">
               <a:rPr lang="en-US" smtClean="0"/>
-              <a:t>2/25/2025</a:t>
+              <a:t>4/3/2025</a:t>
             </a:fld>
             <a:endParaRPr lang="en-US"/>
           </a:p>
@@ -1372,7 +1372,7 @@
           <a:p>
             <a:fld id="{6F01DA4D-20EA-48D2-973C-0311EC3005D6}" type="datetimeFigureOut">
               <a:rPr lang="en-US" smtClean="0"/>
-              <a:t>2/25/2025</a:t>
+              <a:t>4/3/2025</a:t>
             </a:fld>
             <a:endParaRPr lang="en-US"/>
           </a:p>
@@ -1542,7 +1542,7 @@
           <a:p>
             <a:fld id="{6F01DA4D-20EA-48D2-973C-0311EC3005D6}" type="datetimeFigureOut">
               <a:rPr lang="en-US" smtClean="0"/>
-              <a:t>2/25/2025</a:t>
+              <a:t>4/3/2025</a:t>
             </a:fld>
             <a:endParaRPr lang="en-US"/>
           </a:p>
@@ -1788,7 +1788,7 @@
           <a:p>
             <a:fld id="{6F01DA4D-20EA-48D2-973C-0311EC3005D6}" type="datetimeFigureOut">
               <a:rPr lang="en-US" smtClean="0"/>
-              <a:t>2/25/2025</a:t>
+              <a:t>4/3/2025</a:t>
             </a:fld>
             <a:endParaRPr lang="en-US"/>
           </a:p>
@@ -2020,7 +2020,7 @@
           <a:p>
             <a:fld id="{6F01DA4D-20EA-48D2-973C-0311EC3005D6}" type="datetimeFigureOut">
               <a:rPr lang="en-US" smtClean="0"/>
-              <a:t>2/25/2025</a:t>
+              <a:t>4/3/2025</a:t>
             </a:fld>
             <a:endParaRPr lang="en-US"/>
           </a:p>
@@ -2387,7 +2387,7 @@
           <a:p>
             <a:fld id="{6F01DA4D-20EA-48D2-973C-0311EC3005D6}" type="datetimeFigureOut">
               <a:rPr lang="en-US" smtClean="0"/>
-              <a:t>2/25/2025</a:t>
+              <a:t>4/3/2025</a:t>
             </a:fld>
             <a:endParaRPr lang="en-US"/>
           </a:p>
@@ -2505,7 +2505,7 @@
           <a:p>
             <a:fld id="{6F01DA4D-20EA-48D2-973C-0311EC3005D6}" type="datetimeFigureOut">
               <a:rPr lang="en-US" smtClean="0"/>
-              <a:t>2/25/2025</a:t>
+              <a:t>4/3/2025</a:t>
             </a:fld>
             <a:endParaRPr lang="en-US"/>
           </a:p>
@@ -2600,7 +2600,7 @@
           <a:p>
             <a:fld id="{6F01DA4D-20EA-48D2-973C-0311EC3005D6}" type="datetimeFigureOut">
               <a:rPr lang="en-US" smtClean="0"/>
-              <a:t>2/25/2025</a:t>
+              <a:t>4/3/2025</a:t>
             </a:fld>
             <a:endParaRPr lang="en-US"/>
           </a:p>
@@ -2877,7 +2877,7 @@
           <a:p>
             <a:fld id="{6F01DA4D-20EA-48D2-973C-0311EC3005D6}" type="datetimeFigureOut">
               <a:rPr lang="en-US" smtClean="0"/>
-              <a:t>2/25/2025</a:t>
+              <a:t>4/3/2025</a:t>
             </a:fld>
             <a:endParaRPr lang="en-US"/>
           </a:p>
@@ -3130,7 +3130,7 @@
           <a:p>
             <a:fld id="{6F01DA4D-20EA-48D2-973C-0311EC3005D6}" type="datetimeFigureOut">
               <a:rPr lang="en-US" smtClean="0"/>
-              <a:t>2/25/2025</a:t>
+              <a:t>4/3/2025</a:t>
             </a:fld>
             <a:endParaRPr lang="en-US"/>
           </a:p>
@@ -3343,7 +3343,7 @@
           <a:p>
             <a:fld id="{6F01DA4D-20EA-48D2-973C-0311EC3005D6}" type="datetimeFigureOut">
               <a:rPr lang="en-US" smtClean="0"/>
-              <a:t>2/25/2025</a:t>
+              <a:t>4/3/2025</a:t>
             </a:fld>
             <a:endParaRPr lang="en-US"/>
           </a:p>
@@ -3778,8 +3778,8 @@
           </a:bodyPr>
           <a:lstStyle/>
           <a:p>
-            <a:pPr xmlns:a="http://schemas.openxmlformats.org/drawingml/2006/main" algn="ctr"/>
-            <a:r xmlns:a="http://schemas.openxmlformats.org/drawingml/2006/main">
+            <a:pPr algn="ctr"/>
+            <a:r>
               <a:rPr lang="en" sz="8000" b="1" dirty="0" smtClean="0">
                 <a:solidFill>
                   <a:srgbClr val="7030A0"/>
@@ -3788,20 +3788,9 @@
                 <a:ea typeface="Verdana" panose="020B0604030504040204" pitchFamily="34" charset="0"/>
                 <a:cs typeface="Segoe UI" panose="020B0502040204020203" pitchFamily="34" charset="0"/>
               </a:rPr>
-              <a:t>Import </a:t>
-            </a:r>
-            <a:r xmlns:a="http://schemas.openxmlformats.org/drawingml/2006/main">
-              <a:rPr lang="en" sz="8000" b="1" dirty="0" smtClean="0">
-                <a:solidFill>
-                  <a:srgbClr val="7030A0"/>
-                </a:solidFill>
-                <a:latin typeface="Segoe UI" panose="020B0502040204020203" pitchFamily="34" charset="0"/>
-                <a:ea typeface="Verdana" panose="020B0604030504040204" pitchFamily="34" charset="0"/>
-                <a:cs typeface="Segoe UI" panose="020B0502040204020203" pitchFamily="34" charset="0"/>
-              </a:rPr>
-              <a:t>JSON</a:t>
-            </a:r>
-            <a:endParaRPr xmlns:a="http://schemas.openxmlformats.org/drawingml/2006/main" lang="en-US" sz="8000" b="1" dirty="0">
+              <a:t>Import JSON</a:t>
+            </a:r>
+            <a:endParaRPr lang="en-US" sz="8000" b="1" dirty="0">
               <a:solidFill>
                 <a:srgbClr val="7030A0"/>
               </a:solidFill>
@@ -3834,8 +3823,8 @@
           </a:bodyPr>
           <a:lstStyle/>
           <a:p>
-            <a:pPr xmlns:a="http://schemas.openxmlformats.org/drawingml/2006/main" algn="ctr"/>
-            <a:r xmlns:a="http://schemas.openxmlformats.org/drawingml/2006/main">
+            <a:pPr algn="ctr"/>
+            <a:r>
               <a:rPr lang="en" sz="8000" b="1" dirty="0" smtClean="0">
                 <a:solidFill>
                   <a:schemeClr val="bg1"/>
@@ -3846,7 +3835,7 @@
               </a:rPr>
               <a:t>Import JSON</a:t>
             </a:r>
-            <a:endParaRPr xmlns:a="http://schemas.openxmlformats.org/drawingml/2006/main" lang="en-US" sz="8000" b="1" dirty="0">
+            <a:endParaRPr lang="en-US" sz="8000" b="1" dirty="0">
               <a:solidFill>
                 <a:schemeClr val="bg1"/>
               </a:solidFill>
@@ -3915,7 +3904,7 @@
           </a:bodyPr>
           <a:lstStyle/>
           <a:p>
-            <a:pPr xmlns:a="http://schemas.openxmlformats.org/drawingml/2006/main">
+            <a:pPr>
               <a:lnSpc>
                 <a:spcPct val="107000"/>
               </a:lnSpc>
@@ -3926,7 +3915,7 @@
                 <a:spcPts val="0"/>
               </a:spcAft>
             </a:pPr>
-            <a:r xmlns:a="http://schemas.openxmlformats.org/drawingml/2006/main">
+            <a:r>
               <a:rPr lang="en" b="1" kern="0" dirty="0" smtClean="0">
                 <a:latin typeface="Segoe UI" panose="020B0502040204020203" pitchFamily="34" charset="0"/>
                 <a:ea typeface="Times New Roman" panose="02020603050405020304" pitchFamily="18" charset="0"/>
@@ -3934,7 +3923,7 @@
               </a:rPr>
               <a:t>Import JSON</a:t>
             </a:r>
-            <a:endParaRPr xmlns:a="http://schemas.openxmlformats.org/drawingml/2006/main" lang="en-US" b="1" kern="0" dirty="0">
+            <a:endParaRPr lang="en-US" b="1" kern="0" dirty="0">
               <a:latin typeface="Segoe UI" panose="020B0502040204020203" pitchFamily="34" charset="0"/>
               <a:ea typeface="Times New Roman" panose="02020603050405020304" pitchFamily="18" charset="0"/>
               <a:cs typeface="Times New Roman" panose="02020603050405020304" pitchFamily="18" charset="0"/>
@@ -4059,12 +4048,12 @@
           <a:bodyPr rtlCol="0" anchor="ctr"/>
           <a:lstStyle/>
           <a:p>
-            <a:pPr xmlns:a="http://schemas.openxmlformats.org/drawingml/2006/main" algn="ctr"/>
-            <a:r xmlns:a="http://schemas.openxmlformats.org/drawingml/2006/main">
+            <a:pPr algn="ctr"/>
+            <a:r>
               <a:rPr lang="en" b="1" dirty="0" smtClean="0"/>
               <a:t>1</a:t>
             </a:r>
-            <a:endParaRPr xmlns:a="http://schemas.openxmlformats.org/drawingml/2006/main" lang="en-US" b="1" dirty="0"/>
+            <a:endParaRPr lang="en-US" b="1" dirty="0"/>
           </a:p>
         </p:txBody>
       </p:sp>
@@ -4109,12 +4098,12 @@
           <a:bodyPr rtlCol="0" anchor="ctr"/>
           <a:lstStyle/>
           <a:p>
-            <a:pPr xmlns:a="http://schemas.openxmlformats.org/drawingml/2006/main" algn="ctr"/>
-            <a:r xmlns:a="http://schemas.openxmlformats.org/drawingml/2006/main">
+            <a:pPr algn="ctr"/>
+            <a:r>
               <a:rPr lang="en" b="1" dirty="0" smtClean="0"/>
               <a:t>2</a:t>
             </a:r>
-            <a:endParaRPr xmlns:a="http://schemas.openxmlformats.org/drawingml/2006/main" lang="en-US" b="1" dirty="0"/>
+            <a:endParaRPr lang="en-US" b="1" dirty="0"/>
           </a:p>
         </p:txBody>
       </p:sp>
@@ -4177,7 +4166,7 @@
           </a:bodyPr>
           <a:lstStyle/>
           <a:p>
-            <a:pPr xmlns:a="http://schemas.openxmlformats.org/drawingml/2006/main" marL="0" marR="0" lvl="0" indent="0" algn="l" defTabSz="914400" rtl="0" eaLnBrk="0" fontAlgn="base" latinLnBrk="0" hangingPunct="0">
+            <a:pPr marL="0" marR="0" lvl="0" indent="0" algn="l" defTabSz="914400" rtl="0" eaLnBrk="0" fontAlgn="base" latinLnBrk="0" hangingPunct="0">
               <a:lnSpc>
                 <a:spcPct val="100000"/>
               </a:lnSpc>
@@ -4193,7 +4182,7 @@
               <a:buNone/>
               <a:tabLst/>
             </a:pPr>
-            <a:r xmlns:a="http://schemas.openxmlformats.org/drawingml/2006/main">
+            <a:r>
               <a:rPr kumimoji="0" lang="en" altLang="en-US" sz="1800" b="1" i="0" u="none" strike="noStrike" cap="none" normalizeH="0" baseline="0" dirty="0" smtClean="0">
                 <a:ln>
                   <a:noFill/>
@@ -4206,7 +4195,7 @@
               </a:rPr>
               <a:t>Note: </a:t>
             </a:r>
-            <a:r xmlns:a="http://schemas.openxmlformats.org/drawingml/2006/main">
+            <a:r>
               <a:rPr kumimoji="0" lang="en" altLang="en-US" sz="1800" b="0" i="0" u="none" strike="noStrike" cap="none" normalizeH="0" baseline="0" dirty="0" smtClean="0">
                 <a:ln>
                   <a:noFill/>
@@ -4219,7 +4208,7 @@
               </a:rPr>
               <a:t>This lab uses the </a:t>
             </a:r>
-            <a:r xmlns:a="http://schemas.openxmlformats.org/drawingml/2006/main">
+            <a:r>
               <a:rPr kumimoji="0" lang="en" altLang="en-US" sz="1800" b="1" i="0" u="none" strike="noStrike" cap="none" normalizeH="0" baseline="0" dirty="0" err="1" smtClean="0">
                 <a:ln>
                   <a:noFill/>
@@ -4232,7 +4221,7 @@
               </a:rPr>
               <a:t>CustomerOrder.json file </a:t>
             </a:r>
-            <a:r xmlns:a="http://schemas.openxmlformats.org/drawingml/2006/main">
+            <a:r>
               <a:rPr kumimoji="0" lang="en" altLang="en-US" sz="1800" b="0" i="0" u="none" strike="noStrike" cap="none" normalizeH="0" baseline="0" dirty="0" smtClean="0">
                 <a:ln>
                   <a:noFill/>
@@ -4245,7 +4234,7 @@
               </a:rPr>
               <a:t>located in the </a:t>
             </a:r>
-            <a:r xmlns:a="http://schemas.openxmlformats.org/drawingml/2006/main">
+            <a:r>
               <a:rPr kumimoji="0" lang="en" altLang="en-US" sz="1800" b="1" i="0" u="none" strike="noStrike" cap="none" normalizeH="0" baseline="0" dirty="0" err="1" smtClean="0">
                 <a:ln>
                   <a:noFill/>
@@ -4258,7 +4247,7 @@
               </a:rPr>
               <a:t>resources </a:t>
             </a:r>
-            <a:r xmlns:a="http://schemas.openxmlformats.org/drawingml/2006/main">
+            <a:r>
               <a:rPr kumimoji="0" lang="en" altLang="en-US" sz="1800" b="1" i="0" u="none" strike="noStrike" cap="none" normalizeH="0" baseline="0" dirty="0" smtClean="0">
                 <a:ln>
                   <a:noFill/>
@@ -4271,7 +4260,7 @@
               </a:rPr>
               <a:t>/ </a:t>
             </a:r>
-            <a:r xmlns:a="http://schemas.openxmlformats.org/drawingml/2006/main">
+            <a:r>
               <a:rPr kumimoji="0" lang="en" altLang="en-US" sz="1800" b="1" i="0" u="none" strike="noStrike" cap="none" normalizeH="0" baseline="0" dirty="0" err="1" smtClean="0">
                 <a:ln>
                   <a:noFill/>
@@ -4284,7 +4273,7 @@
               </a:rPr>
               <a:t>JsonSources folder </a:t>
             </a:r>
-            <a:r xmlns:a="http://schemas.openxmlformats.org/drawingml/2006/main">
+            <a:r>
               <a:rPr kumimoji="0" lang="en" altLang="en-US" sz="1800" b="0" i="0" u="none" strike="noStrike" cap="none" normalizeH="0" baseline="0" dirty="0" smtClean="0">
                 <a:ln>
                   <a:noFill/>
@@ -4299,7 +4288,7 @@
             </a:r>
           </a:p>
           <a:p>
-            <a:pPr xmlns:a="http://schemas.openxmlformats.org/drawingml/2006/main" marL="0" marR="0" lvl="0" indent="0" algn="l" defTabSz="914400" rtl="0" eaLnBrk="0" fontAlgn="base" latinLnBrk="0" hangingPunct="0">
+            <a:pPr marL="0" marR="0" lvl="0" indent="0" algn="l" defTabSz="914400" rtl="0" eaLnBrk="0" fontAlgn="base" latinLnBrk="0" hangingPunct="0">
               <a:lnSpc>
                 <a:spcPct val="100000"/>
               </a:lnSpc>
@@ -4315,7 +4304,7 @@
               <a:buNone/>
               <a:tabLst/>
             </a:pPr>
-            <a:r xmlns:a="http://schemas.openxmlformats.org/drawingml/2006/main">
+            <a:r>
               <a:rPr kumimoji="0" lang="en" altLang="en-US" sz="1800" b="0" i="0" u="none" strike="noStrike" cap="none" normalizeH="0" baseline="0" dirty="0" smtClean="0">
                 <a:ln>
                   <a:noFill/>
@@ -4328,7 +4317,7 @@
               </a:rPr>
               <a:t>Select </a:t>
             </a:r>
-            <a:r xmlns:a="http://schemas.openxmlformats.org/drawingml/2006/main">
+            <a:r>
               <a:rPr kumimoji="0" lang="en" altLang="en-US" sz="1800" b="1" i="0" u="none" strike="noStrike" cap="none" normalizeH="0" baseline="0" dirty="0" smtClean="0">
                 <a:ln>
                   <a:noFill/>
@@ -4341,7 +4330,7 @@
               </a:rPr>
               <a:t>JSON </a:t>
             </a:r>
-            <a:r xmlns:a="http://schemas.openxmlformats.org/drawingml/2006/main">
+            <a:r>
               <a:rPr kumimoji="0" lang="en" altLang="en-US" sz="1800" b="0" i="0" u="none" strike="noStrike" cap="none" normalizeH="0" baseline="0" dirty="0" smtClean="0">
                 <a:ln>
                   <a:noFill/>
@@ -4415,7 +4404,7 @@
           </a:bodyPr>
           <a:lstStyle/>
           <a:p>
-            <a:pPr xmlns:a="http://schemas.openxmlformats.org/drawingml/2006/main">
+            <a:pPr>
               <a:lnSpc>
                 <a:spcPct val="107000"/>
               </a:lnSpc>
@@ -4426,7 +4415,7 @@
                 <a:spcPts val="0"/>
               </a:spcAft>
             </a:pPr>
-            <a:r xmlns:a="http://schemas.openxmlformats.org/drawingml/2006/main">
+            <a:r>
               <a:rPr lang="en" b="1" kern="0" dirty="0" smtClean="0">
                 <a:latin typeface="Segoe UI" panose="020B0502040204020203" pitchFamily="34" charset="0"/>
                 <a:ea typeface="Times New Roman" panose="02020603050405020304" pitchFamily="18" charset="0"/>
@@ -4434,7 +4423,7 @@
               </a:rPr>
               <a:t>Import JSON</a:t>
             </a:r>
-            <a:endParaRPr xmlns:a="http://schemas.openxmlformats.org/drawingml/2006/main" lang="en-US" b="1" kern="0" dirty="0">
+            <a:endParaRPr lang="en-US" b="1" kern="0" dirty="0">
               <a:latin typeface="Segoe UI" panose="020B0502040204020203" pitchFamily="34" charset="0"/>
               <a:ea typeface="Times New Roman" panose="02020603050405020304" pitchFamily="18" charset="0"/>
               <a:cs typeface="Times New Roman" panose="02020603050405020304" pitchFamily="18" charset="0"/>
@@ -4529,7 +4518,7 @@
             </a:endParaRPr>
           </a:p>
           <a:p>
-            <a:pPr xmlns:a="http://schemas.openxmlformats.org/drawingml/2006/main" marL="285750" marR="0" lvl="0" indent="-285750" algn="l" defTabSz="914400" rtl="0" eaLnBrk="0" fontAlgn="base" latinLnBrk="0" hangingPunct="0">
+            <a:pPr marL="285750" marR="0" lvl="0" indent="-285750" algn="l" defTabSz="914400" rtl="0" eaLnBrk="0" fontAlgn="base" latinLnBrk="0" hangingPunct="0">
               <a:lnSpc>
                 <a:spcPct val="100000"/>
               </a:lnSpc>
@@ -4545,7 +4534,7 @@
               <a:buChar char="•"/>
               <a:tabLst/>
             </a:pPr>
-            <a:r xmlns:a="http://schemas.openxmlformats.org/drawingml/2006/main">
+            <a:r>
               <a:rPr kumimoji="0" lang="en" altLang="en-US" b="0" i="0" u="none" strike="noStrike" cap="none" normalizeH="0" baseline="0" dirty="0" err="1" smtClean="0">
                 <a:ln>
                   <a:noFill/>
@@ -4558,7 +4547,7 @@
               </a:rPr>
               <a:t>Open </a:t>
             </a:r>
-            <a:r xmlns:a="http://schemas.openxmlformats.org/drawingml/2006/main">
+            <a:r>
               <a:rPr kumimoji="0" lang="en" altLang="en-US" b="0" i="0" u="none" strike="noStrike" cap="none" normalizeH="0" baseline="0" dirty="0" smtClean="0">
                 <a:ln>
                   <a:noFill/>
@@ -4571,7 +4560,7 @@
               </a:rPr>
               <a:t>the </a:t>
             </a:r>
-            <a:r xmlns:a="http://schemas.openxmlformats.org/drawingml/2006/main">
+            <a:r>
               <a:rPr kumimoji="0" lang="en" altLang="en-US" b="0" i="0" u="none" strike="noStrike" cap="none" normalizeH="0" baseline="0" dirty="0" err="1" smtClean="0">
                 <a:ln>
                   <a:noFill/>
@@ -4584,7 +4573,7 @@
               </a:rPr>
               <a:t>file</a:t>
             </a:r>
-            <a:r xmlns:a="http://schemas.openxmlformats.org/drawingml/2006/main">
+            <a:r>
               <a:rPr kumimoji="0" lang="en" altLang="en-US" b="0" i="0" u="none" strike="noStrike" cap="none" normalizeH="0" baseline="0" dirty="0" smtClean="0">
                 <a:ln>
                   <a:noFill/>
@@ -4597,7 +4586,7 @@
               </a:rPr>
               <a:t> </a:t>
             </a:r>
-            <a:r xmlns:a="http://schemas.openxmlformats.org/drawingml/2006/main">
+            <a:r>
               <a:rPr kumimoji="0" lang="en" altLang="en-US" b="1" i="0" u="none" strike="noStrike" cap="none" normalizeH="0" baseline="0" dirty="0" smtClean="0">
                 <a:ln>
                   <a:noFill/>
@@ -4610,7 +4599,7 @@
               </a:rPr>
               <a:t>Example1.json</a:t>
             </a:r>
-            <a:r xmlns:a="http://schemas.openxmlformats.org/drawingml/2006/main">
+            <a:r>
               <a:rPr kumimoji="0" lang="en" altLang="en-US" b="0" i="0" u="none" strike="noStrike" cap="none" normalizeH="0" baseline="0" dirty="0" smtClean="0">
                 <a:ln>
                   <a:noFill/>
@@ -4623,7 +4612,7 @@
               </a:rPr>
               <a:t> </a:t>
             </a:r>
-            <a:r xmlns:a="http://schemas.openxmlformats.org/drawingml/2006/main">
+            <a:r>
               <a:rPr kumimoji="0" lang="en" altLang="en-US" b="0" i="0" u="none" strike="noStrike" cap="none" normalizeH="0" baseline="0" dirty="0" err="1" smtClean="0">
                 <a:ln>
                   <a:noFill/>
@@ -4636,7 +4625,7 @@
               </a:rPr>
               <a:t>In</a:t>
             </a:r>
-            <a:r xmlns:a="http://schemas.openxmlformats.org/drawingml/2006/main">
+            <a:r>
               <a:rPr kumimoji="0" lang="en" altLang="en-US" b="0" i="0" u="none" strike="noStrike" cap="none" normalizeH="0" baseline="0" dirty="0" smtClean="0">
                 <a:ln>
                   <a:noFill/>
@@ -4649,7 +4638,7 @@
               </a:rPr>
               <a:t> </a:t>
             </a:r>
-            <a:r xmlns:a="http://schemas.openxmlformats.org/drawingml/2006/main">
+            <a:r>
               <a:rPr kumimoji="0" lang="en" altLang="en-US" b="0" i="0" u="none" strike="noStrike" cap="none" normalizeH="0" baseline="0" dirty="0" err="1" smtClean="0">
                 <a:ln>
                   <a:noFill/>
@@ -4662,7 +4651,7 @@
               </a:rPr>
               <a:t>the </a:t>
             </a:r>
-            <a:r xmlns:a="http://schemas.openxmlformats.org/drawingml/2006/main">
+            <a:r>
               <a:rPr kumimoji="0" lang="en" altLang="en-US" b="0" i="0" u="none" strike="noStrike" cap="none" normalizeH="0" baseline="0" dirty="0" smtClean="0">
                 <a:ln>
                   <a:noFill/>
@@ -4673,9 +4662,22 @@
                 <a:effectLst/>
                 <a:latin typeface="Arial" panose="020B0604020202020204" pitchFamily="34" charset="0"/>
               </a:rPr>
-              <a:t>Notepad++ text editor and </a:t>
-            </a:r>
-            <a:r xmlns:a="http://schemas.openxmlformats.org/drawingml/2006/main">
+              <a:t>Notepad++ text editor and observe </a:t>
+            </a:r>
+            <a:r>
+              <a:rPr kumimoji="0" lang="en" altLang="en-US" b="0" i="0" u="none" strike="noStrike" cap="none" normalizeH="0" baseline="0" dirty="0" err="1" smtClean="0">
+                <a:ln>
+                  <a:noFill/>
+                </a:ln>
+                <a:solidFill>
+                  <a:schemeClr val="tx1"/>
+                </a:solidFill>
+                <a:effectLst/>
+                <a:latin typeface="Arial" panose="020B0604020202020204" pitchFamily="34" charset="0"/>
+              </a:rPr>
+              <a:t>the structure </a:t>
+            </a:r>
+            <a:r>
               <a:rPr kumimoji="0" lang="en" altLang="en-US" b="0" i="0" u="none" strike="noStrike" cap="none" normalizeH="0" baseline="0" dirty="0" smtClean="0">
                 <a:ln>
                   <a:noFill/>
@@ -4686,9 +4688,9 @@
                 <a:effectLst/>
                 <a:latin typeface="Arial" panose="020B0604020202020204" pitchFamily="34" charset="0"/>
               </a:rPr>
-              <a:t>observe </a:t>
-            </a:r>
-            <a:r xmlns:a="http://schemas.openxmlformats.org/drawingml/2006/main">
+              <a:t>of </a:t>
+            </a:r>
+            <a:r>
               <a:rPr kumimoji="0" lang="en" altLang="en-US" b="0" i="0" u="none" strike="noStrike" cap="none" normalizeH="0" baseline="0" dirty="0" err="1" smtClean="0">
                 <a:ln>
                   <a:noFill/>
@@ -4701,20 +4703,7 @@
               </a:rPr>
               <a:t>the </a:t>
             </a:r>
-            <a:r xmlns:a="http://schemas.openxmlformats.org/drawingml/2006/main">
-              <a:rPr kumimoji="0" lang="en" altLang="en-US" b="0" i="0" u="none" strike="noStrike" cap="none" normalizeH="0" baseline="0" dirty="0" err="1" smtClean="0">
-                <a:ln>
-                  <a:noFill/>
-                </a:ln>
-                <a:solidFill>
-                  <a:schemeClr val="tx1"/>
-                </a:solidFill>
-                <a:effectLst/>
-                <a:latin typeface="Arial" panose="020B0604020202020204" pitchFamily="34" charset="0"/>
-              </a:rPr>
-              <a:t>structure </a:t>
-            </a:r>
-            <a:r xmlns:a="http://schemas.openxmlformats.org/drawingml/2006/main">
+            <a:r>
               <a:rPr kumimoji="0" lang="en" altLang="en-US" b="0" i="0" u="none" strike="noStrike" cap="none" normalizeH="0" baseline="0" dirty="0" smtClean="0">
                 <a:ln>
                   <a:noFill/>
@@ -4725,37 +4714,11 @@
                 <a:effectLst/>
                 <a:latin typeface="Arial" panose="020B0604020202020204" pitchFamily="34" charset="0"/>
               </a:rPr>
-              <a:t>of </a:t>
-            </a:r>
-            <a:r xmlns:a="http://schemas.openxmlformats.org/drawingml/2006/main">
-              <a:rPr kumimoji="0" lang="en" altLang="en-US" b="0" i="0" u="none" strike="noStrike" cap="none" normalizeH="0" baseline="0" dirty="0" err="1" smtClean="0">
-                <a:ln>
-                  <a:noFill/>
-                </a:ln>
-                <a:solidFill>
-                  <a:schemeClr val="tx1"/>
-                </a:solidFill>
-                <a:effectLst/>
-                <a:latin typeface="Arial" panose="020B0604020202020204" pitchFamily="34" charset="0"/>
-              </a:rPr>
-              <a:t>the </a:t>
-            </a:r>
-            <a:r xmlns:a="http://schemas.openxmlformats.org/drawingml/2006/main">
-              <a:rPr kumimoji="0" lang="en" altLang="en-US" b="0" i="0" u="none" strike="noStrike" cap="none" normalizeH="0" baseline="0" dirty="0" smtClean="0">
-                <a:ln>
-                  <a:noFill/>
-                </a:ln>
-                <a:solidFill>
-                  <a:schemeClr val="tx1"/>
-                </a:solidFill>
-                <a:effectLst/>
-                <a:latin typeface="Arial" panose="020B0604020202020204" pitchFamily="34" charset="0"/>
-              </a:rPr>
               <a:t>.</a:t>
             </a:r>
           </a:p>
           <a:p>
-            <a:pPr xmlns:a="http://schemas.openxmlformats.org/drawingml/2006/main" marR="0" lvl="0" algn="l" defTabSz="914400" rtl="0" eaLnBrk="0" fontAlgn="base" latinLnBrk="0" hangingPunct="0">
+            <a:pPr marR="0" lvl="0" algn="l" defTabSz="914400" rtl="0" eaLnBrk="0" fontAlgn="base" latinLnBrk="0" hangingPunct="0">
               <a:lnSpc>
                 <a:spcPct val="100000"/>
               </a:lnSpc>
@@ -4769,7 +4732,7 @@
               <a:buSzTx/>
               <a:tabLst/>
             </a:pPr>
-            <a:r xmlns:a="http://schemas.openxmlformats.org/drawingml/2006/main">
+            <a:r>
               <a:rPr kumimoji="0" lang="en" altLang="en-US" b="0" i="0" u="none" strike="noStrike" cap="none" normalizeH="0" baseline="0" dirty="0" smtClean="0">
                 <a:ln>
                   <a:noFill/>
@@ -4784,7 +4747,7 @@
             </a:r>
           </a:p>
           <a:p>
-            <a:pPr xmlns:a="http://schemas.openxmlformats.org/drawingml/2006/main" marL="285750" marR="0" lvl="0" indent="-285750" algn="l" defTabSz="914400" rtl="0" eaLnBrk="0" fontAlgn="base" latinLnBrk="0" hangingPunct="0">
+            <a:pPr marL="285750" marR="0" lvl="0" indent="-285750" algn="l" defTabSz="914400" rtl="0" eaLnBrk="0" fontAlgn="base" latinLnBrk="0" hangingPunct="0">
               <a:lnSpc>
                 <a:spcPct val="100000"/>
               </a:lnSpc>
@@ -4800,7 +4763,7 @@
               <a:buChar char="•"/>
               <a:tabLst/>
             </a:pPr>
-            <a:r xmlns:a="http://schemas.openxmlformats.org/drawingml/2006/main">
+            <a:r>
               <a:rPr kumimoji="0" lang="en" altLang="en-US" b="0" i="0" u="none" strike="noStrike" cap="none" normalizeH="0" baseline="0" dirty="0" err="1" smtClean="0">
                 <a:ln>
                   <a:noFill/>
@@ -4813,7 +4776,7 @@
               </a:rPr>
               <a:t>Note </a:t>
             </a:r>
-            <a:r xmlns:a="http://schemas.openxmlformats.org/drawingml/2006/main">
+            <a:r>
               <a:rPr kumimoji="0" lang="en" altLang="en-US" b="0" i="0" u="none" strike="noStrike" cap="none" normalizeH="0" baseline="0" dirty="0" smtClean="0">
                 <a:ln>
                   <a:noFill/>
@@ -4826,7 +4789,7 @@
               </a:rPr>
               <a:t>that </a:t>
             </a:r>
-            <a:r xmlns:a="http://schemas.openxmlformats.org/drawingml/2006/main">
+            <a:r>
               <a:rPr kumimoji="0" lang="en" altLang="en-US" b="0" i="0" u="none" strike="noStrike" cap="none" normalizeH="0" baseline="0" dirty="0" err="1" smtClean="0">
                 <a:ln>
                   <a:noFill/>
@@ -4839,7 +4802,7 @@
               </a:rPr>
               <a:t>the element</a:t>
             </a:r>
-            <a:r xmlns:a="http://schemas.openxmlformats.org/drawingml/2006/main">
+            <a:r>
               <a:rPr kumimoji="0" lang="en" altLang="en-US" b="0" i="0" u="none" strike="noStrike" cap="none" normalizeH="0" baseline="0" dirty="0" smtClean="0">
                 <a:ln>
                   <a:noFill/>
@@ -4852,7 +4815,7 @@
               </a:rPr>
               <a:t> </a:t>
             </a:r>
-            <a:r xmlns:a="http://schemas.openxmlformats.org/drawingml/2006/main">
+            <a:r>
               <a:rPr kumimoji="0" lang="en" altLang="en-US" b="1" i="0" u="none" strike="noStrike" cap="none" normalizeH="0" baseline="0" dirty="0" smtClean="0">
                 <a:ln>
                   <a:noFill/>
@@ -4865,7 +4828,7 @@
               </a:rPr>
               <a:t>Colors</a:t>
             </a:r>
-            <a:r xmlns:a="http://schemas.openxmlformats.org/drawingml/2006/main">
+            <a:r>
               <a:rPr kumimoji="0" lang="en" altLang="en-US" b="0" i="0" u="none" strike="noStrike" cap="none" normalizeH="0" baseline="0" dirty="0" smtClean="0">
                 <a:ln>
                   <a:noFill/>
@@ -4878,7 +4841,7 @@
               </a:rPr>
               <a:t> </a:t>
             </a:r>
-            <a:r xmlns:a="http://schemas.openxmlformats.org/drawingml/2006/main">
+            <a:r>
               <a:rPr kumimoji="0" lang="en" altLang="en-US" b="0" i="0" u="none" strike="noStrike" cap="none" normalizeH="0" baseline="0" dirty="0" err="1" smtClean="0">
                 <a:ln>
                   <a:noFill/>
@@ -4891,7 +4854,7 @@
               </a:rPr>
               <a:t>is </a:t>
             </a:r>
-            <a:r xmlns:a="http://schemas.openxmlformats.org/drawingml/2006/main">
+            <a:r>
               <a:rPr kumimoji="0" lang="en" altLang="en-US" b="0" i="0" u="none" strike="noStrike" cap="none" normalizeH="0" baseline="0" dirty="0" smtClean="0">
                 <a:ln>
                   <a:noFill/>
@@ -4904,7 +4867,7 @@
               </a:rPr>
               <a:t>of type </a:t>
             </a:r>
-            <a:r xmlns:a="http://schemas.openxmlformats.org/drawingml/2006/main">
+            <a:r>
               <a:rPr kumimoji="0" lang="en" altLang="en-US" b="0" i="1" u="none" strike="noStrike" cap="none" normalizeH="0" baseline="0" dirty="0" smtClean="0">
                 <a:ln>
                   <a:noFill/>
@@ -4917,7 +4880,7 @@
               </a:rPr>
               <a:t>array </a:t>
             </a:r>
-            <a:r xmlns:a="http://schemas.openxmlformats.org/drawingml/2006/main">
+            <a:r>
               <a:rPr kumimoji="0" lang="en" altLang="en-US" b="0" i="0" u="none" strike="noStrike" cap="none" normalizeH="0" baseline="0" dirty="0" smtClean="0">
                 <a:ln>
                   <a:noFill/>
@@ -4960,7 +4923,7 @@
             </a:endParaRPr>
           </a:p>
           <a:p>
-            <a:pPr xmlns:a="http://schemas.openxmlformats.org/drawingml/2006/main" marL="285750" marR="0" lvl="0" indent="-285750" algn="l" defTabSz="914400" rtl="0" eaLnBrk="0" fontAlgn="base" latinLnBrk="0" hangingPunct="0">
+            <a:pPr marL="285750" marR="0" lvl="0" indent="-285750" algn="l" defTabSz="914400" rtl="0" eaLnBrk="0" fontAlgn="base" latinLnBrk="0" hangingPunct="0">
               <a:lnSpc>
                 <a:spcPct val="100000"/>
               </a:lnSpc>
@@ -4976,7 +4939,7 @@
               <a:buChar char="•"/>
               <a:tabLst/>
             </a:pPr>
-            <a:r xmlns:a="http://schemas.openxmlformats.org/drawingml/2006/main">
+            <a:r>
               <a:rPr kumimoji="0" lang="en" altLang="en-US" b="0" i="0" u="none" strike="noStrike" cap="none" normalizeH="0" baseline="0" dirty="0" err="1" smtClean="0">
                 <a:ln>
                   <a:noFill/>
@@ -4989,7 +4952,7 @@
               </a:rPr>
               <a:t>Open </a:t>
             </a:r>
-            <a:r xmlns:a="http://schemas.openxmlformats.org/drawingml/2006/main">
+            <a:r>
               <a:rPr kumimoji="0" lang="en" altLang="en-US" b="0" i="0" u="none" strike="noStrike" cap="none" normalizeH="0" baseline="0" dirty="0" smtClean="0">
                 <a:ln>
                   <a:noFill/>
@@ -5002,7 +4965,7 @@
               </a:rPr>
               <a:t>the </a:t>
             </a:r>
-            <a:r xmlns:a="http://schemas.openxmlformats.org/drawingml/2006/main">
+            <a:r>
               <a:rPr kumimoji="0" lang="en" altLang="en-US" b="0" i="0" u="none" strike="noStrike" cap="none" normalizeH="0" baseline="0" dirty="0" err="1" smtClean="0">
                 <a:ln>
                   <a:noFill/>
@@ -5015,7 +4978,7 @@
               </a:rPr>
               <a:t>file</a:t>
             </a:r>
-            <a:r xmlns:a="http://schemas.openxmlformats.org/drawingml/2006/main">
+            <a:r>
               <a:rPr kumimoji="0" lang="en" altLang="en-US" b="0" i="0" u="none" strike="noStrike" cap="none" normalizeH="0" baseline="0" dirty="0" smtClean="0">
                 <a:ln>
                   <a:noFill/>
@@ -5028,7 +4991,7 @@
               </a:rPr>
               <a:t> </a:t>
             </a:r>
-            <a:r xmlns:a="http://schemas.openxmlformats.org/drawingml/2006/main">
+            <a:r>
               <a:rPr kumimoji="0" lang="en" altLang="en-US" b="1" i="0" u="none" strike="noStrike" cap="none" normalizeH="0" baseline="0" dirty="0" smtClean="0">
                 <a:ln>
                   <a:noFill/>
@@ -5041,7 +5004,7 @@
               </a:rPr>
               <a:t>Example2.json </a:t>
             </a:r>
-            <a:r xmlns:a="http://schemas.openxmlformats.org/drawingml/2006/main">
+            <a:r>
               <a:rPr kumimoji="0" lang="en" altLang="en-US" b="0" i="0" u="none" strike="noStrike" cap="none" normalizeH="0" baseline="0" dirty="0" smtClean="0">
                 <a:ln>
                   <a:noFill/>
@@ -5054,7 +5017,7 @@
               </a:rPr>
               <a:t>and </a:t>
             </a:r>
-            <a:r xmlns:a="http://schemas.openxmlformats.org/drawingml/2006/main">
+            <a:r>
               <a:rPr kumimoji="0" lang="en" altLang="en-US" b="0" i="0" u="none" strike="noStrike" cap="none" normalizeH="0" baseline="0" dirty="0" err="1" smtClean="0">
                 <a:ln>
                   <a:noFill/>
@@ -5067,7 +5030,7 @@
               </a:rPr>
               <a:t>notice </a:t>
             </a:r>
-            <a:r xmlns:a="http://schemas.openxmlformats.org/drawingml/2006/main">
+            <a:r>
               <a:rPr kumimoji="0" lang="en" altLang="en-US" b="0" i="0" u="none" strike="noStrike" cap="none" normalizeH="0" baseline="0" dirty="0" smtClean="0">
                 <a:ln>
                   <a:noFill/>
@@ -5080,7 +5043,7 @@
               </a:rPr>
               <a:t>that </a:t>
             </a:r>
-            <a:r xmlns:a="http://schemas.openxmlformats.org/drawingml/2006/main">
+            <a:r>
               <a:rPr kumimoji="0" lang="en" altLang="en-US" b="0" i="0" u="none" strike="noStrike" cap="none" normalizeH="0" baseline="0" dirty="0" err="1" smtClean="0">
                 <a:ln>
                   <a:noFill/>
@@ -5093,7 +5056,7 @@
               </a:rPr>
               <a:t>its </a:t>
             </a:r>
-            <a:r xmlns:a="http://schemas.openxmlformats.org/drawingml/2006/main">
+            <a:r>
               <a:rPr kumimoji="0" lang="en" altLang="en-US" b="0" i="0" u="none" strike="noStrike" cap="none" normalizeH="0" baseline="0" dirty="0" smtClean="0">
                 <a:ln>
                   <a:noFill/>
@@ -5106,7 +5069,7 @@
               </a:rPr>
               <a:t>structure </a:t>
             </a:r>
-            <a:r xmlns:a="http://schemas.openxmlformats.org/drawingml/2006/main">
+            <a:r>
               <a:rPr kumimoji="0" lang="en" altLang="en-US" b="0" i="0" u="none" strike="noStrike" cap="none" normalizeH="0" baseline="0" dirty="0" err="1" smtClean="0">
                 <a:ln>
                   <a:noFill/>
@@ -5119,7 +5082,7 @@
               </a:rPr>
               <a:t>differs </a:t>
             </a:r>
-            <a:r xmlns:a="http://schemas.openxmlformats.org/drawingml/2006/main">
+            <a:r>
               <a:rPr kumimoji="0" lang="en" altLang="en-US" b="0" i="0" u="none" strike="noStrike" cap="none" normalizeH="0" baseline="0" dirty="0" smtClean="0">
                 <a:ln>
                   <a:noFill/>
@@ -5132,7 +5095,7 @@
               </a:rPr>
               <a:t>from </a:t>
             </a:r>
-            <a:r xmlns:a="http://schemas.openxmlformats.org/drawingml/2006/main">
+            <a:r>
               <a:rPr kumimoji="0" lang="en" altLang="en-US" b="0" i="0" u="none" strike="noStrike" cap="none" normalizeH="0" baseline="0" dirty="0" err="1" smtClean="0">
                 <a:ln>
                   <a:noFill/>
@@ -5145,7 +5108,7 @@
               </a:rPr>
               <a:t>Example1.json </a:t>
             </a:r>
-            <a:r xmlns:a="http://schemas.openxmlformats.org/drawingml/2006/main">
+            <a:r>
               <a:rPr kumimoji="0" lang="en" altLang="en-US" b="0" i="0" u="none" strike="noStrike" cap="none" normalizeH="0" baseline="0" dirty="0" smtClean="0">
                 <a:ln>
                   <a:noFill/>
@@ -5156,22 +5119,9 @@
                 <a:effectLst/>
                 <a:latin typeface="Arial" panose="020B0604020202020204" pitchFamily="34" charset="0"/>
               </a:rPr>
-              <a:t>.</a:t>
-            </a:r>
-            <a:r xmlns:a="http://schemas.openxmlformats.org/drawingml/2006/main">
-              <a:rPr kumimoji="0" lang="en" altLang="en-US" b="0" i="0" u="none" strike="noStrike" cap="none" normalizeH="0" baseline="0" dirty="0" smtClean="0">
-                <a:ln>
-                  <a:noFill/>
-                </a:ln>
-                <a:solidFill>
-                  <a:schemeClr val="tx1"/>
-                </a:solidFill>
-                <a:effectLst/>
-                <a:latin typeface="Arial" panose="020B0604020202020204" pitchFamily="34" charset="0"/>
-              </a:rPr>
-              <a:t>​</a:t>
-            </a:r>
-            <a:r xmlns:a="http://schemas.openxmlformats.org/drawingml/2006/main">
+              <a:t>.​</a:t>
+            </a:r>
+            <a:r>
               <a:rPr kumimoji="0" lang="en" altLang="en-US" b="1" i="0" u="none" strike="noStrike" cap="none" normalizeH="0" baseline="0" dirty="0" smtClean="0">
                 <a:ln>
                   <a:noFill/>
@@ -5214,7 +5164,7 @@
             </a:endParaRPr>
           </a:p>
           <a:p>
-            <a:pPr xmlns:a="http://schemas.openxmlformats.org/drawingml/2006/main" marL="285750" marR="0" lvl="0" indent="-285750" algn="l" defTabSz="914400" rtl="0" eaLnBrk="0" fontAlgn="base" latinLnBrk="0" hangingPunct="0">
+            <a:pPr marL="285750" marR="0" lvl="0" indent="-285750" algn="l" defTabSz="914400" rtl="0" eaLnBrk="0" fontAlgn="base" latinLnBrk="0" hangingPunct="0">
               <a:lnSpc>
                 <a:spcPct val="100000"/>
               </a:lnSpc>
@@ -5230,7 +5180,7 @@
               <a:buChar char="•"/>
               <a:tabLst/>
             </a:pPr>
-            <a:r xmlns:a="http://schemas.openxmlformats.org/drawingml/2006/main">
+            <a:r>
               <a:rPr kumimoji="0" lang="en" altLang="en-US" b="0" i="0" u="none" strike="noStrike" cap="none" normalizeH="0" baseline="0" dirty="0" err="1" smtClean="0">
                 <a:ln>
                   <a:noFill/>
@@ -5243,7 +5193,7 @@
               </a:rPr>
               <a:t>Open </a:t>
             </a:r>
-            <a:r xmlns:a="http://schemas.openxmlformats.org/drawingml/2006/main">
+            <a:r>
               <a:rPr kumimoji="0" lang="en" altLang="en-US" b="0" i="0" u="none" strike="noStrike" cap="none" normalizeH="0" baseline="0" dirty="0" smtClean="0">
                 <a:ln>
                   <a:noFill/>
@@ -5256,7 +5206,7 @@
               </a:rPr>
               <a:t>the </a:t>
             </a:r>
-            <a:r xmlns:a="http://schemas.openxmlformats.org/drawingml/2006/main">
+            <a:r>
               <a:rPr kumimoji="0" lang="en" altLang="en-US" b="0" i="0" u="none" strike="noStrike" cap="none" normalizeH="0" baseline="0" dirty="0" err="1" smtClean="0">
                 <a:ln>
                   <a:noFill/>
@@ -5269,7 +5219,7 @@
               </a:rPr>
               <a:t>file</a:t>
             </a:r>
-            <a:r xmlns:a="http://schemas.openxmlformats.org/drawingml/2006/main">
+            <a:r>
               <a:rPr kumimoji="0" lang="en" altLang="en-US" b="0" i="0" u="none" strike="noStrike" cap="none" normalizeH="0" baseline="0" dirty="0" smtClean="0">
                 <a:ln>
                   <a:noFill/>
@@ -5282,7 +5232,7 @@
               </a:rPr>
               <a:t> </a:t>
             </a:r>
-            <a:r xmlns:a="http://schemas.openxmlformats.org/drawingml/2006/main">
+            <a:r>
               <a:rPr kumimoji="0" lang="en" altLang="en-US" b="1" i="0" u="none" strike="noStrike" cap="none" normalizeH="0" baseline="0" dirty="0" smtClean="0">
                 <a:ln>
                   <a:noFill/>
@@ -5295,7 +5245,7 @@
               </a:rPr>
               <a:t>Example3.json </a:t>
             </a:r>
-            <a:r xmlns:a="http://schemas.openxmlformats.org/drawingml/2006/main">
+            <a:r>
               <a:rPr kumimoji="0" lang="en" altLang="en-US" b="0" i="0" u="none" strike="noStrike" cap="none" normalizeH="0" baseline="0" dirty="0" smtClean="0">
                 <a:ln>
                   <a:noFill/>
@@ -5308,7 +5258,7 @@
               </a:rPr>
               <a:t>and </a:t>
             </a:r>
-            <a:r xmlns:a="http://schemas.openxmlformats.org/drawingml/2006/main">
+            <a:r>
               <a:rPr kumimoji="0" lang="en" altLang="en-US" b="0" i="0" u="none" strike="noStrike" cap="none" normalizeH="0" baseline="0" dirty="0" err="1" smtClean="0">
                 <a:ln>
                   <a:noFill/>
@@ -5321,7 +5271,7 @@
               </a:rPr>
               <a:t>observe </a:t>
             </a:r>
-            <a:r xmlns:a="http://schemas.openxmlformats.org/drawingml/2006/main">
+            <a:r>
               <a:rPr kumimoji="0" lang="en" altLang="en-US" b="0" i="0" u="none" strike="noStrike" cap="none" normalizeH="0" baseline="0" dirty="0" smtClean="0">
                 <a:ln>
                   <a:noFill/>
@@ -5334,7 +5284,7 @@
               </a:rPr>
               <a:t>that </a:t>
             </a:r>
-            <a:r xmlns:a="http://schemas.openxmlformats.org/drawingml/2006/main">
+            <a:r>
               <a:rPr kumimoji="0" lang="en" altLang="en-US" b="0" i="0" u="none" strike="noStrike" cap="none" normalizeH="0" baseline="0" dirty="0" err="1" smtClean="0">
                 <a:ln>
                   <a:noFill/>
@@ -5347,7 +5297,7 @@
               </a:rPr>
               <a:t>its </a:t>
             </a:r>
-            <a:r xmlns:a="http://schemas.openxmlformats.org/drawingml/2006/main">
+            <a:r>
               <a:rPr kumimoji="0" lang="en" altLang="en-US" b="0" i="0" u="none" strike="noStrike" cap="none" normalizeH="0" baseline="0" dirty="0" smtClean="0">
                 <a:ln>
                   <a:noFill/>
@@ -5360,7 +5310,7 @@
               </a:rPr>
               <a:t>structure </a:t>
             </a:r>
-            <a:r xmlns:a="http://schemas.openxmlformats.org/drawingml/2006/main">
+            <a:r>
               <a:rPr kumimoji="0" lang="en" altLang="en-US" b="0" i="0" u="none" strike="noStrike" cap="none" normalizeH="0" baseline="0" dirty="0" err="1" smtClean="0">
                 <a:ln>
                   <a:noFill/>
@@ -5373,7 +5323,7 @@
               </a:rPr>
               <a:t>is </a:t>
             </a:r>
-            <a:r xmlns:a="http://schemas.openxmlformats.org/drawingml/2006/main">
+            <a:r>
               <a:rPr kumimoji="0" lang="en" altLang="en-US" b="0" i="0" u="none" strike="noStrike" cap="none" normalizeH="0" baseline="0" dirty="0" smtClean="0">
                 <a:ln>
                   <a:noFill/>
@@ -5386,7 +5336,7 @@
               </a:rPr>
               <a:t>still </a:t>
             </a:r>
-            <a:r xmlns:a="http://schemas.openxmlformats.org/drawingml/2006/main">
+            <a:r>
               <a:rPr kumimoji="0" lang="en" altLang="en-US" b="0" i="0" u="none" strike="noStrike" cap="none" normalizeH="0" baseline="0" dirty="0" err="1" smtClean="0">
                 <a:ln>
                   <a:noFill/>
@@ -5399,7 +5349,7 @@
               </a:rPr>
               <a:t>different </a:t>
             </a:r>
-            <a:r xmlns:a="http://schemas.openxmlformats.org/drawingml/2006/main">
+            <a:r>
               <a:rPr kumimoji="0" lang="en" altLang="en-US" b="0" i="0" u="none" strike="noStrike" cap="none" normalizeH="0" baseline="0" dirty="0" smtClean="0">
                 <a:ln>
                   <a:noFill/>
@@ -5412,7 +5362,7 @@
               </a:rPr>
               <a:t>from the </a:t>
             </a:r>
-            <a:r xmlns:a="http://schemas.openxmlformats.org/drawingml/2006/main">
+            <a:r>
               <a:rPr kumimoji="0" lang="en" altLang="en-US" b="0" i="0" u="none" strike="noStrike" cap="none" normalizeH="0" baseline="0" dirty="0" err="1" smtClean="0">
                 <a:ln>
                   <a:noFill/>
@@ -5425,7 +5375,7 @@
               </a:rPr>
               <a:t>two</a:t>
             </a:r>
-            <a:r xmlns:a="http://schemas.openxmlformats.org/drawingml/2006/main">
+            <a:r>
               <a:rPr kumimoji="0" lang="en" altLang="en-US" b="0" i="0" u="none" strike="noStrike" cap="none" normalizeH="0" baseline="0" dirty="0" smtClean="0">
                 <a:ln>
                   <a:noFill/>
@@ -5438,7 +5388,7 @@
               </a:rPr>
               <a:t> </a:t>
             </a:r>
-            <a:r xmlns:a="http://schemas.openxmlformats.org/drawingml/2006/main">
+            <a:r>
               <a:rPr kumimoji="0" lang="en" altLang="en-US" b="0" i="0" u="none" strike="noStrike" cap="none" normalizeH="0" baseline="0" dirty="0" err="1" smtClean="0">
                 <a:ln>
                   <a:noFill/>
@@ -5451,7 +5401,7 @@
               </a:rPr>
               <a:t>files</a:t>
             </a:r>
-            <a:r xmlns:a="http://schemas.openxmlformats.org/drawingml/2006/main">
+            <a:r>
               <a:rPr kumimoji="0" lang="en" altLang="en-US" b="0" i="0" u="none" strike="noStrike" cap="none" normalizeH="0" baseline="0" dirty="0" smtClean="0">
                 <a:ln>
                   <a:noFill/>
@@ -5464,7 +5414,7 @@
               </a:rPr>
               <a:t> </a:t>
             </a:r>
-            <a:r xmlns:a="http://schemas.openxmlformats.org/drawingml/2006/main">
+            <a:r>
               <a:rPr kumimoji="0" lang="en" altLang="en-US" b="0" i="0" u="none" strike="noStrike" cap="none" normalizeH="0" baseline="0" dirty="0" err="1" smtClean="0">
                 <a:ln>
                   <a:noFill/>
@@ -5477,7 +5427,7 @@
               </a:rPr>
               <a:t>previous </a:t>
             </a:r>
-            <a:r xmlns:a="http://schemas.openxmlformats.org/drawingml/2006/main">
+            <a:r>
               <a:rPr kumimoji="0" lang="en" altLang="en-US" b="0" i="0" u="none" strike="noStrike" cap="none" normalizeH="0" baseline="0" dirty="0" smtClean="0">
                 <a:ln>
                   <a:noFill/>
@@ -5520,7 +5470,7 @@
             </a:endParaRPr>
           </a:p>
           <a:p>
-            <a:pPr xmlns:a="http://schemas.openxmlformats.org/drawingml/2006/main" marL="285750" marR="0" lvl="0" indent="-285750" algn="l" defTabSz="914400" rtl="0" eaLnBrk="0" fontAlgn="base" latinLnBrk="0" hangingPunct="0">
+            <a:pPr marL="285750" marR="0" lvl="0" indent="-285750" algn="l" defTabSz="914400" rtl="0" eaLnBrk="0" fontAlgn="base" latinLnBrk="0" hangingPunct="0">
               <a:lnSpc>
                 <a:spcPct val="100000"/>
               </a:lnSpc>
@@ -5536,7 +5486,7 @@
               <a:buChar char="•"/>
               <a:tabLst/>
             </a:pPr>
-            <a:r xmlns:a="http://schemas.openxmlformats.org/drawingml/2006/main">
+            <a:r>
               <a:rPr kumimoji="0" lang="en" altLang="en-US" b="0" i="0" u="none" strike="noStrike" cap="none" normalizeH="0" baseline="0" dirty="0" err="1" smtClean="0">
                 <a:ln>
                   <a:noFill/>
@@ -5549,7 +5499,7 @@
               </a:rPr>
               <a:t>Open </a:t>
             </a:r>
-            <a:r xmlns:a="http://schemas.openxmlformats.org/drawingml/2006/main">
+            <a:r>
               <a:rPr kumimoji="0" lang="en" altLang="en-US" b="0" i="0" u="none" strike="noStrike" cap="none" normalizeH="0" baseline="0" dirty="0" smtClean="0">
                 <a:ln>
                   <a:noFill/>
@@ -5562,7 +5512,7 @@
               </a:rPr>
               <a:t>the </a:t>
             </a:r>
-            <a:r xmlns:a="http://schemas.openxmlformats.org/drawingml/2006/main">
+            <a:r>
               <a:rPr kumimoji="0" lang="en" altLang="en-US" b="0" i="0" u="none" strike="noStrike" cap="none" normalizeH="0" baseline="0" dirty="0" err="1" smtClean="0">
                 <a:ln>
                   <a:noFill/>
@@ -5575,7 +5525,7 @@
               </a:rPr>
               <a:t>file</a:t>
             </a:r>
-            <a:r xmlns:a="http://schemas.openxmlformats.org/drawingml/2006/main">
+            <a:r>
               <a:rPr kumimoji="0" lang="en" altLang="en-US" b="0" i="0" u="none" strike="noStrike" cap="none" normalizeH="0" baseline="0" dirty="0" smtClean="0">
                 <a:ln>
                   <a:noFill/>
@@ -5588,7 +5538,7 @@
               </a:rPr>
               <a:t> </a:t>
             </a:r>
-            <a:r xmlns:a="http://schemas.openxmlformats.org/drawingml/2006/main">
+            <a:r>
               <a:rPr kumimoji="0" lang="en" altLang="en-US" b="1" i="0" u="none" strike="noStrike" cap="none" normalizeH="0" baseline="0" dirty="0" smtClean="0">
                 <a:ln>
                   <a:noFill/>
@@ -5601,7 +5551,7 @@
               </a:rPr>
               <a:t>Example4.json </a:t>
             </a:r>
-            <a:r xmlns:a="http://schemas.openxmlformats.org/drawingml/2006/main">
+            <a:r>
               <a:rPr kumimoji="0" lang="en" altLang="en-US" b="0" i="0" u="none" strike="noStrike" cap="none" normalizeH="0" baseline="0" dirty="0" smtClean="0">
                 <a:ln>
                   <a:noFill/>
@@ -5614,7 +5564,7 @@
               </a:rPr>
               <a:t>and </a:t>
             </a:r>
-            <a:r xmlns:a="http://schemas.openxmlformats.org/drawingml/2006/main">
+            <a:r>
               <a:rPr kumimoji="0" lang="en" altLang="en-US" b="0" i="0" u="none" strike="noStrike" cap="none" normalizeH="0" baseline="0" dirty="0" err="1" smtClean="0">
                 <a:ln>
                   <a:noFill/>
@@ -5627,7 +5577,7 @@
               </a:rPr>
               <a:t>see</a:t>
             </a:r>
-            <a:r xmlns:a="http://schemas.openxmlformats.org/drawingml/2006/main">
+            <a:r>
               <a:rPr kumimoji="0" lang="en" altLang="en-US" b="0" i="0" u="none" strike="noStrike" cap="none" normalizeH="0" baseline="0" dirty="0" smtClean="0">
                 <a:ln>
                   <a:noFill/>
@@ -5640,7 +5590,7 @@
               </a:rPr>
               <a:t> </a:t>
             </a:r>
-            <a:r xmlns:a="http://schemas.openxmlformats.org/drawingml/2006/main">
+            <a:r>
               <a:rPr kumimoji="0" lang="en" altLang="en-US" b="0" i="0" u="none" strike="noStrike" cap="none" normalizeH="0" baseline="0" dirty="0" err="1" smtClean="0">
                 <a:ln>
                   <a:noFill/>
@@ -5653,7 +5603,7 @@
               </a:rPr>
               <a:t>that he</a:t>
             </a:r>
-            <a:r xmlns:a="http://schemas.openxmlformats.org/drawingml/2006/main">
+            <a:r>
               <a:rPr kumimoji="0" lang="en" altLang="en-US" b="0" i="0" u="none" strike="noStrike" cap="none" normalizeH="0" baseline="0" dirty="0" smtClean="0">
                 <a:ln>
                   <a:noFill/>
@@ -5666,7 +5616,7 @@
               </a:rPr>
               <a:t> </a:t>
             </a:r>
-            <a:r xmlns:a="http://schemas.openxmlformats.org/drawingml/2006/main">
+            <a:r>
               <a:rPr kumimoji="0" lang="en" altLang="en-US" b="0" i="0" u="none" strike="noStrike" cap="none" normalizeH="0" baseline="0" dirty="0" err="1" smtClean="0">
                 <a:ln>
                   <a:noFill/>
@@ -5679,7 +5629,7 @@
               </a:rPr>
               <a:t>presents</a:t>
             </a:r>
-            <a:r xmlns:a="http://schemas.openxmlformats.org/drawingml/2006/main">
+            <a:r>
               <a:rPr kumimoji="0" lang="en" altLang="en-US" b="0" i="0" u="none" strike="noStrike" cap="none" normalizeH="0" baseline="0" dirty="0" smtClean="0">
                 <a:ln>
                   <a:noFill/>
@@ -5692,7 +5642,7 @@
               </a:rPr>
               <a:t> </a:t>
             </a:r>
-            <a:r xmlns:a="http://schemas.openxmlformats.org/drawingml/2006/main">
+            <a:r>
               <a:rPr kumimoji="0" lang="en" altLang="en-US" b="0" i="0" u="none" strike="noStrike" cap="none" normalizeH="0" baseline="0" dirty="0" err="1" smtClean="0">
                 <a:ln>
                   <a:noFill/>
@@ -5705,7 +5655,7 @@
               </a:rPr>
               <a:t>a</a:t>
             </a:r>
-            <a:r xmlns:a="http://schemas.openxmlformats.org/drawingml/2006/main">
+            <a:r>
               <a:rPr kumimoji="0" lang="en" altLang="en-US" b="0" i="0" u="none" strike="noStrike" cap="none" normalizeH="0" baseline="0" dirty="0" smtClean="0">
                 <a:ln>
                   <a:noFill/>
@@ -5718,7 +5668,7 @@
               </a:rPr>
               <a:t> </a:t>
             </a:r>
-            <a:r xmlns:a="http://schemas.openxmlformats.org/drawingml/2006/main">
+            <a:r>
               <a:rPr kumimoji="0" lang="en" altLang="en-US" b="0" i="0" u="none" strike="noStrike" cap="none" normalizeH="0" baseline="0" dirty="0" err="1" smtClean="0">
                 <a:ln>
                   <a:noFill/>
@@ -5731,7 +5681,7 @@
               </a:rPr>
               <a:t>similarity </a:t>
             </a:r>
-            <a:r xmlns:a="http://schemas.openxmlformats.org/drawingml/2006/main">
+            <a:r>
               <a:rPr kumimoji="0" lang="en" altLang="en-US" b="0" i="0" u="none" strike="noStrike" cap="none" normalizeH="0" baseline="0" dirty="0" smtClean="0">
                 <a:ln>
                   <a:noFill/>
@@ -5744,7 +5694,7 @@
               </a:rPr>
               <a:t>with </a:t>
             </a:r>
-            <a:r xmlns:a="http://schemas.openxmlformats.org/drawingml/2006/main">
+            <a:r>
               <a:rPr kumimoji="0" lang="en" altLang="en-US" b="1" i="0" u="none" strike="noStrike" cap="none" normalizeH="0" baseline="0" dirty="0" smtClean="0">
                 <a:ln>
                   <a:noFill/>
@@ -5757,7 +5707,7 @@
               </a:rPr>
               <a:t>Example2.json </a:t>
             </a:r>
-            <a:r xmlns:a="http://schemas.openxmlformats.org/drawingml/2006/main">
+            <a:r>
               <a:rPr kumimoji="0" lang="en" altLang="en-US" b="0" i="0" u="none" strike="noStrike" cap="none" normalizeH="0" baseline="0" dirty="0" smtClean="0">
                 <a:ln>
                   <a:noFill/>
@@ -5770,7 +5720,7 @@
               </a:rPr>
               <a:t>, </a:t>
             </a:r>
-            <a:r xmlns:a="http://schemas.openxmlformats.org/drawingml/2006/main">
+            <a:r>
               <a:rPr kumimoji="0" lang="en" altLang="en-US" b="0" i="0" u="none" strike="noStrike" cap="none" normalizeH="0" baseline="0" dirty="0" err="1" smtClean="0">
                 <a:ln>
                   <a:noFill/>
@@ -5783,7 +5733,7 @@
               </a:rPr>
               <a:t>but </a:t>
             </a:r>
-            <a:r xmlns:a="http://schemas.openxmlformats.org/drawingml/2006/main">
+            <a:r>
               <a:rPr kumimoji="0" lang="en" altLang="en-US" b="0" i="0" u="none" strike="noStrike" cap="none" normalizeH="0" baseline="0" dirty="0" smtClean="0">
                 <a:ln>
                   <a:noFill/>
@@ -5796,7 +5746,7 @@
               </a:rPr>
               <a:t>that </a:t>
             </a:r>
-            <a:r xmlns:a="http://schemas.openxmlformats.org/drawingml/2006/main">
+            <a:r>
               <a:rPr kumimoji="0" lang="en" altLang="en-US" b="0" i="0" u="none" strike="noStrike" cap="none" normalizeH="0" baseline="0" dirty="0" err="1" smtClean="0">
                 <a:ln>
                   <a:noFill/>
@@ -5809,7 +5759,7 @@
               </a:rPr>
               <a:t>its</a:t>
             </a:r>
-            <a:r xmlns:a="http://schemas.openxmlformats.org/drawingml/2006/main">
+            <a:r>
               <a:rPr kumimoji="0" lang="en" altLang="en-US" b="0" i="0" u="none" strike="noStrike" cap="none" normalizeH="0" baseline="0" dirty="0" smtClean="0">
                 <a:ln>
                   <a:noFill/>
@@ -5822,7 +5772,7 @@
               </a:rPr>
               <a:t> </a:t>
             </a:r>
-            <a:r xmlns:a="http://schemas.openxmlformats.org/drawingml/2006/main">
+            <a:r>
               <a:rPr kumimoji="0" lang="en" altLang="en-US" b="0" i="0" u="none" strike="noStrike" cap="none" normalizeH="0" baseline="0" dirty="0" err="1" smtClean="0">
                 <a:ln>
                   <a:noFill/>
@@ -5835,7 +5785,7 @@
               </a:rPr>
               <a:t>elements</a:t>
             </a:r>
-            <a:r xmlns:a="http://schemas.openxmlformats.org/drawingml/2006/main">
+            <a:r>
               <a:rPr kumimoji="0" lang="en" altLang="en-US" b="0" i="0" u="none" strike="noStrike" cap="none" normalizeH="0" baseline="0" dirty="0" smtClean="0">
                 <a:ln>
                   <a:noFill/>
@@ -5848,7 +5798,7 @@
               </a:rPr>
               <a:t> </a:t>
             </a:r>
-            <a:r xmlns:a="http://schemas.openxmlformats.org/drawingml/2006/main">
+            <a:r>
               <a:rPr kumimoji="0" lang="en" altLang="en-US" b="0" i="0" u="none" strike="noStrike" cap="none" normalizeH="0" baseline="0" dirty="0" err="1" smtClean="0">
                 <a:ln>
                   <a:noFill/>
@@ -5861,7 +5811,7 @@
               </a:rPr>
               <a:t>represent </a:t>
             </a:r>
-            <a:r xmlns:a="http://schemas.openxmlformats.org/drawingml/2006/main">
+            <a:r>
               <a:rPr kumimoji="0" lang="en" altLang="en-US" b="0" i="0" u="none" strike="noStrike" cap="none" normalizeH="0" baseline="0" dirty="0" smtClean="0">
                 <a:ln>
                   <a:noFill/>
@@ -5874,7 +5824,7 @@
               </a:rPr>
               <a:t>lists</a:t>
             </a:r>
-            <a:r xmlns:a="http://schemas.openxmlformats.org/drawingml/2006/main">
+            <a:r>
               <a:rPr kumimoji="0" lang="en" altLang="en-US" b="0" i="0" u="none" strike="noStrike" cap="none" normalizeH="0" baseline="0" dirty="0" err="1" smtClean="0">
                 <a:ln>
                   <a:noFill/>
@@ -5887,7 +5837,7 @@
               </a:rPr>
               <a:t>​</a:t>
             </a:r>
-            <a:r xmlns:a="http://schemas.openxmlformats.org/drawingml/2006/main">
+            <a:r>
               <a:rPr kumimoji="0" lang="en" altLang="en-US" b="0" i="0" u="none" strike="noStrike" cap="none" normalizeH="0" baseline="0" dirty="0" smtClean="0">
                 <a:ln>
                   <a:noFill/>
@@ -5900,7 +5850,7 @@
               </a:rPr>
               <a:t> </a:t>
             </a:r>
-            <a:r xmlns:a="http://schemas.openxmlformats.org/drawingml/2006/main">
+            <a:r>
               <a:rPr kumimoji="0" lang="en" altLang="en-US" b="0" i="0" u="none" strike="noStrike" cap="none" normalizeH="0" baseline="0" dirty="0" err="1" smtClean="0">
                 <a:ln>
                   <a:noFill/>
@@ -5913,7 +5863,7 @@
               </a:rPr>
               <a:t>rather </a:t>
             </a:r>
-            <a:r xmlns:a="http://schemas.openxmlformats.org/drawingml/2006/main">
+            <a:r>
               <a:rPr kumimoji="0" lang="en" altLang="en-US" b="0" i="0" u="none" strike="noStrike" cap="none" normalizeH="0" baseline="0" dirty="0" smtClean="0">
                 <a:ln>
                   <a:noFill/>
@@ -5926,7 +5876,7 @@
               </a:rPr>
               <a:t>than </a:t>
             </a:r>
-            <a:r xmlns:a="http://schemas.openxmlformats.org/drawingml/2006/main">
+            <a:r>
               <a:rPr kumimoji="0" lang="en" altLang="en-US" b="0" i="0" u="none" strike="noStrike" cap="none" normalizeH="0" baseline="0" dirty="0" err="1" smtClean="0">
                 <a:ln>
                   <a:noFill/>
@@ -5939,7 +5889,7 @@
               </a:rPr>
               <a:t>values</a:t>
             </a:r>
-            <a:r xmlns:a="http://schemas.openxmlformats.org/drawingml/2006/main">
+            <a:r>
               <a:rPr kumimoji="0" lang="en" altLang="en-US" b="0" i="0" u="none" strike="noStrike" cap="none" normalizeH="0" baseline="0" dirty="0" smtClean="0">
                 <a:ln>
                   <a:noFill/>
@@ -5952,7 +5902,7 @@
               </a:rPr>
               <a:t> </a:t>
             </a:r>
-            <a:r xmlns:a="http://schemas.openxmlformats.org/drawingml/2006/main">
+            <a:r>
               <a:rPr kumimoji="0" lang="en" altLang="en-US" b="0" i="0" u="none" strike="noStrike" cap="none" normalizeH="0" baseline="0" dirty="0" err="1" smtClean="0">
                 <a:ln>
                   <a:noFill/>
@@ -5965,7 +5915,7 @@
               </a:rPr>
               <a:t>scalars </a:t>
             </a:r>
-            <a:r xmlns:a="http://schemas.openxmlformats.org/drawingml/2006/main">
+            <a:r>
               <a:rPr kumimoji="0" lang="en" altLang="en-US" b="0" i="0" u="none" strike="noStrike" cap="none" normalizeH="0" baseline="0" dirty="0" smtClean="0">
                 <a:ln>
                   <a:noFill/>
@@ -6008,7 +5958,7 @@
             </a:endParaRPr>
           </a:p>
           <a:p>
-            <a:pPr xmlns:a="http://schemas.openxmlformats.org/drawingml/2006/main" marL="0" marR="0" lvl="0" indent="0" algn="l" defTabSz="914400" rtl="0" eaLnBrk="0" fontAlgn="base" latinLnBrk="0" hangingPunct="0">
+            <a:pPr marL="0" marR="0" lvl="0" indent="0" algn="l" defTabSz="914400" rtl="0" eaLnBrk="0" fontAlgn="base" latinLnBrk="0" hangingPunct="0">
               <a:lnSpc>
                 <a:spcPct val="100000"/>
               </a:lnSpc>
@@ -6024,7 +5974,7 @@
               <a:buNone/>
               <a:tabLst/>
             </a:pPr>
-            <a:r xmlns:a="http://schemas.openxmlformats.org/drawingml/2006/main">
+            <a:r>
               <a:rPr kumimoji="0" lang="en" altLang="en-US" b="0" i="0" u="none" strike="noStrike" cap="none" normalizeH="0" baseline="0" dirty="0" err="1" smtClean="0">
                 <a:ln>
                   <a:noFill/>
@@ -6037,7 +5987,7 @@
               </a:rPr>
               <a:t>Afterwards </a:t>
             </a:r>
-            <a:r xmlns:a="http://schemas.openxmlformats.org/drawingml/2006/main">
+            <a:r>
               <a:rPr kumimoji="0" lang="en" altLang="en-US" b="0" i="0" u="none" strike="noStrike" cap="none" normalizeH="0" baseline="0" dirty="0" smtClean="0">
                 <a:ln>
                   <a:noFill/>
@@ -6052,7 +6002,7 @@
             </a:r>
           </a:p>
           <a:p>
-            <a:pPr xmlns:a="http://schemas.openxmlformats.org/drawingml/2006/main" marL="0" marR="0" lvl="0" indent="0" algn="l" defTabSz="914400" rtl="0" eaLnBrk="0" fontAlgn="base" latinLnBrk="0" hangingPunct="0">
+            <a:pPr marL="0" marR="0" lvl="0" indent="0" algn="l" defTabSz="914400" rtl="0" eaLnBrk="0" fontAlgn="base" latinLnBrk="0" hangingPunct="0">
               <a:lnSpc>
                 <a:spcPct val="100000"/>
               </a:lnSpc>
@@ -6068,7 +6018,7 @@
               <a:buChar char="•"/>
               <a:tabLst/>
             </a:pPr>
-            <a:r xmlns:a="http://schemas.openxmlformats.org/drawingml/2006/main">
+            <a:r>
               <a:rPr kumimoji="0" lang="en" altLang="en-US" b="0" i="0" u="none" strike="noStrike" cap="none" normalizeH="0" baseline="0" dirty="0" err="1" smtClean="0">
                 <a:ln>
                   <a:noFill/>
@@ -6081,7 +6031,7 @@
               </a:rPr>
               <a:t>Select</a:t>
             </a:r>
-            <a:r xmlns:a="http://schemas.openxmlformats.org/drawingml/2006/main">
+            <a:r>
               <a:rPr kumimoji="0" lang="en" altLang="en-US" b="0" i="0" u="none" strike="noStrike" cap="none" normalizeH="0" baseline="0" dirty="0" smtClean="0">
                 <a:ln>
                   <a:noFill/>
@@ -6094,7 +6044,7 @@
               </a:rPr>
               <a:t> </a:t>
             </a:r>
-            <a:r xmlns:a="http://schemas.openxmlformats.org/drawingml/2006/main">
+            <a:r>
               <a:rPr kumimoji="0" lang="en" altLang="en-US" b="1" i="0" u="none" strike="noStrike" cap="none" normalizeH="0" baseline="0" dirty="0" smtClean="0">
                 <a:ln>
                   <a:noFill/>
@@ -6107,7 +6057,7 @@
               </a:rPr>
               <a:t>JSON</a:t>
             </a:r>
-            <a:r xmlns:a="http://schemas.openxmlformats.org/drawingml/2006/main">
+            <a:r>
               <a:rPr kumimoji="0" lang="en" altLang="en-US" b="0" i="0" u="none" strike="noStrike" cap="none" normalizeH="0" baseline="0" dirty="0" smtClean="0">
                 <a:ln>
                   <a:noFill/>
@@ -6120,7 +6070,7 @@
               </a:rPr>
               <a:t> </a:t>
             </a:r>
-            <a:r xmlns:a="http://schemas.openxmlformats.org/drawingml/2006/main">
+            <a:r>
               <a:rPr kumimoji="0" lang="en" altLang="en-US" b="0" i="0" u="none" strike="noStrike" cap="none" normalizeH="0" baseline="0" dirty="0" err="1" smtClean="0">
                 <a:ln>
                   <a:noFill/>
@@ -6131,22 +6081,9 @@
                 <a:effectLst/>
                 <a:latin typeface="Arial" panose="020B0604020202020204" pitchFamily="34" charset="0"/>
               </a:rPr>
-              <a:t>as a </a:t>
-            </a:r>
-            <a:r xmlns:a="http://schemas.openxmlformats.org/drawingml/2006/main">
-              <a:rPr kumimoji="0" lang="en" altLang="en-US" b="0" i="0" u="none" strike="noStrike" cap="none" normalizeH="0" baseline="0" dirty="0" err="1" smtClean="0">
-                <a:ln>
-                  <a:noFill/>
-                </a:ln>
-                <a:solidFill>
-                  <a:schemeClr val="tx1"/>
-                </a:solidFill>
-                <a:effectLst/>
-                <a:latin typeface="Arial" panose="020B0604020202020204" pitchFamily="34" charset="0"/>
-              </a:rPr>
-              <a:t>data </a:t>
-            </a:r>
-            <a:r xmlns:a="http://schemas.openxmlformats.org/drawingml/2006/main">
+              <a:t>as a data </a:t>
+            </a:r>
+            <a:r>
               <a:rPr kumimoji="0" lang="en" altLang="en-US" b="0" i="0" u="none" strike="noStrike" cap="none" normalizeH="0" baseline="0" dirty="0" smtClean="0">
                 <a:ln>
                   <a:noFill/>
@@ -6157,20 +6094,7 @@
                 <a:effectLst/>
                 <a:latin typeface="Arial" panose="020B0604020202020204" pitchFamily="34" charset="0"/>
               </a:rPr>
-              <a:t>source </a:t>
-            </a:r>
-            <a:r xmlns:a="http://schemas.openxmlformats.org/drawingml/2006/main">
-              <a:rPr kumimoji="0" lang="en" altLang="en-US" b="0" i="0" u="none" strike="noStrike" cap="none" normalizeH="0" baseline="0" dirty="0" smtClean="0">
-                <a:ln>
-                  <a:noFill/>
-                </a:ln>
-                <a:solidFill>
-                  <a:schemeClr val="tx1"/>
-                </a:solidFill>
-                <a:effectLst/>
-                <a:latin typeface="Arial" panose="020B0604020202020204" pitchFamily="34" charset="0"/>
-              </a:rPr>
-              <a:t>.</a:t>
+              <a:t>source .</a:t>
             </a:r>
           </a:p>
           <a:p>
@@ -6202,7 +6126,7 @@
             </a:endParaRPr>
           </a:p>
           <a:p>
-            <a:pPr xmlns:a="http://schemas.openxmlformats.org/drawingml/2006/main" marL="0" marR="0" lvl="0" indent="0" algn="l" defTabSz="914400" rtl="0" eaLnBrk="0" fontAlgn="base" latinLnBrk="0" hangingPunct="0">
+            <a:pPr marL="0" marR="0" lvl="0" indent="0" algn="l" defTabSz="914400" rtl="0" eaLnBrk="0" fontAlgn="base" latinLnBrk="0" hangingPunct="0">
               <a:lnSpc>
                 <a:spcPct val="100000"/>
               </a:lnSpc>
@@ -6218,7 +6142,7 @@
               <a:buChar char="•"/>
               <a:tabLst/>
             </a:pPr>
-            <a:r xmlns:a="http://schemas.openxmlformats.org/drawingml/2006/main">
+            <a:r>
               <a:rPr kumimoji="0" lang="en" altLang="en-US" b="0" i="0" u="none" strike="noStrike" cap="none" normalizeH="0" baseline="0" dirty="0" err="1" smtClean="0">
                 <a:ln>
                   <a:noFill/>
@@ -6231,7 +6155,7 @@
               </a:rPr>
               <a:t>Try </a:t>
             </a:r>
-            <a:r xmlns:a="http://schemas.openxmlformats.org/drawingml/2006/main">
+            <a:r>
               <a:rPr kumimoji="0" lang="en" altLang="en-US" b="0" i="0" u="none" strike="noStrike" cap="none" normalizeH="0" baseline="0" dirty="0" smtClean="0">
                 <a:ln>
                   <a:noFill/>
@@ -6244,7 +6168,7 @@
               </a:rPr>
               <a:t>loading the first </a:t>
             </a:r>
-            <a:r xmlns:a="http://schemas.openxmlformats.org/drawingml/2006/main">
+            <a:r>
               <a:rPr kumimoji="0" lang="en" altLang="en-US" b="0" i="0" u="none" strike="noStrike" cap="none" normalizeH="0" baseline="0" dirty="0" err="1" smtClean="0">
                 <a:ln>
                   <a:noFill/>
@@ -6257,7 +6181,7 @@
               </a:rPr>
               <a:t>file </a:t>
             </a:r>
-            <a:r xmlns:a="http://schemas.openxmlformats.org/drawingml/2006/main">
+            <a:r>
               <a:rPr kumimoji="0" lang="en" altLang="en-US" b="0" i="0" u="none" strike="noStrike" cap="none" normalizeH="0" baseline="0" dirty="0" smtClean="0">
                 <a:ln>
                   <a:noFill/>
@@ -6270,7 +6194,7 @@
               </a:rPr>
               <a:t>( </a:t>
             </a:r>
-            <a:r xmlns:a="http://schemas.openxmlformats.org/drawingml/2006/main">
+            <a:r>
               <a:rPr kumimoji="0" lang="en" altLang="en-US" b="1" i="0" u="none" strike="noStrike" cap="none" normalizeH="0" baseline="0" dirty="0" smtClean="0">
                 <a:ln>
                   <a:noFill/>
@@ -6283,7 +6207,7 @@
               </a:rPr>
               <a:t>Example1.json </a:t>
             </a:r>
-            <a:r xmlns:a="http://schemas.openxmlformats.org/drawingml/2006/main">
+            <a:r>
               <a:rPr kumimoji="0" lang="en" altLang="en-US" b="0" i="0" u="none" strike="noStrike" cap="none" normalizeH="0" baseline="0" dirty="0" smtClean="0">
                 <a:ln>
                   <a:noFill/>
@@ -6296,7 +6220,7 @@
               </a:rPr>
               <a:t>) </a:t>
             </a:r>
-            <a:r xmlns:a="http://schemas.openxmlformats.org/drawingml/2006/main">
+            <a:r>
               <a:rPr kumimoji="0" lang="en" altLang="en-US" b="0" i="0" u="none" strike="noStrike" cap="none" normalizeH="0" baseline="0" dirty="0" err="1" smtClean="0">
                 <a:ln>
                   <a:noFill/>
@@ -6309,7 +6233,7 @@
               </a:rPr>
               <a:t>into </a:t>
             </a:r>
-            <a:r xmlns:a="http://schemas.openxmlformats.org/drawingml/2006/main">
+            <a:r>
               <a:rPr kumimoji="0" lang="en" altLang="en-US" b="0" i="0" u="none" strike="noStrike" cap="none" normalizeH="0" baseline="0" dirty="0" smtClean="0">
                 <a:ln>
                   <a:noFill/>
@@ -6322,7 +6246,7 @@
               </a:rPr>
               <a:t>Power Query and </a:t>
             </a:r>
-            <a:r xmlns:a="http://schemas.openxmlformats.org/drawingml/2006/main">
+            <a:r>
               <a:rPr kumimoji="0" lang="en" altLang="en-US" b="0" i="0" u="none" strike="noStrike" cap="none" normalizeH="0" baseline="0" dirty="0" err="1" smtClean="0">
                 <a:ln>
                   <a:noFill/>
@@ -6335,7 +6259,7 @@
               </a:rPr>
               <a:t>observe </a:t>
             </a:r>
-            <a:r xmlns:a="http://schemas.openxmlformats.org/drawingml/2006/main">
+            <a:r>
               <a:rPr kumimoji="0" lang="en" altLang="en-US" b="0" i="0" u="none" strike="noStrike" cap="none" normalizeH="0" baseline="0" dirty="0" smtClean="0">
                 <a:ln>
                   <a:noFill/>
@@ -6348,7 +6272,7 @@
               </a:rPr>
               <a:t>that the </a:t>
             </a:r>
-            <a:r xmlns:a="http://schemas.openxmlformats.org/drawingml/2006/main">
+            <a:r>
               <a:rPr kumimoji="0" lang="en" altLang="en-US" b="0" i="0" u="none" strike="noStrike" cap="none" normalizeH="0" baseline="0" dirty="0" err="1" smtClean="0">
                 <a:ln>
                   <a:noFill/>
@@ -6361,7 +6285,7 @@
               </a:rPr>
               <a:t>data</a:t>
             </a:r>
-            <a:r xmlns:a="http://schemas.openxmlformats.org/drawingml/2006/main">
+            <a:r>
               <a:rPr kumimoji="0" lang="en" altLang="en-US" b="0" i="0" u="none" strike="noStrike" cap="none" normalizeH="0" baseline="0" dirty="0" smtClean="0">
                 <a:ln>
                   <a:noFill/>
@@ -6374,7 +6298,7 @@
               </a:rPr>
               <a:t> </a:t>
             </a:r>
-            <a:r xmlns:a="http://schemas.openxmlformats.org/drawingml/2006/main">
+            <a:r>
               <a:rPr kumimoji="0" lang="en" altLang="en-US" b="0" i="0" u="none" strike="noStrike" cap="none" normalizeH="0" baseline="0" dirty="0" err="1" smtClean="0">
                 <a:ln>
                   <a:noFill/>
@@ -6387,7 +6311,7 @@
               </a:rPr>
               <a:t>are</a:t>
             </a:r>
-            <a:r xmlns:a="http://schemas.openxmlformats.org/drawingml/2006/main">
+            <a:r>
               <a:rPr kumimoji="0" lang="en" altLang="en-US" b="0" i="0" u="none" strike="noStrike" cap="none" normalizeH="0" baseline="0" dirty="0" smtClean="0">
                 <a:ln>
                   <a:noFill/>
@@ -6400,7 +6324,7 @@
               </a:rPr>
               <a:t> </a:t>
             </a:r>
-            <a:r xmlns:a="http://schemas.openxmlformats.org/drawingml/2006/main">
+            <a:r>
               <a:rPr kumimoji="0" lang="en" altLang="en-US" b="0" i="0" u="none" strike="noStrike" cap="none" normalizeH="0" baseline="0" dirty="0" err="1" smtClean="0">
                 <a:ln>
                   <a:noFill/>
@@ -6413,7 +6337,7 @@
               </a:rPr>
               <a:t>represented </a:t>
             </a:r>
-            <a:r xmlns:a="http://schemas.openxmlformats.org/drawingml/2006/main">
+            <a:r>
               <a:rPr kumimoji="0" lang="en" altLang="en-US" b="0" i="0" u="none" strike="noStrike" cap="none" normalizeH="0" baseline="0" dirty="0" smtClean="0">
                 <a:ln>
                   <a:noFill/>
@@ -6426,7 +6350,7 @@
               </a:rPr>
               <a:t>in </a:t>
             </a:r>
-            <a:r xmlns:a="http://schemas.openxmlformats.org/drawingml/2006/main">
+            <a:r>
               <a:rPr kumimoji="0" lang="en" altLang="en-US" b="0" i="0" u="none" strike="noStrike" cap="none" normalizeH="0" baseline="0" dirty="0" err="1" smtClean="0">
                 <a:ln>
                   <a:noFill/>
@@ -6439,7 +6363,7 @@
               </a:rPr>
               <a:t>the form</a:t>
             </a:r>
-            <a:r xmlns:a="http://schemas.openxmlformats.org/drawingml/2006/main">
+            <a:r>
               <a:rPr kumimoji="0" lang="en" altLang="en-US" b="0" i="0" u="none" strike="noStrike" cap="none" normalizeH="0" baseline="0" dirty="0" smtClean="0">
                 <a:ln>
                   <a:noFill/>
@@ -6452,7 +6376,7 @@
               </a:rPr>
               <a:t> </a:t>
             </a:r>
-            <a:r xmlns:a="http://schemas.openxmlformats.org/drawingml/2006/main">
+            <a:r>
               <a:rPr kumimoji="0" lang="en" altLang="en-US" b="0" i="0" u="none" strike="noStrike" cap="none" normalizeH="0" baseline="0" dirty="0" err="1" smtClean="0">
                 <a:ln>
                   <a:noFill/>
@@ -6465,7 +6389,7 @@
               </a:rPr>
               <a:t>of </a:t>
             </a:r>
-            <a:r xmlns:a="http://schemas.openxmlformats.org/drawingml/2006/main">
+            <a:r>
               <a:rPr kumimoji="0" lang="en" altLang="en-US" b="0" i="0" u="none" strike="noStrike" cap="none" normalizeH="0" baseline="0" dirty="0" smtClean="0">
                 <a:ln>
                   <a:noFill/>
@@ -6476,22 +6400,9 @@
                 <a:effectLst/>
                 <a:latin typeface="Arial" panose="020B0604020202020204" pitchFamily="34" charset="0"/>
               </a:rPr>
-              <a:t>records </a:t>
-            </a:r>
-            <a:r xmlns:a="http://schemas.openxmlformats.org/drawingml/2006/main">
-              <a:rPr kumimoji="0" lang="en" altLang="en-US" b="0" i="0" u="none" strike="noStrike" cap="none" normalizeH="0" baseline="0" dirty="0" smtClean="0">
-                <a:ln>
-                  <a:noFill/>
-                </a:ln>
-                <a:solidFill>
-                  <a:schemeClr val="tx1"/>
-                </a:solidFill>
-                <a:effectLst/>
-                <a:latin typeface="Arial" panose="020B0604020202020204" pitchFamily="34" charset="0"/>
-              </a:rPr>
-              <a:t>.</a:t>
-            </a:r>
-            <a:r xmlns:a="http://schemas.openxmlformats.org/drawingml/2006/main">
+              <a:t>records .</a:t>
+            </a:r>
+            <a:r>
               <a:rPr kumimoji="0" lang="en" altLang="en-US" b="0" i="1" u="none" strike="noStrike" cap="none" normalizeH="0" baseline="0" dirty="0" smtClean="0">
                 <a:ln>
                   <a:noFill/>
@@ -6593,7 +6504,7 @@
           </a:bodyPr>
           <a:lstStyle/>
           <a:p>
-            <a:pPr xmlns:a="http://schemas.openxmlformats.org/drawingml/2006/main">
+            <a:pPr>
               <a:lnSpc>
                 <a:spcPct val="107000"/>
               </a:lnSpc>
@@ -6604,7 +6515,7 @@
                 <a:spcPts val="0"/>
               </a:spcAft>
             </a:pPr>
-            <a:r xmlns:a="http://schemas.openxmlformats.org/drawingml/2006/main">
+            <a:r>
               <a:rPr lang="en" b="1" kern="0" dirty="0" smtClean="0">
                 <a:latin typeface="Segoe UI" panose="020B0502040204020203" pitchFamily="34" charset="0"/>
                 <a:ea typeface="Times New Roman" panose="02020603050405020304" pitchFamily="18" charset="0"/>
@@ -6612,7 +6523,7 @@
               </a:rPr>
               <a:t>Import JSON</a:t>
             </a:r>
-            <a:endParaRPr xmlns:a="http://schemas.openxmlformats.org/drawingml/2006/main" lang="en-US" b="1" kern="0" dirty="0">
+            <a:endParaRPr lang="en-US" b="1" kern="0" dirty="0">
               <a:latin typeface="Segoe UI" panose="020B0502040204020203" pitchFamily="34" charset="0"/>
               <a:ea typeface="Times New Roman" panose="02020603050405020304" pitchFamily="18" charset="0"/>
               <a:cs typeface="Times New Roman" panose="02020603050405020304" pitchFamily="18" charset="0"/>
@@ -6739,7 +6650,7 @@
           </a:bodyPr>
           <a:lstStyle/>
           <a:p>
-            <a:pPr xmlns:a="http://schemas.openxmlformats.org/drawingml/2006/main" marL="0" marR="0" lvl="0" indent="0" algn="l" defTabSz="914400" rtl="0" eaLnBrk="0" fontAlgn="base" latinLnBrk="0" hangingPunct="0">
+            <a:pPr marL="0" marR="0" lvl="0" indent="0" algn="l" defTabSz="914400" rtl="0" eaLnBrk="0" fontAlgn="base" latinLnBrk="0" hangingPunct="0">
               <a:lnSpc>
                 <a:spcPct val="100000"/>
               </a:lnSpc>
@@ -6755,7 +6666,7 @@
               <a:buNone/>
               <a:tabLst/>
             </a:pPr>
-            <a:r xmlns:a="http://schemas.openxmlformats.org/drawingml/2006/main">
+            <a:r>
               <a:rPr kumimoji="0" lang="en" altLang="en-US" sz="1800" b="0" i="0" u="none" strike="noStrike" cap="none" normalizeH="0" baseline="0" smtClean="0">
                 <a:ln>
                   <a:noFill/>
@@ -6768,7 +6679,7 @@
               </a:rPr>
               <a:t>Keep only </a:t>
             </a:r>
-            <a:r xmlns:a="http://schemas.openxmlformats.org/drawingml/2006/main">
+            <a:r>
               <a:rPr kumimoji="0" lang="en" altLang="en-US" sz="1800" b="1" i="0" u="none" strike="noStrike" cap="none" normalizeH="0" baseline="0" smtClean="0">
                 <a:ln>
                   <a:noFill/>
@@ -6781,7 +6692,7 @@
               </a:rPr>
               <a:t>Source </a:t>
             </a:r>
-            <a:r xmlns:a="http://schemas.openxmlformats.org/drawingml/2006/main">
+            <a:r>
               <a:rPr kumimoji="0" lang="en" altLang="en-US" sz="1800" b="0" i="0" u="none" strike="noStrike" cap="none" normalizeH="0" baseline="0" smtClean="0">
                 <a:ln>
                   <a:noFill/>
@@ -6855,7 +6766,7 @@
           </a:bodyPr>
           <a:lstStyle/>
           <a:p>
-            <a:pPr xmlns:a="http://schemas.openxmlformats.org/drawingml/2006/main">
+            <a:pPr>
               <a:lnSpc>
                 <a:spcPct val="107000"/>
               </a:lnSpc>
@@ -6866,7 +6777,7 @@
                 <a:spcPts val="0"/>
               </a:spcAft>
             </a:pPr>
-            <a:r xmlns:a="http://schemas.openxmlformats.org/drawingml/2006/main">
+            <a:r>
               <a:rPr lang="en" b="1" kern="0" dirty="0" smtClean="0">
                 <a:latin typeface="Segoe UI" panose="020B0502040204020203" pitchFamily="34" charset="0"/>
                 <a:ea typeface="Times New Roman" panose="02020603050405020304" pitchFamily="18" charset="0"/>
@@ -6874,7 +6785,7 @@
               </a:rPr>
               <a:t>Import JSON</a:t>
             </a:r>
-            <a:endParaRPr xmlns:a="http://schemas.openxmlformats.org/drawingml/2006/main" lang="en-US" b="1" kern="0" dirty="0">
+            <a:endParaRPr lang="en-US" b="1" kern="0" dirty="0">
               <a:latin typeface="Segoe UI" panose="020B0502040204020203" pitchFamily="34" charset="0"/>
               <a:ea typeface="Times New Roman" panose="02020603050405020304" pitchFamily="18" charset="0"/>
               <a:cs typeface="Times New Roman" panose="02020603050405020304" pitchFamily="18" charset="0"/>
@@ -6903,19 +6814,19 @@
           </a:bodyPr>
           <a:lstStyle/>
           <a:p>
-            <a:r xmlns:a="http://schemas.openxmlformats.org/drawingml/2006/main">
+            <a:r>
               <a:rPr lang="en" dirty="0" smtClean="0"/>
               <a:t>Click </a:t>
             </a:r>
-            <a:r xmlns:a="http://schemas.openxmlformats.org/drawingml/2006/main">
+            <a:r>
               <a:rPr lang="en" b="1" dirty="0" err="1" smtClean="0"/>
               <a:t>Into </a:t>
             </a:r>
-            <a:r xmlns:a="http://schemas.openxmlformats.org/drawingml/2006/main">
+            <a:r>
               <a:rPr lang="en" b="1" dirty="0" smtClean="0"/>
               <a:t>Table</a:t>
             </a:r>
-            <a:endParaRPr xmlns:a="http://schemas.openxmlformats.org/drawingml/2006/main" lang="en-US" b="1" dirty="0"/>
+            <a:endParaRPr lang="en-US" b="1" dirty="0"/>
           </a:p>
         </p:txBody>
       </p:sp>
@@ -7056,15 +6967,15 @@
           </a:bodyPr>
           <a:lstStyle/>
           <a:p>
-            <a:r xmlns:a="http://schemas.openxmlformats.org/drawingml/2006/main">
+            <a:r>
               <a:rPr lang="en" dirty="0" err="1" smtClean="0"/>
               <a:t>Click </a:t>
             </a:r>
-            <a:r xmlns:a="http://schemas.openxmlformats.org/drawingml/2006/main">
+            <a:r>
               <a:rPr lang="en" dirty="0" smtClean="0"/>
               <a:t>the icon</a:t>
             </a:r>
-            <a:endParaRPr xmlns:a="http://schemas.openxmlformats.org/drawingml/2006/main" lang="en-US" dirty="0"/>
+            <a:endParaRPr lang="en-US" dirty="0"/>
           </a:p>
         </p:txBody>
       </p:sp>
@@ -7112,11 +7023,11 @@
           </a:bodyPr>
           <a:lstStyle/>
           <a:p>
-            <a:r xmlns:a="http://schemas.openxmlformats.org/drawingml/2006/main">
+            <a:r>
               <a:rPr lang="en" dirty="0" smtClean="0"/>
               <a:t>Expand the list</a:t>
             </a:r>
-            <a:endParaRPr xmlns:a="http://schemas.openxmlformats.org/drawingml/2006/main" lang="en-US" dirty="0"/>
+            <a:endParaRPr lang="en-US" dirty="0"/>
           </a:p>
         </p:txBody>
       </p:sp>
@@ -7241,12 +7152,12 @@
           <a:bodyPr rtlCol="0" anchor="ctr"/>
           <a:lstStyle/>
           <a:p>
-            <a:pPr xmlns:a="http://schemas.openxmlformats.org/drawingml/2006/main" algn="ctr"/>
-            <a:r xmlns:a="http://schemas.openxmlformats.org/drawingml/2006/main">
+            <a:pPr algn="ctr"/>
+            <a:r>
               <a:rPr lang="en" b="1" dirty="0" smtClean="0"/>
               <a:t>1</a:t>
             </a:r>
-            <a:endParaRPr xmlns:a="http://schemas.openxmlformats.org/drawingml/2006/main" lang="en-US" b="1" dirty="0"/>
+            <a:endParaRPr lang="en-US" b="1" dirty="0"/>
           </a:p>
         </p:txBody>
       </p:sp>
@@ -7291,12 +7202,12 @@
           <a:bodyPr rtlCol="0" anchor="ctr"/>
           <a:lstStyle/>
           <a:p>
-            <a:pPr xmlns:a="http://schemas.openxmlformats.org/drawingml/2006/main" algn="ctr"/>
-            <a:r xmlns:a="http://schemas.openxmlformats.org/drawingml/2006/main">
+            <a:pPr algn="ctr"/>
+            <a:r>
               <a:rPr lang="en" b="1" dirty="0" smtClean="0"/>
               <a:t>2</a:t>
             </a:r>
-            <a:endParaRPr xmlns:a="http://schemas.openxmlformats.org/drawingml/2006/main" lang="en-US" b="1" dirty="0"/>
+            <a:endParaRPr lang="en-US" b="1" dirty="0"/>
           </a:p>
         </p:txBody>
       </p:sp>
@@ -7322,45 +7233,45 @@
           </a:bodyPr>
           <a:lstStyle/>
           <a:p>
-            <a:r xmlns:a="http://schemas.openxmlformats.org/drawingml/2006/main">
+            <a:r>
               <a:rPr lang="en" sz="1200" dirty="0" err="1" smtClean="0"/>
               <a:t>Create</a:t>
             </a:r>
-            <a:r xmlns:a="http://schemas.openxmlformats.org/drawingml/2006/main">
+            <a:r>
               <a:rPr lang="en" sz="1200" dirty="0" smtClean="0"/>
               <a:t> </a:t>
             </a:r>
-            <a:r xmlns:a="http://schemas.openxmlformats.org/drawingml/2006/main">
+            <a:r>
               <a:rPr lang="en" sz="1200" dirty="0" err="1" smtClean="0"/>
               <a:t>each </a:t>
             </a:r>
-            <a:r xmlns:a="http://schemas.openxmlformats.org/drawingml/2006/main">
+            <a:r>
               <a:rPr lang="en" sz="1200" dirty="0" smtClean="0"/>
               <a:t>data </a:t>
             </a:r>
-            <a:r xmlns:a="http://schemas.openxmlformats.org/drawingml/2006/main">
+            <a:r>
               <a:rPr lang="en" sz="1200" dirty="0" err="1" smtClean="0"/>
               <a:t>in</a:t>
             </a:r>
-            <a:r xmlns:a="http://schemas.openxmlformats.org/drawingml/2006/main">
+            <a:r>
               <a:rPr lang="en" sz="1200" dirty="0" smtClean="0"/>
               <a:t> </a:t>
             </a:r>
-            <a:r xmlns:a="http://schemas.openxmlformats.org/drawingml/2006/main">
+            <a:r>
               <a:rPr lang="en" sz="1200" dirty="0" err="1" smtClean="0"/>
               <a:t>a</a:t>
             </a:r>
-            <a:r xmlns:a="http://schemas.openxmlformats.org/drawingml/2006/main">
+            <a:r>
               <a:rPr lang="en" sz="1200" dirty="0" smtClean="0"/>
               <a:t> </a:t>
             </a:r>
           </a:p>
           <a:p>
-            <a:r xmlns:a="http://schemas.openxmlformats.org/drawingml/2006/main">
+            <a:r>
               <a:rPr lang="en" sz="1200" dirty="0" smtClean="0"/>
               <a:t>Separate line</a:t>
             </a:r>
-            <a:endParaRPr xmlns:a="http://schemas.openxmlformats.org/drawingml/2006/main" lang="en-US" sz="1200" dirty="0"/>
+            <a:endParaRPr lang="en-US" sz="1200" dirty="0"/>
           </a:p>
         </p:txBody>
       </p:sp>
@@ -7386,17 +7297,17 @@
           </a:bodyPr>
           <a:lstStyle/>
           <a:p>
-            <a:r xmlns:a="http://schemas.openxmlformats.org/drawingml/2006/main">
+            <a:r>
               <a:rPr lang="en" sz="1200" dirty="0" smtClean="0"/>
               <a:t>Create multiple data in a single line</a:t>
             </a:r>
           </a:p>
           <a:p>
-            <a:r xmlns:a="http://schemas.openxmlformats.org/drawingml/2006/main">
+            <a:r>
               <a:rPr lang="en" sz="1200" dirty="0" smtClean="0"/>
               <a:t>with separator</a:t>
             </a:r>
-            <a:endParaRPr xmlns:a="http://schemas.openxmlformats.org/drawingml/2006/main" lang="en-US" sz="1200" dirty="0"/>
+            <a:endParaRPr lang="en-US" sz="1200" dirty="0"/>
           </a:p>
         </p:txBody>
       </p:sp>
@@ -7458,7 +7369,7 @@
           </a:bodyPr>
           <a:lstStyle/>
           <a:p>
-            <a:pPr xmlns:a="http://schemas.openxmlformats.org/drawingml/2006/main">
+            <a:pPr>
               <a:lnSpc>
                 <a:spcPct val="107000"/>
               </a:lnSpc>
@@ -7469,7 +7380,7 @@
                 <a:spcPts val="0"/>
               </a:spcAft>
             </a:pPr>
-            <a:r xmlns:a="http://schemas.openxmlformats.org/drawingml/2006/main">
+            <a:r>
               <a:rPr lang="en" b="1" kern="0" dirty="0" smtClean="0">
                 <a:latin typeface="Segoe UI" panose="020B0502040204020203" pitchFamily="34" charset="0"/>
                 <a:ea typeface="Times New Roman" panose="02020603050405020304" pitchFamily="18" charset="0"/>
@@ -7477,7 +7388,7 @@
               </a:rPr>
               <a:t>Import JSON</a:t>
             </a:r>
-            <a:endParaRPr xmlns:a="http://schemas.openxmlformats.org/drawingml/2006/main" lang="en-US" b="1" kern="0" dirty="0">
+            <a:endParaRPr lang="en-US" b="1" kern="0" dirty="0">
               <a:latin typeface="Segoe UI" panose="020B0502040204020203" pitchFamily="34" charset="0"/>
               <a:ea typeface="Times New Roman" panose="02020603050405020304" pitchFamily="18" charset="0"/>
               <a:cs typeface="Times New Roman" panose="02020603050405020304" pitchFamily="18" charset="0"/>
@@ -7506,11 +7417,11 @@
           </a:bodyPr>
           <a:lstStyle/>
           <a:p>
-            <a:r xmlns:a="http://schemas.openxmlformats.org/drawingml/2006/main">
+            <a:r>
               <a:rPr lang="en" dirty="0" smtClean="0"/>
               <a:t>This for example kind of data structure</a:t>
             </a:r>
-            <a:endParaRPr xmlns:a="http://schemas.openxmlformats.org/drawingml/2006/main" lang="en-US" b="1" dirty="0"/>
+            <a:endParaRPr lang="en-US" b="1" dirty="0"/>
           </a:p>
         </p:txBody>
       </p:sp>
@@ -7640,8 +7551,8 @@
         </p:nvSpPr>
         <p:spPr>
           <a:xfrm>
-            <a:off x="4402178" y="2685208"/>
-            <a:ext cx="3456395" cy="1569660"/>
+            <a:off x="3047511" y="2589252"/>
+            <a:ext cx="6230360" cy="1569660"/>
           </a:xfrm>
           <a:prstGeom prst="rect">
             <a:avLst/>
@@ -7748,8 +7659,8 @@
             </a:lvl9pPr>
           </a:lstStyle>
           <a:p>
-            <a:r xmlns:a="http://schemas.openxmlformats.org/drawingml/2006/main">
-              <a:rPr lang="en" sz="9600" b="1" dirty="0" smtClean="0">
+            <a:r>
+              <a:rPr lang="en-US" sz="9600" b="1" dirty="0" smtClean="0">
                 <a:solidFill>
                   <a:srgbClr val="7030A0"/>
                 </a:solidFill>
@@ -7757,9 +7668,9 @@
                 <a:ea typeface="Verdana" panose="020B0604030504040204" pitchFamily="34" charset="0"/>
                 <a:cs typeface="Segoe UI" panose="020B0502040204020203" pitchFamily="34" charset="0"/>
               </a:rPr>
-              <a:t>THANKS</a:t>
-            </a:r>
-            <a:endParaRPr xmlns:a="http://schemas.openxmlformats.org/drawingml/2006/main" lang="en-US" sz="9600" b="1" dirty="0">
+              <a:t>Thank you</a:t>
+            </a:r>
+            <a:endParaRPr lang="en-US" sz="9600" b="1" dirty="0">
               <a:solidFill>
                 <a:srgbClr val="7030A0"/>
               </a:solidFill>
@@ -7778,8 +7689,8 @@
         </p:nvSpPr>
         <p:spPr>
           <a:xfrm>
-            <a:off x="4333426" y="2603133"/>
-            <a:ext cx="3456395" cy="1569660"/>
+            <a:off x="2978759" y="2507177"/>
+            <a:ext cx="6230360" cy="1569660"/>
           </a:xfrm>
           <a:prstGeom prst="rect">
             <a:avLst/>
@@ -7886,8 +7797,8 @@
             </a:lvl9pPr>
           </a:lstStyle>
           <a:p>
-            <a:r xmlns:a="http://schemas.openxmlformats.org/drawingml/2006/main">
-              <a:rPr lang="en" sz="9600" b="1" dirty="0" smtClean="0">
+            <a:r>
+              <a:rPr lang="en-US" sz="9600" b="1" dirty="0" smtClean="0">
                 <a:solidFill>
                   <a:schemeClr val="bg1"/>
                 </a:solidFill>
@@ -7895,9 +7806,9 @@
                 <a:ea typeface="Verdana" panose="020B0604030504040204" pitchFamily="34" charset="0"/>
                 <a:cs typeface="Segoe UI" panose="020B0502040204020203" pitchFamily="34" charset="0"/>
               </a:rPr>
-              <a:t>THANKS</a:t>
-            </a:r>
-            <a:endParaRPr xmlns:a="http://schemas.openxmlformats.org/drawingml/2006/main" lang="en-US" sz="9600" b="1" dirty="0">
+              <a:t>Thank you</a:t>
+            </a:r>
+            <a:endParaRPr lang="en-US" sz="9600" b="1" dirty="0">
               <a:solidFill>
                 <a:schemeClr val="bg1"/>
               </a:solidFill>
